--- a/Aurkezpena/Aurkezpena_5.taldea_2.sprint.pptx
+++ b/Aurkezpena/Aurkezpena_5.taldea_2.sprint.pptx
@@ -5,11 +5,25 @@
     <p:sldMasterId id="2147483660" r:id="rId1"/>
   </p:sldMasterIdLst>
   <p:notesMasterIdLst>
-    <p:notesMasterId r:id="rId4"/>
+    <p:notesMasterId r:id="rId18"/>
   </p:notesMasterIdLst>
   <p:sldIdLst>
     <p:sldId id="256" r:id="rId2"/>
     <p:sldId id="257" r:id="rId3"/>
+    <p:sldId id="258" r:id="rId4"/>
+    <p:sldId id="259" r:id="rId5"/>
+    <p:sldId id="260" r:id="rId6"/>
+    <p:sldId id="261" r:id="rId7"/>
+    <p:sldId id="262" r:id="rId8"/>
+    <p:sldId id="266" r:id="rId9"/>
+    <p:sldId id="263" r:id="rId10"/>
+    <p:sldId id="264" r:id="rId11"/>
+    <p:sldId id="267" r:id="rId12"/>
+    <p:sldId id="268" r:id="rId13"/>
+    <p:sldId id="269" r:id="rId14"/>
+    <p:sldId id="270" r:id="rId15"/>
+    <p:sldId id="271" r:id="rId16"/>
+    <p:sldId id="272" r:id="rId17"/>
   </p:sldIdLst>
   <p:sldSz cx="12192000" cy="6858000"/>
   <p:notesSz cx="6858000" cy="9144000"/>
@@ -108,7 +122,20 @@
       </a:defRPr>
     </a:lvl9pPr>
   </p:defaultTextStyle>
+  <p:extLst>
+    <p:ext uri="{EFAFB233-063F-42B5-8137-9DF3F51BA10A}">
+      <p15:sldGuideLst xmlns:p15="http://schemas.microsoft.com/office/powerpoint/2012/main"/>
+    </p:ext>
+  </p:extLst>
 </p:presentation>
+</file>
+
+<file path=ppt/revisionInfo.xml><?xml version="1.0" encoding="utf-8"?>
+<p1510:revInfo xmlns:a="http://schemas.openxmlformats.org/drawingml/2006/main" xmlns:r="http://schemas.openxmlformats.org/officeDocument/2006/relationships" xmlns:p1510="http://schemas.microsoft.com/office/powerpoint/2015/10/main">
+  <p1510:revLst>
+    <p1510:client id="{86E648C5-4C1F-194C-490F-A3793DA9C7D9}" v="508" dt="2024-04-29T19:04:34.853"/>
+  </p1510:revLst>
+</p1510:revInfo>
 </file>
 
 <file path=ppt/notesMasters/notesMaster1.xml><?xml version="1.0" encoding="utf-8"?>
@@ -193,7 +220,7 @@
           <a:p>
             <a:fld id="{2487B47E-1D1C-43F0-89C4-15CB0C688C8C}" type="datetimeFigureOut">
               <a:rPr lang="es-ES" smtClean="0"/>
-              <a:t>26/04/2024</a:t>
+              <a:t>29/04/2024</a:t>
             </a:fld>
             <a:endParaRPr lang="es-ES"/>
           </a:p>
@@ -257,35 +284,35 @@
           <a:p>
             <a:pPr lvl="0"/>
             <a:r>
-              <a:rPr lang="eu-ES" smtClean="0"/>
+              <a:rPr lang="eu-ES"/>
               <a:t>Egin klik diapositiba nagusiaren testu-estiloak aldatzeko</a:t>
             </a:r>
           </a:p>
           <a:p>
             <a:pPr lvl="1"/>
             <a:r>
-              <a:rPr lang="eu-ES" smtClean="0"/>
+              <a:rPr lang="eu-ES"/>
               <a:t>Bigarren maila</a:t>
             </a:r>
           </a:p>
           <a:p>
             <a:pPr lvl="2"/>
             <a:r>
-              <a:rPr lang="eu-ES" smtClean="0"/>
+              <a:rPr lang="eu-ES"/>
               <a:t>Hirugarren maila</a:t>
             </a:r>
           </a:p>
           <a:p>
             <a:pPr lvl="3"/>
             <a:r>
-              <a:rPr lang="eu-ES" smtClean="0"/>
+              <a:rPr lang="eu-ES"/>
               <a:t>Laugarren maila</a:t>
             </a:r>
           </a:p>
           <a:p>
             <a:pPr lvl="4"/>
             <a:r>
-              <a:rPr lang="eu-ES" smtClean="0"/>
+              <a:rPr lang="eu-ES"/>
               <a:t>Bosgarren maila</a:t>
             </a:r>
             <a:endParaRPr lang="es-ES"/>
@@ -352,7 +379,7 @@
           <a:p>
             <a:fld id="{91E5604F-4A60-4958-AF15-A5D99394F0AF}" type="slidenum">
               <a:rPr lang="es-ES" smtClean="0"/>
-              <a:t>‹zk.›</a:t>
+              <a:t>‹Nº›</a:t>
             </a:fld>
             <a:endParaRPr lang="es-ES"/>
           </a:p>
@@ -1763,7 +1790,7 @@
           </a:lstStyle>
           <a:p>
             <a:r>
-              <a:rPr lang="eu-ES" smtClean="0"/>
+              <a:rPr lang="eu-ES"/>
               <a:t>Egin klik titulu maisuaren estiloa aldatzeko</a:t>
             </a:r>
             <a:endParaRPr lang="en-US" dirty="0"/>
@@ -1837,7 +1864,7 @@
           </a:lstStyle>
           <a:p>
             <a:r>
-              <a:rPr lang="eu-ES" smtClean="0"/>
+              <a:rPr lang="eu-ES"/>
               <a:t>Egin klik elementu nagusiaren azpititulu-estiloa editatzeko</a:t>
             </a:r>
             <a:endParaRPr lang="en-US" dirty="0"/>
@@ -1870,7 +1897,7 @@
           <a:p>
             <a:fld id="{73A8D5A0-A780-4503-A33D-9102CDCF8FE3}" type="datetimeFigureOut">
               <a:rPr lang="es-ES" smtClean="0"/>
-              <a:t>26/04/2024</a:t>
+              <a:t>29/04/2024</a:t>
             </a:fld>
             <a:endParaRPr lang="es-ES"/>
           </a:p>
@@ -1926,7 +1953,7 @@
           <a:p>
             <a:fld id="{A933338F-8713-4FAC-B8DB-603627AA4C3E}" type="slidenum">
               <a:rPr lang="es-ES" smtClean="0"/>
-              <a:t>‹zk.›</a:t>
+              <a:t>‹Nº›</a:t>
             </a:fld>
             <a:endParaRPr lang="es-ES"/>
           </a:p>
@@ -3248,7 +3275,7 @@
           </a:lstStyle>
           <a:p>
             <a:r>
-              <a:rPr lang="eu-ES" smtClean="0"/>
+              <a:rPr lang="eu-ES"/>
               <a:t>Egin klik titulu maisuaren estiloa aldatzeko</a:t>
             </a:r>
             <a:endParaRPr lang="en-US" dirty="0"/>
@@ -3277,35 +3304,35 @@
           <a:p>
             <a:pPr lvl="0"/>
             <a:r>
-              <a:rPr lang="eu-ES" smtClean="0"/>
+              <a:rPr lang="eu-ES"/>
               <a:t>Egin klik diapositiba nagusiaren testu-estiloak aldatzeko</a:t>
             </a:r>
           </a:p>
           <a:p>
             <a:pPr lvl="1"/>
             <a:r>
-              <a:rPr lang="eu-ES" smtClean="0"/>
+              <a:rPr lang="eu-ES"/>
               <a:t>Bigarren maila</a:t>
             </a:r>
           </a:p>
           <a:p>
             <a:pPr lvl="2"/>
             <a:r>
-              <a:rPr lang="eu-ES" smtClean="0"/>
+              <a:rPr lang="eu-ES"/>
               <a:t>Hirugarren maila</a:t>
             </a:r>
           </a:p>
           <a:p>
             <a:pPr lvl="3"/>
             <a:r>
-              <a:rPr lang="eu-ES" smtClean="0"/>
+              <a:rPr lang="eu-ES"/>
               <a:t>Laugarren maila</a:t>
             </a:r>
           </a:p>
           <a:p>
             <a:pPr lvl="4"/>
             <a:r>
-              <a:rPr lang="eu-ES" smtClean="0"/>
+              <a:rPr lang="eu-ES"/>
               <a:t>Bosgarren maila</a:t>
             </a:r>
             <a:endParaRPr lang="en-US" dirty="0"/>
@@ -3329,7 +3356,7 @@
           <a:p>
             <a:fld id="{73A8D5A0-A780-4503-A33D-9102CDCF8FE3}" type="datetimeFigureOut">
               <a:rPr lang="es-ES" smtClean="0"/>
-              <a:t>26/04/2024</a:t>
+              <a:t>29/04/2024</a:t>
             </a:fld>
             <a:endParaRPr lang="es-ES"/>
           </a:p>
@@ -3371,7 +3398,7 @@
           <a:p>
             <a:fld id="{A933338F-8713-4FAC-B8DB-603627AA4C3E}" type="slidenum">
               <a:rPr lang="es-ES" smtClean="0"/>
-              <a:t>‹zk.›</a:t>
+              <a:t>‹Nº›</a:t>
             </a:fld>
             <a:endParaRPr lang="es-ES"/>
           </a:p>
@@ -4696,7 +4723,7 @@
           </a:lstStyle>
           <a:p>
             <a:r>
-              <a:rPr lang="eu-ES" smtClean="0"/>
+              <a:rPr lang="eu-ES"/>
               <a:t>Egin klik titulu maisuaren estiloa aldatzeko</a:t>
             </a:r>
             <a:endParaRPr lang="en-US" dirty="0"/>
@@ -4725,35 +4752,35 @@
           <a:p>
             <a:pPr lvl="0"/>
             <a:r>
-              <a:rPr lang="eu-ES" smtClean="0"/>
+              <a:rPr lang="eu-ES"/>
               <a:t>Egin klik diapositiba nagusiaren testu-estiloak aldatzeko</a:t>
             </a:r>
           </a:p>
           <a:p>
             <a:pPr lvl="1"/>
             <a:r>
-              <a:rPr lang="eu-ES" smtClean="0"/>
+              <a:rPr lang="eu-ES"/>
               <a:t>Bigarren maila</a:t>
             </a:r>
           </a:p>
           <a:p>
             <a:pPr lvl="2"/>
             <a:r>
-              <a:rPr lang="eu-ES" smtClean="0"/>
+              <a:rPr lang="eu-ES"/>
               <a:t>Hirugarren maila</a:t>
             </a:r>
           </a:p>
           <a:p>
             <a:pPr lvl="3"/>
             <a:r>
-              <a:rPr lang="eu-ES" smtClean="0"/>
+              <a:rPr lang="eu-ES"/>
               <a:t>Laugarren maila</a:t>
             </a:r>
           </a:p>
           <a:p>
             <a:pPr lvl="4"/>
             <a:r>
-              <a:rPr lang="eu-ES" smtClean="0"/>
+              <a:rPr lang="eu-ES"/>
               <a:t>Bosgarren maila</a:t>
             </a:r>
             <a:endParaRPr lang="en-US" dirty="0"/>
@@ -4782,7 +4809,7 @@
           <a:p>
             <a:fld id="{73A8D5A0-A780-4503-A33D-9102CDCF8FE3}" type="datetimeFigureOut">
               <a:rPr lang="es-ES" smtClean="0"/>
-              <a:t>26/04/2024</a:t>
+              <a:t>29/04/2024</a:t>
             </a:fld>
             <a:endParaRPr lang="es-ES"/>
           </a:p>
@@ -4834,7 +4861,7 @@
           <a:p>
             <a:fld id="{A933338F-8713-4FAC-B8DB-603627AA4C3E}" type="slidenum">
               <a:rPr lang="es-ES" smtClean="0"/>
-              <a:t>‹zk.›</a:t>
+              <a:t>‹Nº›</a:t>
             </a:fld>
             <a:endParaRPr lang="es-ES"/>
           </a:p>
@@ -6156,7 +6183,7 @@
           </a:lstStyle>
           <a:p>
             <a:r>
-              <a:rPr lang="eu-ES" smtClean="0"/>
+              <a:rPr lang="eu-ES"/>
               <a:t>Egin klik titulu maisuaren estiloa aldatzeko</a:t>
             </a:r>
             <a:endParaRPr lang="en-US" dirty="0"/>
@@ -6185,35 +6212,35 @@
           <a:p>
             <a:pPr lvl="0"/>
             <a:r>
-              <a:rPr lang="eu-ES" smtClean="0"/>
+              <a:rPr lang="eu-ES"/>
               <a:t>Egin klik diapositiba nagusiaren testu-estiloak aldatzeko</a:t>
             </a:r>
           </a:p>
           <a:p>
             <a:pPr lvl="1"/>
             <a:r>
-              <a:rPr lang="eu-ES" smtClean="0"/>
+              <a:rPr lang="eu-ES"/>
               <a:t>Bigarren maila</a:t>
             </a:r>
           </a:p>
           <a:p>
             <a:pPr lvl="2"/>
             <a:r>
-              <a:rPr lang="eu-ES" smtClean="0"/>
+              <a:rPr lang="eu-ES"/>
               <a:t>Hirugarren maila</a:t>
             </a:r>
           </a:p>
           <a:p>
             <a:pPr lvl="3"/>
             <a:r>
-              <a:rPr lang="eu-ES" smtClean="0"/>
+              <a:rPr lang="eu-ES"/>
               <a:t>Laugarren maila</a:t>
             </a:r>
           </a:p>
           <a:p>
             <a:pPr lvl="4"/>
             <a:r>
-              <a:rPr lang="eu-ES" smtClean="0"/>
+              <a:rPr lang="eu-ES"/>
               <a:t>Bosgarren maila</a:t>
             </a:r>
             <a:endParaRPr lang="en-US" dirty="0"/>
@@ -6237,7 +6264,7 @@
           <a:p>
             <a:fld id="{73A8D5A0-A780-4503-A33D-9102CDCF8FE3}" type="datetimeFigureOut">
               <a:rPr lang="es-ES" smtClean="0"/>
-              <a:t>26/04/2024</a:t>
+              <a:t>29/04/2024</a:t>
             </a:fld>
             <a:endParaRPr lang="es-ES"/>
           </a:p>
@@ -6279,7 +6306,7 @@
           <a:p>
             <a:fld id="{A933338F-8713-4FAC-B8DB-603627AA4C3E}" type="slidenum">
               <a:rPr lang="es-ES" smtClean="0"/>
-              <a:t>‹zk.›</a:t>
+              <a:t>‹Nº›</a:t>
             </a:fld>
             <a:endParaRPr lang="es-ES"/>
           </a:p>
@@ -7597,7 +7624,7 @@
           </a:lstStyle>
           <a:p>
             <a:r>
-              <a:rPr lang="eu-ES" smtClean="0"/>
+              <a:rPr lang="eu-ES"/>
               <a:t>Egin klik titulu maisuaren estiloa aldatzeko</a:t>
             </a:r>
             <a:endParaRPr lang="en-US" dirty="0"/>
@@ -7717,7 +7744,7 @@
           <a:p>
             <a:pPr lvl="0"/>
             <a:r>
-              <a:rPr lang="eu-ES" smtClean="0"/>
+              <a:rPr lang="eu-ES"/>
               <a:t>Egin klik diapositiba nagusiaren testu-estiloak aldatzeko</a:t>
             </a:r>
           </a:p>
@@ -7745,7 +7772,7 @@
           <a:p>
             <a:fld id="{73A8D5A0-A780-4503-A33D-9102CDCF8FE3}" type="datetimeFigureOut">
               <a:rPr lang="es-ES" smtClean="0"/>
-              <a:t>26/04/2024</a:t>
+              <a:t>29/04/2024</a:t>
             </a:fld>
             <a:endParaRPr lang="es-ES"/>
           </a:p>
@@ -7801,7 +7828,7 @@
           <a:p>
             <a:fld id="{A933338F-8713-4FAC-B8DB-603627AA4C3E}" type="slidenum">
               <a:rPr lang="es-ES" smtClean="0"/>
-              <a:t>‹zk.›</a:t>
+              <a:t>‹Nº›</a:t>
             </a:fld>
             <a:endParaRPr lang="es-ES"/>
           </a:p>
@@ -9123,7 +9150,7 @@
           </a:lstStyle>
           <a:p>
             <a:r>
-              <a:rPr lang="eu-ES" smtClean="0"/>
+              <a:rPr lang="eu-ES"/>
               <a:t>Egin klik titulu maisuaren estiloa aldatzeko</a:t>
             </a:r>
             <a:endParaRPr lang="en-US" dirty="0"/>
@@ -9152,35 +9179,35 @@
           <a:p>
             <a:pPr lvl="0"/>
             <a:r>
-              <a:rPr lang="eu-ES" smtClean="0"/>
+              <a:rPr lang="eu-ES"/>
               <a:t>Egin klik diapositiba nagusiaren testu-estiloak aldatzeko</a:t>
             </a:r>
           </a:p>
           <a:p>
             <a:pPr lvl="1"/>
             <a:r>
-              <a:rPr lang="eu-ES" smtClean="0"/>
+              <a:rPr lang="eu-ES"/>
               <a:t>Bigarren maila</a:t>
             </a:r>
           </a:p>
           <a:p>
             <a:pPr lvl="2"/>
             <a:r>
-              <a:rPr lang="eu-ES" smtClean="0"/>
+              <a:rPr lang="eu-ES"/>
               <a:t>Hirugarren maila</a:t>
             </a:r>
           </a:p>
           <a:p>
             <a:pPr lvl="3"/>
             <a:r>
-              <a:rPr lang="eu-ES" smtClean="0"/>
+              <a:rPr lang="eu-ES"/>
               <a:t>Laugarren maila</a:t>
             </a:r>
           </a:p>
           <a:p>
             <a:pPr lvl="4"/>
             <a:r>
-              <a:rPr lang="eu-ES" smtClean="0"/>
+              <a:rPr lang="eu-ES"/>
               <a:t>Bosgarren maila</a:t>
             </a:r>
             <a:endParaRPr lang="en-US" dirty="0"/>
@@ -9209,35 +9236,35 @@
           <a:p>
             <a:pPr lvl="0"/>
             <a:r>
-              <a:rPr lang="eu-ES" smtClean="0"/>
+              <a:rPr lang="eu-ES"/>
               <a:t>Egin klik diapositiba nagusiaren testu-estiloak aldatzeko</a:t>
             </a:r>
           </a:p>
           <a:p>
             <a:pPr lvl="1"/>
             <a:r>
-              <a:rPr lang="eu-ES" smtClean="0"/>
+              <a:rPr lang="eu-ES"/>
               <a:t>Bigarren maila</a:t>
             </a:r>
           </a:p>
           <a:p>
             <a:pPr lvl="2"/>
             <a:r>
-              <a:rPr lang="eu-ES" smtClean="0"/>
+              <a:rPr lang="eu-ES"/>
               <a:t>Hirugarren maila</a:t>
             </a:r>
           </a:p>
           <a:p>
             <a:pPr lvl="3"/>
             <a:r>
-              <a:rPr lang="eu-ES" smtClean="0"/>
+              <a:rPr lang="eu-ES"/>
               <a:t>Laugarren maila</a:t>
             </a:r>
           </a:p>
           <a:p>
             <a:pPr lvl="4"/>
             <a:r>
-              <a:rPr lang="eu-ES" smtClean="0"/>
+              <a:rPr lang="eu-ES"/>
               <a:t>Bosgarren maila</a:t>
             </a:r>
             <a:endParaRPr lang="en-US" dirty="0"/>
@@ -9266,7 +9293,7 @@
           <a:p>
             <a:fld id="{73A8D5A0-A780-4503-A33D-9102CDCF8FE3}" type="datetimeFigureOut">
               <a:rPr lang="es-ES" smtClean="0"/>
-              <a:t>26/04/2024</a:t>
+              <a:t>29/04/2024</a:t>
             </a:fld>
             <a:endParaRPr lang="es-ES"/>
           </a:p>
@@ -9318,7 +9345,7 @@
           <a:p>
             <a:fld id="{A933338F-8713-4FAC-B8DB-603627AA4C3E}" type="slidenum">
               <a:rPr lang="es-ES" smtClean="0"/>
-              <a:t>‹zk.›</a:t>
+              <a:t>‹Nº›</a:t>
             </a:fld>
             <a:endParaRPr lang="es-ES"/>
           </a:p>
@@ -10640,7 +10667,7 @@
           </a:lstStyle>
           <a:p>
             <a:r>
-              <a:rPr lang="eu-ES" smtClean="0"/>
+              <a:rPr lang="eu-ES"/>
               <a:t>Egin klik titulu maisuaren estiloa aldatzeko</a:t>
             </a:r>
             <a:endParaRPr lang="en-US" dirty="0"/>
@@ -10715,7 +10742,7 @@
           <a:p>
             <a:pPr lvl="0"/>
             <a:r>
-              <a:rPr lang="eu-ES" smtClean="0"/>
+              <a:rPr lang="eu-ES"/>
               <a:t>Egin klik diapositiba nagusiaren testu-estiloak aldatzeko</a:t>
             </a:r>
           </a:p>
@@ -10743,35 +10770,35 @@
           <a:p>
             <a:pPr lvl="0"/>
             <a:r>
-              <a:rPr lang="eu-ES" smtClean="0"/>
+              <a:rPr lang="eu-ES"/>
               <a:t>Egin klik diapositiba nagusiaren testu-estiloak aldatzeko</a:t>
             </a:r>
           </a:p>
           <a:p>
             <a:pPr lvl="1"/>
             <a:r>
-              <a:rPr lang="eu-ES" smtClean="0"/>
+              <a:rPr lang="eu-ES"/>
               <a:t>Bigarren maila</a:t>
             </a:r>
           </a:p>
           <a:p>
             <a:pPr lvl="2"/>
             <a:r>
-              <a:rPr lang="eu-ES" smtClean="0"/>
+              <a:rPr lang="eu-ES"/>
               <a:t>Hirugarren maila</a:t>
             </a:r>
           </a:p>
           <a:p>
             <a:pPr lvl="3"/>
             <a:r>
-              <a:rPr lang="eu-ES" smtClean="0"/>
+              <a:rPr lang="eu-ES"/>
               <a:t>Laugarren maila</a:t>
             </a:r>
           </a:p>
           <a:p>
             <a:pPr lvl="4"/>
             <a:r>
-              <a:rPr lang="eu-ES" smtClean="0"/>
+              <a:rPr lang="eu-ES"/>
               <a:t>Bosgarren maila</a:t>
             </a:r>
             <a:endParaRPr lang="en-US" dirty="0"/>
@@ -10846,7 +10873,7 @@
           <a:p>
             <a:pPr lvl="0"/>
             <a:r>
-              <a:rPr lang="eu-ES" smtClean="0"/>
+              <a:rPr lang="eu-ES"/>
               <a:t>Egin klik diapositiba nagusiaren testu-estiloak aldatzeko</a:t>
             </a:r>
           </a:p>
@@ -10874,35 +10901,35 @@
           <a:p>
             <a:pPr lvl="0"/>
             <a:r>
-              <a:rPr lang="eu-ES" smtClean="0"/>
+              <a:rPr lang="eu-ES"/>
               <a:t>Egin klik diapositiba nagusiaren testu-estiloak aldatzeko</a:t>
             </a:r>
           </a:p>
           <a:p>
             <a:pPr lvl="1"/>
             <a:r>
-              <a:rPr lang="eu-ES" smtClean="0"/>
+              <a:rPr lang="eu-ES"/>
               <a:t>Bigarren maila</a:t>
             </a:r>
           </a:p>
           <a:p>
             <a:pPr lvl="2"/>
             <a:r>
-              <a:rPr lang="eu-ES" smtClean="0"/>
+              <a:rPr lang="eu-ES"/>
               <a:t>Hirugarren maila</a:t>
             </a:r>
           </a:p>
           <a:p>
             <a:pPr lvl="3"/>
             <a:r>
-              <a:rPr lang="eu-ES" smtClean="0"/>
+              <a:rPr lang="eu-ES"/>
               <a:t>Laugarren maila</a:t>
             </a:r>
           </a:p>
           <a:p>
             <a:pPr lvl="4"/>
             <a:r>
-              <a:rPr lang="eu-ES" smtClean="0"/>
+              <a:rPr lang="eu-ES"/>
               <a:t>Bosgarren maila</a:t>
             </a:r>
             <a:endParaRPr lang="en-US" dirty="0"/>
@@ -10931,7 +10958,7 @@
           <a:p>
             <a:fld id="{73A8D5A0-A780-4503-A33D-9102CDCF8FE3}" type="datetimeFigureOut">
               <a:rPr lang="es-ES" smtClean="0"/>
-              <a:t>26/04/2024</a:t>
+              <a:t>29/04/2024</a:t>
             </a:fld>
             <a:endParaRPr lang="es-ES"/>
           </a:p>
@@ -10983,7 +11010,7 @@
           <a:p>
             <a:fld id="{A933338F-8713-4FAC-B8DB-603627AA4C3E}" type="slidenum">
               <a:rPr lang="es-ES" smtClean="0"/>
-              <a:t>‹zk.›</a:t>
+              <a:t>‹Nº›</a:t>
             </a:fld>
             <a:endParaRPr lang="es-ES"/>
           </a:p>
@@ -12305,7 +12332,7 @@
           </a:lstStyle>
           <a:p>
             <a:r>
-              <a:rPr lang="eu-ES" smtClean="0"/>
+              <a:rPr lang="eu-ES"/>
               <a:t>Egin klik titulu maisuaren estiloa aldatzeko</a:t>
             </a:r>
             <a:endParaRPr lang="en-US" dirty="0"/>
@@ -12329,7 +12356,7 @@
           <a:p>
             <a:fld id="{73A8D5A0-A780-4503-A33D-9102CDCF8FE3}" type="datetimeFigureOut">
               <a:rPr lang="es-ES" smtClean="0"/>
-              <a:t>26/04/2024</a:t>
+              <a:t>29/04/2024</a:t>
             </a:fld>
             <a:endParaRPr lang="es-ES"/>
           </a:p>
@@ -12371,7 +12398,7 @@
           <a:p>
             <a:fld id="{A933338F-8713-4FAC-B8DB-603627AA4C3E}" type="slidenum">
               <a:rPr lang="es-ES" smtClean="0"/>
-              <a:t>‹zk.›</a:t>
+              <a:t>‹Nº›</a:t>
             </a:fld>
             <a:endParaRPr lang="es-ES"/>
           </a:p>
@@ -12429,7 +12456,7 @@
           <a:p>
             <a:fld id="{73A8D5A0-A780-4503-A33D-9102CDCF8FE3}" type="datetimeFigureOut">
               <a:rPr lang="es-ES" smtClean="0"/>
-              <a:t>26/04/2024</a:t>
+              <a:t>29/04/2024</a:t>
             </a:fld>
             <a:endParaRPr lang="es-ES"/>
           </a:p>
@@ -12481,7 +12508,7 @@
           <a:p>
             <a:fld id="{A933338F-8713-4FAC-B8DB-603627AA4C3E}" type="slidenum">
               <a:rPr lang="es-ES" smtClean="0"/>
-              <a:t>‹zk.›</a:t>
+              <a:t>‹Nº›</a:t>
             </a:fld>
             <a:endParaRPr lang="es-ES"/>
           </a:p>
@@ -13805,7 +13832,7 @@
           </a:lstStyle>
           <a:p>
             <a:r>
-              <a:rPr lang="eu-ES" smtClean="0"/>
+              <a:rPr lang="eu-ES"/>
               <a:t>Egin klik titulu maisuaren estiloa aldatzeko</a:t>
             </a:r>
             <a:endParaRPr lang="en-US" dirty="0"/>
@@ -13834,35 +13861,35 @@
           <a:p>
             <a:pPr lvl="0"/>
             <a:r>
-              <a:rPr lang="eu-ES" smtClean="0"/>
+              <a:rPr lang="eu-ES"/>
               <a:t>Egin klik diapositiba nagusiaren testu-estiloak aldatzeko</a:t>
             </a:r>
           </a:p>
           <a:p>
             <a:pPr lvl="1"/>
             <a:r>
-              <a:rPr lang="eu-ES" smtClean="0"/>
+              <a:rPr lang="eu-ES"/>
               <a:t>Bigarren maila</a:t>
             </a:r>
           </a:p>
           <a:p>
             <a:pPr lvl="2"/>
             <a:r>
-              <a:rPr lang="eu-ES" smtClean="0"/>
+              <a:rPr lang="eu-ES"/>
               <a:t>Hirugarren maila</a:t>
             </a:r>
           </a:p>
           <a:p>
             <a:pPr lvl="3"/>
             <a:r>
-              <a:rPr lang="eu-ES" smtClean="0"/>
+              <a:rPr lang="eu-ES"/>
               <a:t>Laugarren maila</a:t>
             </a:r>
           </a:p>
           <a:p>
             <a:pPr lvl="4"/>
             <a:r>
-              <a:rPr lang="eu-ES" smtClean="0"/>
+              <a:rPr lang="eu-ES"/>
               <a:t>Bosgarren maila</a:t>
             </a:r>
             <a:endParaRPr lang="en-US" dirty="0"/>
@@ -13932,7 +13959,7 @@
           <a:p>
             <a:pPr lvl="0"/>
             <a:r>
-              <a:rPr lang="eu-ES" smtClean="0"/>
+              <a:rPr lang="eu-ES"/>
               <a:t>Egin klik diapositiba nagusiaren testu-estiloak aldatzeko</a:t>
             </a:r>
           </a:p>
@@ -13955,7 +13982,7 @@
           <a:p>
             <a:fld id="{73A8D5A0-A780-4503-A33D-9102CDCF8FE3}" type="datetimeFigureOut">
               <a:rPr lang="es-ES" smtClean="0"/>
-              <a:t>26/04/2024</a:t>
+              <a:t>29/04/2024</a:t>
             </a:fld>
             <a:endParaRPr lang="es-ES"/>
           </a:p>
@@ -13997,7 +14024,7 @@
           <a:p>
             <a:fld id="{A933338F-8713-4FAC-B8DB-603627AA4C3E}" type="slidenum">
               <a:rPr lang="es-ES" smtClean="0"/>
-              <a:t>‹zk.›</a:t>
+              <a:t>‹Nº›</a:t>
             </a:fld>
             <a:endParaRPr lang="es-ES"/>
           </a:p>
@@ -15353,7 +15380,7 @@
           </a:lstStyle>
           <a:p>
             <a:r>
-              <a:rPr lang="eu-ES" smtClean="0"/>
+              <a:rPr lang="eu-ES"/>
               <a:t>Irudia gehitzeko, sakatu ikonoa</a:t>
             </a:r>
             <a:endParaRPr lang="en-US" dirty="0"/>
@@ -15391,7 +15418,7 @@
           </a:lstStyle>
           <a:p>
             <a:r>
-              <a:rPr lang="eu-ES" smtClean="0"/>
+              <a:rPr lang="eu-ES"/>
               <a:t>Egin klik titulu maisuaren estiloa aldatzeko</a:t>
             </a:r>
             <a:endParaRPr lang="en-US" dirty="0"/>
@@ -15463,7 +15490,7 @@
           <a:p>
             <a:pPr lvl="0"/>
             <a:r>
-              <a:rPr lang="eu-ES" smtClean="0"/>
+              <a:rPr lang="eu-ES"/>
               <a:t>Egin klik diapositiba nagusiaren testu-estiloak aldatzeko</a:t>
             </a:r>
           </a:p>
@@ -15491,7 +15518,7 @@
           <a:p>
             <a:fld id="{73A8D5A0-A780-4503-A33D-9102CDCF8FE3}" type="datetimeFigureOut">
               <a:rPr lang="es-ES" smtClean="0"/>
-              <a:t>26/04/2024</a:t>
+              <a:t>29/04/2024</a:t>
             </a:fld>
             <a:endParaRPr lang="es-ES"/>
           </a:p>
@@ -15543,7 +15570,7 @@
           <a:p>
             <a:fld id="{A933338F-8713-4FAC-B8DB-603627AA4C3E}" type="slidenum">
               <a:rPr lang="es-ES" smtClean="0"/>
-              <a:t>‹zk.›</a:t>
+              <a:t>‹Nº›</a:t>
             </a:fld>
             <a:endParaRPr lang="es-ES"/>
           </a:p>
@@ -15610,7 +15637,7 @@
           <a:lstStyle/>
           <a:p>
             <a:r>
-              <a:rPr lang="eu-ES" smtClean="0"/>
+              <a:rPr lang="eu-ES"/>
               <a:t>Egin klik titulu maisuaren estiloa aldatzeko</a:t>
             </a:r>
             <a:endParaRPr lang="en-US" dirty="0"/>
@@ -15741,7 +15768,7 @@
           <a:p>
             <a:fld id="{73A8D5A0-A780-4503-A33D-9102CDCF8FE3}" type="datetimeFigureOut">
               <a:rPr lang="es-ES" smtClean="0"/>
-              <a:t>26/04/2024</a:t>
+              <a:t>29/04/2024</a:t>
             </a:fld>
             <a:endParaRPr lang="es-ES"/>
           </a:p>
@@ -15819,7 +15846,7 @@
           <a:p>
             <a:fld id="{A933338F-8713-4FAC-B8DB-603627AA4C3E}" type="slidenum">
               <a:rPr lang="es-ES" smtClean="0"/>
-              <a:t>‹zk.›</a:t>
+              <a:t>‹Nº›</a:t>
             </a:fld>
             <a:endParaRPr lang="es-ES"/>
           </a:p>
@@ -16216,7 +16243,7 @@
           <a:lstStyle/>
           <a:p>
             <a:r>
-              <a:rPr lang="eu-ES" dirty="0" smtClean="0"/>
+              <a:rPr lang="eu-ES" dirty="0"/>
               <a:t>5.TALDEA</a:t>
             </a:r>
             <a:endParaRPr lang="es-ES" dirty="0"/>
@@ -16259,13 +16286,803 @@
   <p:clrMapOvr>
     <a:masterClrMapping/>
   </p:clrMapOvr>
-  <p:timing>
-    <p:tnLst>
-      <p:par>
-        <p:cTn id="1" dur="indefinite" restart="never" nodeType="tmRoot"/>
-      </p:par>
-    </p:tnLst>
-  </p:timing>
+</p:sld>
+</file>
+
+<file path=ppt/slides/slide10.xml><?xml version="1.0" encoding="utf-8"?>
+<p:sld xmlns:a="http://schemas.openxmlformats.org/drawingml/2006/main" xmlns:r="http://schemas.openxmlformats.org/officeDocument/2006/relationships" xmlns:p="http://schemas.openxmlformats.org/presentationml/2006/main">
+  <p:cSld>
+    <p:spTree>
+      <p:nvGrpSpPr>
+        <p:cNvPr id="1" name=""/>
+        <p:cNvGrpSpPr/>
+        <p:nvPr/>
+      </p:nvGrpSpPr>
+      <p:grpSpPr>
+        <a:xfrm>
+          <a:off x="0" y="0"/>
+          <a:ext cx="0" cy="0"/>
+          <a:chOff x="0" y="0"/>
+          <a:chExt cx="0" cy="0"/>
+        </a:xfrm>
+      </p:grpSpPr>
+      <p:sp>
+        <p:nvSpPr>
+          <p:cNvPr id="2" name="Título 1">
+            <a:extLst>
+              <a:ext uri="{FF2B5EF4-FFF2-40B4-BE49-F238E27FC236}">
+                <a16:creationId xmlns:a16="http://schemas.microsoft.com/office/drawing/2014/main" id="{96A8C485-BFA2-2169-7B45-2F560C5455B0}"/>
+              </a:ext>
+            </a:extLst>
+          </p:cNvPr>
+          <p:cNvSpPr>
+            <a:spLocks noGrp="1"/>
+          </p:cNvSpPr>
+          <p:nvPr>
+            <p:ph type="title"/>
+          </p:nvPr>
+        </p:nvSpPr>
+        <p:spPr/>
+        <p:txBody>
+          <a:bodyPr/>
+          <a:lstStyle/>
+          <a:p>
+            <a:r>
+              <a:rPr lang="es-ES" dirty="0" err="1">
+                <a:ea typeface="Calibri Light"/>
+                <a:cs typeface="Calibri Light"/>
+              </a:rPr>
+              <a:t>Sistemaren</a:t>
+            </a:r>
+            <a:br>
+              <a:rPr lang="es-ES" dirty="0">
+                <a:ea typeface="Calibri Light"/>
+                <a:cs typeface="Calibri Light"/>
+              </a:rPr>
+            </a:br>
+            <a:r>
+              <a:rPr lang="es-ES" dirty="0" err="1">
+                <a:ea typeface="Calibri Light"/>
+                <a:cs typeface="Calibri Light"/>
+              </a:rPr>
+              <a:t>Taldeak</a:t>
+            </a:r>
+            <a:endParaRPr lang="es-ES" dirty="0" err="1"/>
+          </a:p>
+        </p:txBody>
+      </p:sp>
+      <p:pic>
+        <p:nvPicPr>
+          <p:cNvPr id="4" name="Marcador de contenido 3" descr="Una captura de pantalla de una computadora&#10;&#10;Descripción generada automáticamente">
+            <a:extLst>
+              <a:ext uri="{FF2B5EF4-FFF2-40B4-BE49-F238E27FC236}">
+                <a16:creationId xmlns:a16="http://schemas.microsoft.com/office/drawing/2014/main" id="{0691B972-3944-13F1-C27C-59E013C7035F}"/>
+              </a:ext>
+            </a:extLst>
+          </p:cNvPr>
+          <p:cNvPicPr>
+            <a:picLocks noGrp="1" noChangeAspect="1"/>
+          </p:cNvPicPr>
+          <p:nvPr>
+            <p:ph idx="1"/>
+          </p:nvPr>
+        </p:nvPicPr>
+        <p:blipFill rotWithShape="1">
+          <a:blip r:embed="rId2"/>
+          <a:srcRect t="80457" r="71908" b="4822"/>
+          <a:stretch/>
+        </p:blipFill>
+        <p:spPr>
+          <a:xfrm>
+            <a:off x="6093051" y="2570508"/>
+            <a:ext cx="3956350" cy="1712201"/>
+          </a:xfrm>
+        </p:spPr>
+      </p:pic>
+      <p:sp>
+        <p:nvSpPr>
+          <p:cNvPr id="5" name="CuadroTexto 4">
+            <a:extLst>
+              <a:ext uri="{FF2B5EF4-FFF2-40B4-BE49-F238E27FC236}">
+                <a16:creationId xmlns:a16="http://schemas.microsoft.com/office/drawing/2014/main" id="{F4897CFE-19F1-CE41-B607-026E8171A707}"/>
+              </a:ext>
+            </a:extLst>
+          </p:cNvPr>
+          <p:cNvSpPr txBox="1"/>
+          <p:nvPr/>
+        </p:nvSpPr>
+        <p:spPr>
+          <a:xfrm>
+            <a:off x="6096000" y="1972849"/>
+            <a:ext cx="3956136" cy="369332"/>
+          </a:xfrm>
+          <a:prstGeom prst="rect">
+            <a:avLst/>
+          </a:prstGeom>
+          <a:noFill/>
+        </p:spPr>
+        <p:txBody>
+          <a:bodyPr rot="0" spcFirstLastPara="0" vertOverflow="overflow" horzOverflow="overflow" vert="horz" wrap="square" lIns="91440" tIns="45720" rIns="91440" bIns="45720" numCol="1" spcCol="0" rtlCol="0" fromWordArt="0" anchor="t" anchorCtr="0" forceAA="0" compatLnSpc="1">
+            <a:prstTxWarp prst="textNoShape">
+              <a:avLst/>
+            </a:prstTxWarp>
+            <a:spAutoFit/>
+          </a:bodyPr>
+          <a:lstStyle/>
+          <a:p>
+            <a:pPr marL="285750" indent="-285750">
+              <a:buFont typeface="Courier New"/>
+              <a:buChar char="o"/>
+            </a:pPr>
+            <a:r>
+              <a:rPr lang="es-ES" dirty="0" err="1"/>
+              <a:t>Groupadd</a:t>
+            </a:r>
+            <a:r>
+              <a:rPr lang="es-ES" dirty="0"/>
+              <a:t> </a:t>
+            </a:r>
+            <a:r>
+              <a:rPr lang="es-ES" dirty="0" err="1"/>
+              <a:t>agindua</a:t>
+            </a:r>
+            <a:r>
+              <a:rPr lang="es-ES" dirty="0"/>
+              <a:t> </a:t>
+            </a:r>
+            <a:r>
+              <a:rPr lang="es-ES" dirty="0" err="1"/>
+              <a:t>erabiliz</a:t>
+            </a:r>
+            <a:endParaRPr lang="es-ES"/>
+          </a:p>
+        </p:txBody>
+      </p:sp>
+    </p:spTree>
+    <p:extLst>
+      <p:ext uri="{BB962C8B-B14F-4D97-AF65-F5344CB8AC3E}">
+        <p14:creationId xmlns:p14="http://schemas.microsoft.com/office/powerpoint/2010/main" val="3995969379"/>
+      </p:ext>
+    </p:extLst>
+  </p:cSld>
+  <p:clrMapOvr>
+    <a:masterClrMapping/>
+  </p:clrMapOvr>
+</p:sld>
+</file>
+
+<file path=ppt/slides/slide11.xml><?xml version="1.0" encoding="utf-8"?>
+<p:sld xmlns:a="http://schemas.openxmlformats.org/drawingml/2006/main" xmlns:r="http://schemas.openxmlformats.org/officeDocument/2006/relationships" xmlns:p="http://schemas.openxmlformats.org/presentationml/2006/main">
+  <p:cSld>
+    <p:spTree>
+      <p:nvGrpSpPr>
+        <p:cNvPr id="1" name=""/>
+        <p:cNvGrpSpPr/>
+        <p:nvPr/>
+      </p:nvGrpSpPr>
+      <p:grpSpPr>
+        <a:xfrm>
+          <a:off x="0" y="0"/>
+          <a:ext cx="0" cy="0"/>
+          <a:chOff x="0" y="0"/>
+          <a:chExt cx="0" cy="0"/>
+        </a:xfrm>
+      </p:grpSpPr>
+      <p:sp>
+        <p:nvSpPr>
+          <p:cNvPr id="2" name="Título 1">
+            <a:extLst>
+              <a:ext uri="{FF2B5EF4-FFF2-40B4-BE49-F238E27FC236}">
+                <a16:creationId xmlns:a16="http://schemas.microsoft.com/office/drawing/2014/main" id="{0090006F-D7DF-F1B8-61E2-077A0D080D38}"/>
+              </a:ext>
+            </a:extLst>
+          </p:cNvPr>
+          <p:cNvSpPr>
+            <a:spLocks noGrp="1"/>
+          </p:cNvSpPr>
+          <p:nvPr>
+            <p:ph type="title"/>
+          </p:nvPr>
+        </p:nvSpPr>
+        <p:spPr/>
+        <p:txBody>
+          <a:bodyPr/>
+          <a:lstStyle/>
+          <a:p>
+            <a:r>
+              <a:rPr lang="es-ES" dirty="0" err="1">
+                <a:ea typeface="Calibri Light"/>
+                <a:cs typeface="Calibri Light"/>
+              </a:rPr>
+              <a:t>Sistemaren</a:t>
+            </a:r>
+            <a:r>
+              <a:rPr lang="es-ES" dirty="0">
+                <a:ea typeface="Calibri Light"/>
+                <a:cs typeface="Calibri Light"/>
+              </a:rPr>
+              <a:t> </a:t>
+            </a:r>
+            <a:br>
+              <a:rPr lang="es-ES" dirty="0">
+                <a:ea typeface="Calibri Light"/>
+                <a:cs typeface="Calibri Light"/>
+              </a:rPr>
+            </a:br>
+            <a:r>
+              <a:rPr lang="es-ES" dirty="0" err="1">
+                <a:ea typeface="Calibri Light"/>
+                <a:cs typeface="Calibri Light"/>
+              </a:rPr>
+              <a:t>Erabiltzaileak</a:t>
+            </a:r>
+            <a:endParaRPr lang="es-ES" dirty="0" err="1"/>
+          </a:p>
+        </p:txBody>
+      </p:sp>
+      <p:pic>
+        <p:nvPicPr>
+          <p:cNvPr id="4" name="Marcador de contenido 3" descr="Texto&#10;&#10;Descripción generada automáticamente">
+            <a:extLst>
+              <a:ext uri="{FF2B5EF4-FFF2-40B4-BE49-F238E27FC236}">
+                <a16:creationId xmlns:a16="http://schemas.microsoft.com/office/drawing/2014/main" id="{D9AFEAB6-CC36-226A-4838-BD00D7B14DE9}"/>
+              </a:ext>
+            </a:extLst>
+          </p:cNvPr>
+          <p:cNvPicPr>
+            <a:picLocks noGrp="1" noChangeAspect="1"/>
+          </p:cNvPicPr>
+          <p:nvPr>
+            <p:ph idx="1"/>
+          </p:nvPr>
+        </p:nvPicPr>
+        <p:blipFill rotWithShape="1">
+          <a:blip r:embed="rId2"/>
+          <a:srcRect t="61929" r="62292" b="3046"/>
+          <a:stretch/>
+        </p:blipFill>
+        <p:spPr>
+          <a:xfrm>
+            <a:off x="6096964" y="2351303"/>
+            <a:ext cx="4072229" cy="3100928"/>
+          </a:xfrm>
+        </p:spPr>
+      </p:pic>
+      <p:sp>
+        <p:nvSpPr>
+          <p:cNvPr id="5" name="CuadroTexto 4">
+            <a:extLst>
+              <a:ext uri="{FF2B5EF4-FFF2-40B4-BE49-F238E27FC236}">
+                <a16:creationId xmlns:a16="http://schemas.microsoft.com/office/drawing/2014/main" id="{54DA3F26-4748-D135-EE7E-CFF2F1CB4B82}"/>
+              </a:ext>
+            </a:extLst>
+          </p:cNvPr>
+          <p:cNvSpPr txBox="1"/>
+          <p:nvPr/>
+        </p:nvSpPr>
+        <p:spPr>
+          <a:xfrm>
+            <a:off x="6179506" y="1440493"/>
+            <a:ext cx="3580355" cy="369332"/>
+          </a:xfrm>
+          <a:prstGeom prst="rect">
+            <a:avLst/>
+          </a:prstGeom>
+          <a:noFill/>
+        </p:spPr>
+        <p:txBody>
+          <a:bodyPr rot="0" spcFirstLastPara="0" vertOverflow="overflow" horzOverflow="overflow" vert="horz" wrap="square" lIns="91440" tIns="45720" rIns="91440" bIns="45720" numCol="1" spcCol="0" rtlCol="0" fromWordArt="0" anchor="t" anchorCtr="0" forceAA="0" compatLnSpc="1">
+            <a:prstTxWarp prst="textNoShape">
+              <a:avLst/>
+            </a:prstTxWarp>
+            <a:spAutoFit/>
+          </a:bodyPr>
+          <a:lstStyle/>
+          <a:p>
+            <a:pPr marL="285750" indent="-285750">
+              <a:buFont typeface="Courier New" panose="020B0604020202020204" pitchFamily="34" charset="0"/>
+              <a:buChar char="o"/>
+            </a:pPr>
+            <a:r>
+              <a:rPr lang="es-ES" err="1"/>
+              <a:t>Useradd</a:t>
+            </a:r>
+            <a:r>
+              <a:rPr lang="es-ES" dirty="0"/>
+              <a:t> </a:t>
+            </a:r>
+            <a:r>
+              <a:rPr lang="es-ES" err="1"/>
+              <a:t>agindau</a:t>
+            </a:r>
+            <a:r>
+              <a:rPr lang="es-ES" dirty="0"/>
+              <a:t> </a:t>
+            </a:r>
+            <a:r>
+              <a:rPr lang="es-ES" err="1"/>
+              <a:t>erabiliz</a:t>
+            </a:r>
+            <a:endParaRPr lang="es-ES"/>
+          </a:p>
+        </p:txBody>
+      </p:sp>
+    </p:spTree>
+    <p:extLst>
+      <p:ext uri="{BB962C8B-B14F-4D97-AF65-F5344CB8AC3E}">
+        <p14:creationId xmlns:p14="http://schemas.microsoft.com/office/powerpoint/2010/main" val="2013705267"/>
+      </p:ext>
+    </p:extLst>
+  </p:cSld>
+  <p:clrMapOvr>
+    <a:masterClrMapping/>
+  </p:clrMapOvr>
+</p:sld>
+</file>
+
+<file path=ppt/slides/slide12.xml><?xml version="1.0" encoding="utf-8"?>
+<p:sld xmlns:a="http://schemas.openxmlformats.org/drawingml/2006/main" xmlns:r="http://schemas.openxmlformats.org/officeDocument/2006/relationships" xmlns:p="http://schemas.openxmlformats.org/presentationml/2006/main">
+  <p:cSld>
+    <p:spTree>
+      <p:nvGrpSpPr>
+        <p:cNvPr id="1" name=""/>
+        <p:cNvGrpSpPr/>
+        <p:nvPr/>
+      </p:nvGrpSpPr>
+      <p:grpSpPr>
+        <a:xfrm>
+          <a:off x="0" y="0"/>
+          <a:ext cx="0" cy="0"/>
+          <a:chOff x="0" y="0"/>
+          <a:chExt cx="0" cy="0"/>
+        </a:xfrm>
+      </p:grpSpPr>
+      <p:sp>
+        <p:nvSpPr>
+          <p:cNvPr id="2" name="Título 1">
+            <a:extLst>
+              <a:ext uri="{FF2B5EF4-FFF2-40B4-BE49-F238E27FC236}">
+                <a16:creationId xmlns:a16="http://schemas.microsoft.com/office/drawing/2014/main" id="{6DD88D65-6E08-F78F-2F54-1301A2BA8EBE}"/>
+              </a:ext>
+            </a:extLst>
+          </p:cNvPr>
+          <p:cNvSpPr>
+            <a:spLocks noGrp="1"/>
+          </p:cNvSpPr>
+          <p:nvPr>
+            <p:ph type="title"/>
+          </p:nvPr>
+        </p:nvSpPr>
+        <p:spPr/>
+        <p:txBody>
+          <a:bodyPr/>
+          <a:lstStyle/>
+          <a:p>
+            <a:r>
+              <a:rPr lang="es-ES" dirty="0" err="1">
+                <a:ea typeface="Calibri Light"/>
+                <a:cs typeface="Calibri Light"/>
+              </a:rPr>
+              <a:t>Karpetak</a:t>
+            </a:r>
+            <a:r>
+              <a:rPr lang="es-ES" dirty="0">
+                <a:ea typeface="Calibri Light"/>
+                <a:cs typeface="Calibri Light"/>
+              </a:rPr>
+              <a:t> eta </a:t>
+            </a:r>
+            <a:r>
+              <a:rPr lang="es-ES" dirty="0" err="1">
+                <a:ea typeface="Calibri Light"/>
+                <a:cs typeface="Calibri Light"/>
+              </a:rPr>
+              <a:t>Partizioa</a:t>
+            </a:r>
+            <a:endParaRPr lang="es-ES" dirty="0" err="1"/>
+          </a:p>
+        </p:txBody>
+      </p:sp>
+      <p:sp>
+        <p:nvSpPr>
+          <p:cNvPr id="3" name="Marcador de contenido 2">
+            <a:extLst>
+              <a:ext uri="{FF2B5EF4-FFF2-40B4-BE49-F238E27FC236}">
+                <a16:creationId xmlns:a16="http://schemas.microsoft.com/office/drawing/2014/main" id="{418BCD0F-49C8-6FC8-423B-C0BB075775F4}"/>
+              </a:ext>
+            </a:extLst>
+          </p:cNvPr>
+          <p:cNvSpPr>
+            <a:spLocks noGrp="1"/>
+          </p:cNvSpPr>
+          <p:nvPr>
+            <p:ph idx="1"/>
+          </p:nvPr>
+        </p:nvSpPr>
+        <p:spPr/>
+        <p:txBody>
+          <a:bodyPr/>
+          <a:lstStyle/>
+          <a:p>
+            <a:endParaRPr lang="es-ES"/>
+          </a:p>
+        </p:txBody>
+      </p:sp>
+    </p:spTree>
+    <p:extLst>
+      <p:ext uri="{BB962C8B-B14F-4D97-AF65-F5344CB8AC3E}">
+        <p14:creationId xmlns:p14="http://schemas.microsoft.com/office/powerpoint/2010/main" val="3578564139"/>
+      </p:ext>
+    </p:extLst>
+  </p:cSld>
+  <p:clrMapOvr>
+    <a:masterClrMapping/>
+  </p:clrMapOvr>
+</p:sld>
+</file>
+
+<file path=ppt/slides/slide13.xml><?xml version="1.0" encoding="utf-8"?>
+<p:sld xmlns:a="http://schemas.openxmlformats.org/drawingml/2006/main" xmlns:r="http://schemas.openxmlformats.org/officeDocument/2006/relationships" xmlns:p="http://schemas.openxmlformats.org/presentationml/2006/main">
+  <p:cSld>
+    <p:spTree>
+      <p:nvGrpSpPr>
+        <p:cNvPr id="1" name=""/>
+        <p:cNvGrpSpPr/>
+        <p:nvPr/>
+      </p:nvGrpSpPr>
+      <p:grpSpPr>
+        <a:xfrm>
+          <a:off x="0" y="0"/>
+          <a:ext cx="0" cy="0"/>
+          <a:chOff x="0" y="0"/>
+          <a:chExt cx="0" cy="0"/>
+        </a:xfrm>
+      </p:grpSpPr>
+      <p:sp>
+        <p:nvSpPr>
+          <p:cNvPr id="2" name="Título 1">
+            <a:extLst>
+              <a:ext uri="{FF2B5EF4-FFF2-40B4-BE49-F238E27FC236}">
+                <a16:creationId xmlns:a16="http://schemas.microsoft.com/office/drawing/2014/main" id="{B39071A1-0A11-E9DE-F130-7A3EF8AA5F96}"/>
+              </a:ext>
+            </a:extLst>
+          </p:cNvPr>
+          <p:cNvSpPr>
+            <a:spLocks noGrp="1"/>
+          </p:cNvSpPr>
+          <p:nvPr>
+            <p:ph type="title"/>
+          </p:nvPr>
+        </p:nvSpPr>
+        <p:spPr/>
+        <p:txBody>
+          <a:bodyPr/>
+          <a:lstStyle/>
+          <a:p>
+            <a:r>
+              <a:rPr lang="es-ES" dirty="0" err="1">
+                <a:ea typeface="Calibri Light"/>
+                <a:cs typeface="Calibri Light"/>
+              </a:rPr>
+              <a:t>Aplikazioa</a:t>
+            </a:r>
+            <a:endParaRPr lang="es-ES" dirty="0" err="1"/>
+          </a:p>
+        </p:txBody>
+      </p:sp>
+    </p:spTree>
+    <p:extLst>
+      <p:ext uri="{BB962C8B-B14F-4D97-AF65-F5344CB8AC3E}">
+        <p14:creationId xmlns:p14="http://schemas.microsoft.com/office/powerpoint/2010/main" val="4199557205"/>
+      </p:ext>
+    </p:extLst>
+  </p:cSld>
+  <p:clrMapOvr>
+    <a:masterClrMapping/>
+  </p:clrMapOvr>
+</p:sld>
+</file>
+
+<file path=ppt/slides/slide14.xml><?xml version="1.0" encoding="utf-8"?>
+<p:sld xmlns:a="http://schemas.openxmlformats.org/drawingml/2006/main" xmlns:r="http://schemas.openxmlformats.org/officeDocument/2006/relationships" xmlns:p="http://schemas.openxmlformats.org/presentationml/2006/main">
+  <p:cSld>
+    <p:spTree>
+      <p:nvGrpSpPr>
+        <p:cNvPr id="1" name=""/>
+        <p:cNvGrpSpPr/>
+        <p:nvPr/>
+      </p:nvGrpSpPr>
+      <p:grpSpPr>
+        <a:xfrm>
+          <a:off x="0" y="0"/>
+          <a:ext cx="0" cy="0"/>
+          <a:chOff x="0" y="0"/>
+          <a:chExt cx="0" cy="0"/>
+        </a:xfrm>
+      </p:grpSpPr>
+      <p:sp>
+        <p:nvSpPr>
+          <p:cNvPr id="2" name="Título 1">
+            <a:extLst>
+              <a:ext uri="{FF2B5EF4-FFF2-40B4-BE49-F238E27FC236}">
+                <a16:creationId xmlns:a16="http://schemas.microsoft.com/office/drawing/2014/main" id="{5AE8AC40-7608-B80E-6266-C9603647CC30}"/>
+              </a:ext>
+            </a:extLst>
+          </p:cNvPr>
+          <p:cNvSpPr>
+            <a:spLocks noGrp="1"/>
+          </p:cNvSpPr>
+          <p:nvPr>
+            <p:ph type="title"/>
+          </p:nvPr>
+        </p:nvSpPr>
+        <p:spPr/>
+        <p:txBody>
+          <a:bodyPr/>
+          <a:lstStyle/>
+          <a:p>
+            <a:r>
+              <a:rPr lang="es-ES" dirty="0" err="1">
+                <a:ea typeface="Calibri Light"/>
+                <a:cs typeface="Calibri Light"/>
+              </a:rPr>
+              <a:t>Aplikazioaren</a:t>
+            </a:r>
+            <a:r>
+              <a:rPr lang="es-ES" dirty="0">
+                <a:ea typeface="Calibri Light"/>
+                <a:cs typeface="Calibri Light"/>
+              </a:rPr>
+              <a:t> </a:t>
+            </a:r>
+            <a:br>
+              <a:rPr lang="es-ES" dirty="0">
+                <a:ea typeface="Calibri Light"/>
+                <a:cs typeface="Calibri Light"/>
+              </a:rPr>
+            </a:br>
+            <a:r>
+              <a:rPr lang="es-ES" dirty="0">
+                <a:ea typeface="Calibri Light"/>
+                <a:cs typeface="Calibri Light"/>
+              </a:rPr>
+              <a:t>Test-</a:t>
+            </a:r>
+            <a:r>
+              <a:rPr lang="es-ES" dirty="0" err="1">
+                <a:ea typeface="Calibri Light"/>
+                <a:cs typeface="Calibri Light"/>
+              </a:rPr>
+              <a:t>tak</a:t>
+            </a:r>
+            <a:endParaRPr lang="es-ES" dirty="0" err="1"/>
+          </a:p>
+        </p:txBody>
+      </p:sp>
+      <p:pic>
+        <p:nvPicPr>
+          <p:cNvPr id="4" name="Marcador de contenido 3">
+            <a:extLst>
+              <a:ext uri="{FF2B5EF4-FFF2-40B4-BE49-F238E27FC236}">
+                <a16:creationId xmlns:a16="http://schemas.microsoft.com/office/drawing/2014/main" id="{B8B40C80-7700-0DA3-EE40-E53C4D6B4422}"/>
+              </a:ext>
+            </a:extLst>
+          </p:cNvPr>
+          <p:cNvPicPr>
+            <a:picLocks noGrp="1" noChangeAspect="1"/>
+          </p:cNvPicPr>
+          <p:nvPr>
+            <p:ph idx="1"/>
+          </p:nvPr>
+        </p:nvPicPr>
+        <p:blipFill>
+          <a:blip r:embed="rId2"/>
+          <a:stretch>
+            <a:fillRect/>
+          </a:stretch>
+        </p:blipFill>
+        <p:spPr>
+          <a:xfrm>
+            <a:off x="5997196" y="1913022"/>
+            <a:ext cx="4524375" cy="3028950"/>
+          </a:xfrm>
+        </p:spPr>
+      </p:pic>
+    </p:spTree>
+    <p:extLst>
+      <p:ext uri="{BB962C8B-B14F-4D97-AF65-F5344CB8AC3E}">
+        <p14:creationId xmlns:p14="http://schemas.microsoft.com/office/powerpoint/2010/main" val="364315812"/>
+      </p:ext>
+    </p:extLst>
+  </p:cSld>
+  <p:clrMapOvr>
+    <a:masterClrMapping/>
+  </p:clrMapOvr>
+</p:sld>
+</file>
+
+<file path=ppt/slides/slide15.xml><?xml version="1.0" encoding="utf-8"?>
+<p:sld xmlns:a="http://schemas.openxmlformats.org/drawingml/2006/main" xmlns:r="http://schemas.openxmlformats.org/officeDocument/2006/relationships" xmlns:p="http://schemas.openxmlformats.org/presentationml/2006/main">
+  <p:cSld>
+    <p:spTree>
+      <p:nvGrpSpPr>
+        <p:cNvPr id="1" name=""/>
+        <p:cNvGrpSpPr/>
+        <p:nvPr/>
+      </p:nvGrpSpPr>
+      <p:grpSpPr>
+        <a:xfrm>
+          <a:off x="0" y="0"/>
+          <a:ext cx="0" cy="0"/>
+          <a:chOff x="0" y="0"/>
+          <a:chExt cx="0" cy="0"/>
+        </a:xfrm>
+      </p:grpSpPr>
+      <p:sp>
+        <p:nvSpPr>
+          <p:cNvPr id="2" name="Título 1">
+            <a:extLst>
+              <a:ext uri="{FF2B5EF4-FFF2-40B4-BE49-F238E27FC236}">
+                <a16:creationId xmlns:a16="http://schemas.microsoft.com/office/drawing/2014/main" id="{DAE991E2-3803-DFDB-1061-F8CDF9D82ABD}"/>
+              </a:ext>
+            </a:extLst>
+          </p:cNvPr>
+          <p:cNvSpPr>
+            <a:spLocks noGrp="1"/>
+          </p:cNvSpPr>
+          <p:nvPr>
+            <p:ph type="title"/>
+          </p:nvPr>
+        </p:nvSpPr>
+        <p:spPr/>
+        <p:txBody>
+          <a:bodyPr/>
+          <a:lstStyle/>
+          <a:p>
+            <a:r>
+              <a:rPr lang="es-ES" dirty="0">
+                <a:ea typeface="Calibri Light"/>
+                <a:cs typeface="Calibri Light"/>
+              </a:rPr>
+              <a:t>XSL</a:t>
+            </a:r>
+            <a:endParaRPr lang="es-ES" dirty="0"/>
+          </a:p>
+        </p:txBody>
+      </p:sp>
+      <p:pic>
+        <p:nvPicPr>
+          <p:cNvPr id="4" name="Marcador de contenido 3" descr="Escala de tiempo&#10;&#10;Descripción generada automáticamente">
+            <a:extLst>
+              <a:ext uri="{FF2B5EF4-FFF2-40B4-BE49-F238E27FC236}">
+                <a16:creationId xmlns:a16="http://schemas.microsoft.com/office/drawing/2014/main" id="{31BFF7E3-6A39-194A-C4BA-64FBB997B957}"/>
+              </a:ext>
+            </a:extLst>
+          </p:cNvPr>
+          <p:cNvPicPr>
+            <a:picLocks noGrp="1" noChangeAspect="1"/>
+          </p:cNvPicPr>
+          <p:nvPr>
+            <p:ph idx="1"/>
+          </p:nvPr>
+        </p:nvPicPr>
+        <p:blipFill>
+          <a:blip r:embed="rId2"/>
+          <a:stretch>
+            <a:fillRect/>
+          </a:stretch>
+        </p:blipFill>
+        <p:spPr>
+          <a:xfrm>
+            <a:off x="4825164" y="1427946"/>
+            <a:ext cx="7254657" cy="3592005"/>
+          </a:xfrm>
+        </p:spPr>
+      </p:pic>
+    </p:spTree>
+    <p:extLst>
+      <p:ext uri="{BB962C8B-B14F-4D97-AF65-F5344CB8AC3E}">
+        <p14:creationId xmlns:p14="http://schemas.microsoft.com/office/powerpoint/2010/main" val="4027124896"/>
+      </p:ext>
+    </p:extLst>
+  </p:cSld>
+  <p:clrMapOvr>
+    <a:masterClrMapping/>
+  </p:clrMapOvr>
+</p:sld>
+</file>
+
+<file path=ppt/slides/slide16.xml><?xml version="1.0" encoding="utf-8"?>
+<p:sld xmlns:a="http://schemas.openxmlformats.org/drawingml/2006/main" xmlns:r="http://schemas.openxmlformats.org/officeDocument/2006/relationships" xmlns:p="http://schemas.openxmlformats.org/presentationml/2006/main">
+  <p:cSld>
+    <p:spTree>
+      <p:nvGrpSpPr>
+        <p:cNvPr id="1" name=""/>
+        <p:cNvGrpSpPr/>
+        <p:nvPr/>
+      </p:nvGrpSpPr>
+      <p:grpSpPr>
+        <a:xfrm>
+          <a:off x="0" y="0"/>
+          <a:ext cx="0" cy="0"/>
+          <a:chOff x="0" y="0"/>
+          <a:chExt cx="0" cy="0"/>
+        </a:xfrm>
+      </p:grpSpPr>
+      <p:sp>
+        <p:nvSpPr>
+          <p:cNvPr id="2" name="Título 1">
+            <a:extLst>
+              <a:ext uri="{FF2B5EF4-FFF2-40B4-BE49-F238E27FC236}">
+                <a16:creationId xmlns:a16="http://schemas.microsoft.com/office/drawing/2014/main" id="{B3AB6626-8EB5-60EC-55C3-CB3037B20726}"/>
+              </a:ext>
+            </a:extLst>
+          </p:cNvPr>
+          <p:cNvSpPr>
+            <a:spLocks noGrp="1"/>
+          </p:cNvSpPr>
+          <p:nvPr>
+            <p:ph type="title"/>
+          </p:nvPr>
+        </p:nvSpPr>
+        <p:spPr/>
+        <p:txBody>
+          <a:bodyPr/>
+          <a:lstStyle/>
+          <a:p>
+            <a:r>
+              <a:rPr lang="es-ES" dirty="0">
+                <a:ea typeface="Calibri Light"/>
+                <a:cs typeface="Calibri Light"/>
+              </a:rPr>
+              <a:t>DTD eta </a:t>
+            </a:r>
+            <a:r>
+              <a:rPr lang="es-ES" dirty="0" err="1">
+                <a:ea typeface="Calibri Light"/>
+                <a:cs typeface="Calibri Light"/>
+              </a:rPr>
+              <a:t>Schema</a:t>
+            </a:r>
+            <a:endParaRPr lang="es-ES" dirty="0" err="1"/>
+          </a:p>
+        </p:txBody>
+      </p:sp>
+      <p:sp>
+        <p:nvSpPr>
+          <p:cNvPr id="3" name="Marcador de contenido 2">
+            <a:extLst>
+              <a:ext uri="{FF2B5EF4-FFF2-40B4-BE49-F238E27FC236}">
+                <a16:creationId xmlns:a16="http://schemas.microsoft.com/office/drawing/2014/main" id="{7C47AD5E-FF0E-95A0-FE57-B6EAC351091A}"/>
+              </a:ext>
+            </a:extLst>
+          </p:cNvPr>
+          <p:cNvSpPr>
+            <a:spLocks noGrp="1"/>
+          </p:cNvSpPr>
+          <p:nvPr>
+            <p:ph idx="1"/>
+          </p:nvPr>
+        </p:nvSpPr>
+        <p:spPr/>
+        <p:txBody>
+          <a:bodyPr/>
+          <a:lstStyle/>
+          <a:p>
+            <a:endParaRPr lang="es-ES"/>
+          </a:p>
+        </p:txBody>
+      </p:sp>
+    </p:spTree>
+    <p:extLst>
+      <p:ext uri="{BB962C8B-B14F-4D97-AF65-F5344CB8AC3E}">
+        <p14:creationId xmlns:p14="http://schemas.microsoft.com/office/powerpoint/2010/main" val="3945893182"/>
+      </p:ext>
+    </p:extLst>
+  </p:cSld>
+  <p:clrMapOvr>
+    <a:masterClrMapping/>
+  </p:clrMapOvr>
 </p:sld>
 </file>
 
@@ -16288,7 +17105,13 @@
       </p:grpSpPr>
       <p:sp>
         <p:nvSpPr>
-          <p:cNvPr id="2" name="Titulua 1"/>
+          <p:cNvPr id="4" name="Título 3">
+            <a:extLst>
+              <a:ext uri="{FF2B5EF4-FFF2-40B4-BE49-F238E27FC236}">
+                <a16:creationId xmlns:a16="http://schemas.microsoft.com/office/drawing/2014/main" id="{68B0482A-01A2-B82D-1BD6-0F2E0DA36657}"/>
+              </a:ext>
+            </a:extLst>
+          </p:cNvPr>
           <p:cNvSpPr>
             <a:spLocks noGrp="1"/>
           </p:cNvSpPr>
@@ -16301,13 +17124,26 @@
           <a:bodyPr/>
           <a:lstStyle/>
           <a:p>
-            <a:endParaRPr lang="es-ES"/>
+            <a:r>
+              <a:rPr lang="es-ES" dirty="0" err="1">
+                <a:ea typeface="Calibri Light"/>
+                <a:cs typeface="Calibri Light"/>
+              </a:rPr>
+              <a:t>Aurkibidea</a:t>
+            </a:r>
+            <a:endParaRPr lang="es-ES" dirty="0" err="1"/>
           </a:p>
         </p:txBody>
       </p:sp>
       <p:sp>
         <p:nvSpPr>
-          <p:cNvPr id="3" name="Edukiaren leku-marka 2"/>
+          <p:cNvPr id="5" name="Marcador de contenido 4">
+            <a:extLst>
+              <a:ext uri="{FF2B5EF4-FFF2-40B4-BE49-F238E27FC236}">
+                <a16:creationId xmlns:a16="http://schemas.microsoft.com/office/drawing/2014/main" id="{546CF15C-A021-128D-3A9A-9F140123FBAD}"/>
+              </a:ext>
+            </a:extLst>
+          </p:cNvPr>
           <p:cNvSpPr>
             <a:spLocks noGrp="1"/>
           </p:cNvSpPr>
@@ -16334,13 +17170,1472 @@
   <p:clrMapOvr>
     <a:masterClrMapping/>
   </p:clrMapOvr>
-  <p:timing>
-    <p:tnLst>
-      <p:par>
-        <p:cTn id="1" dur="indefinite" restart="never" nodeType="tmRoot"/>
-      </p:par>
-    </p:tnLst>
-  </p:timing>
+</p:sld>
+</file>
+
+<file path=ppt/slides/slide3.xml><?xml version="1.0" encoding="utf-8"?>
+<p:sld xmlns:a="http://schemas.openxmlformats.org/drawingml/2006/main" xmlns:r="http://schemas.openxmlformats.org/officeDocument/2006/relationships" xmlns:p="http://schemas.openxmlformats.org/presentationml/2006/main">
+  <p:cSld>
+    <p:spTree>
+      <p:nvGrpSpPr>
+        <p:cNvPr id="1" name=""/>
+        <p:cNvGrpSpPr/>
+        <p:nvPr/>
+      </p:nvGrpSpPr>
+      <p:grpSpPr>
+        <a:xfrm>
+          <a:off x="0" y="0"/>
+          <a:ext cx="0" cy="0"/>
+          <a:chOff x="0" y="0"/>
+          <a:chExt cx="0" cy="0"/>
+        </a:xfrm>
+      </p:grpSpPr>
+      <p:sp>
+        <p:nvSpPr>
+          <p:cNvPr id="2" name="Título 1">
+            <a:extLst>
+              <a:ext uri="{FF2B5EF4-FFF2-40B4-BE49-F238E27FC236}">
+                <a16:creationId xmlns:a16="http://schemas.microsoft.com/office/drawing/2014/main" id="{AF9B8ED0-194A-6DB0-0FEB-21505B97F8BD}"/>
+              </a:ext>
+            </a:extLst>
+          </p:cNvPr>
+          <p:cNvSpPr>
+            <a:spLocks noGrp="1"/>
+          </p:cNvSpPr>
+          <p:nvPr>
+            <p:ph type="title"/>
+          </p:nvPr>
+        </p:nvSpPr>
+        <p:spPr/>
+        <p:txBody>
+          <a:bodyPr/>
+          <a:lstStyle/>
+          <a:p>
+            <a:r>
+              <a:rPr lang="es-ES" dirty="0" err="1">
+                <a:ea typeface="Calibri Light"/>
+                <a:cs typeface="Calibri Light"/>
+              </a:rPr>
+              <a:t>Trigger</a:t>
+            </a:r>
+            <a:r>
+              <a:rPr lang="es-ES" dirty="0">
+                <a:ea typeface="Calibri Light"/>
+                <a:cs typeface="Calibri Light"/>
+              </a:rPr>
+              <a:t>-rak</a:t>
+            </a:r>
+            <a:endParaRPr lang="es-ES" dirty="0"/>
+          </a:p>
+        </p:txBody>
+      </p:sp>
+      <p:sp>
+        <p:nvSpPr>
+          <p:cNvPr id="3" name="Marcador de contenido 2">
+            <a:extLst>
+              <a:ext uri="{FF2B5EF4-FFF2-40B4-BE49-F238E27FC236}">
+                <a16:creationId xmlns:a16="http://schemas.microsoft.com/office/drawing/2014/main" id="{0559EB1F-9DB2-5DE2-9B0D-59ABFCD6ED59}"/>
+              </a:ext>
+            </a:extLst>
+          </p:cNvPr>
+          <p:cNvSpPr>
+            <a:spLocks noGrp="1"/>
+          </p:cNvSpPr>
+          <p:nvPr>
+            <p:ph idx="1"/>
+          </p:nvPr>
+        </p:nvSpPr>
+        <p:spPr>
+          <a:xfrm>
+            <a:off x="5118447" y="803186"/>
+            <a:ext cx="6281873" cy="1250597"/>
+          </a:xfrm>
+        </p:spPr>
+        <p:txBody>
+          <a:bodyPr/>
+          <a:lstStyle/>
+          <a:p>
+            <a:pPr marL="342900" indent="-342900">
+              <a:buAutoNum type="arabicPeriod"/>
+            </a:pPr>
+            <a:r>
+              <a:rPr lang="es-ES" err="1"/>
+              <a:t>Trigger</a:t>
+            </a:r>
+            <a:r>
+              <a:rPr lang="es-ES"/>
+              <a:t>:</a:t>
+            </a:r>
+          </a:p>
+          <a:p>
+            <a:pPr marL="800100" lvl="1" indent="-342900">
+              <a:buFont typeface="Courier New" panose="05000000000000000000" pitchFamily="2" charset="2"/>
+              <a:buChar char="o"/>
+            </a:pPr>
+            <a:r>
+              <a:rPr lang="es-ES" dirty="0" err="1"/>
+              <a:t>Kolmena-kantitatea</a:t>
+            </a:r>
+          </a:p>
+          <a:p>
+            <a:pPr marL="800100" lvl="1" indent="-342900">
+              <a:buFont typeface="Courier New" panose="05000000000000000000" pitchFamily="2" charset="2"/>
+              <a:buChar char="o"/>
+            </a:pPr>
+            <a:r>
+              <a:rPr lang="es-ES" dirty="0" err="1"/>
+              <a:t>Erle-kantitatea</a:t>
+            </a:r>
+          </a:p>
+        </p:txBody>
+      </p:sp>
+      <p:pic>
+        <p:nvPicPr>
+          <p:cNvPr id="4" name="Imagen 3">
+            <a:extLst>
+              <a:ext uri="{FF2B5EF4-FFF2-40B4-BE49-F238E27FC236}">
+                <a16:creationId xmlns:a16="http://schemas.microsoft.com/office/drawing/2014/main" id="{00A63BDB-16A7-B8A2-679A-8A824F8DC3A3}"/>
+              </a:ext>
+            </a:extLst>
+          </p:cNvPr>
+          <p:cNvPicPr>
+            <a:picLocks noChangeAspect="1"/>
+          </p:cNvPicPr>
+          <p:nvPr/>
+        </p:nvPicPr>
+        <p:blipFill>
+          <a:blip r:embed="rId2"/>
+          <a:stretch>
+            <a:fillRect/>
+          </a:stretch>
+        </p:blipFill>
+        <p:spPr>
+          <a:xfrm>
+            <a:off x="5115642" y="3919928"/>
+            <a:ext cx="5133975" cy="333375"/>
+          </a:xfrm>
+          <a:prstGeom prst="rect">
+            <a:avLst/>
+          </a:prstGeom>
+        </p:spPr>
+      </p:pic>
+      <p:pic>
+        <p:nvPicPr>
+          <p:cNvPr id="5" name="Imagen 4">
+            <a:extLst>
+              <a:ext uri="{FF2B5EF4-FFF2-40B4-BE49-F238E27FC236}">
+                <a16:creationId xmlns:a16="http://schemas.microsoft.com/office/drawing/2014/main" id="{41EAD1CA-7670-7039-DC73-119694F63C59}"/>
+              </a:ext>
+            </a:extLst>
+          </p:cNvPr>
+          <p:cNvPicPr>
+            <a:picLocks noChangeAspect="1"/>
+          </p:cNvPicPr>
+          <p:nvPr/>
+        </p:nvPicPr>
+        <p:blipFill>
+          <a:blip r:embed="rId3"/>
+          <a:stretch>
+            <a:fillRect/>
+          </a:stretch>
+        </p:blipFill>
+        <p:spPr>
+          <a:xfrm>
+            <a:off x="5116816" y="2050746"/>
+            <a:ext cx="6029325" cy="209550"/>
+          </a:xfrm>
+          <a:prstGeom prst="rect">
+            <a:avLst/>
+          </a:prstGeom>
+        </p:spPr>
+      </p:pic>
+      <p:sp>
+        <p:nvSpPr>
+          <p:cNvPr id="7" name="Marcador de contenido 2">
+            <a:extLst>
+              <a:ext uri="{FF2B5EF4-FFF2-40B4-BE49-F238E27FC236}">
+                <a16:creationId xmlns:a16="http://schemas.microsoft.com/office/drawing/2014/main" id="{61E9D55B-D66F-D690-6F1F-EA2D6ECD0361}"/>
+              </a:ext>
+            </a:extLst>
+          </p:cNvPr>
+          <p:cNvSpPr txBox="1">
+            <a:spLocks/>
+          </p:cNvSpPr>
+          <p:nvPr/>
+        </p:nvSpPr>
+        <p:spPr>
+          <a:xfrm>
+            <a:off x="5114272" y="2469148"/>
+            <a:ext cx="6281873" cy="1250597"/>
+          </a:xfrm>
+          <a:prstGeom prst="rect">
+            <a:avLst/>
+          </a:prstGeom>
+        </p:spPr>
+        <p:txBody>
+          <a:bodyPr vert="horz" lIns="91440" tIns="45720" rIns="91440" bIns="45720" rtlCol="0" anchor="ctr">
+            <a:normAutofit/>
+          </a:bodyPr>
+          <a:lstStyle>
+            <a:lvl1pPr marL="228600" indent="-228600" algn="l" defTabSz="914400" rtl="0" eaLnBrk="1" latinLnBrk="0" hangingPunct="1">
+              <a:lnSpc>
+                <a:spcPct val="120000"/>
+              </a:lnSpc>
+              <a:spcBef>
+                <a:spcPts val="1000"/>
+              </a:spcBef>
+              <a:buClr>
+                <a:schemeClr val="accent1"/>
+              </a:buClr>
+              <a:buSzPct val="110000"/>
+              <a:buFont typeface="Wingdings" panose="05000000000000000000" pitchFamily="2" charset="2"/>
+              <a:buChar char="§"/>
+              <a:defRPr sz="1800" kern="1200">
+                <a:solidFill>
+                  <a:schemeClr val="tx1"/>
+                </a:solidFill>
+                <a:effectLst/>
+                <a:latin typeface="+mn-lt"/>
+                <a:ea typeface="+mn-ea"/>
+                <a:cs typeface="+mn-cs"/>
+              </a:defRPr>
+            </a:lvl1pPr>
+            <a:lvl2pPr marL="685800" indent="-228600" algn="l" defTabSz="914400" rtl="0" eaLnBrk="1" latinLnBrk="0" hangingPunct="1">
+              <a:lnSpc>
+                <a:spcPct val="120000"/>
+              </a:lnSpc>
+              <a:spcBef>
+                <a:spcPts val="500"/>
+              </a:spcBef>
+              <a:buClr>
+                <a:schemeClr val="accent1"/>
+              </a:buClr>
+              <a:buSzPct val="110000"/>
+              <a:buFont typeface="Wingdings" panose="05000000000000000000" pitchFamily="2" charset="2"/>
+              <a:buChar char="§"/>
+              <a:defRPr sz="1600" kern="1200">
+                <a:solidFill>
+                  <a:schemeClr val="tx1"/>
+                </a:solidFill>
+                <a:effectLst/>
+                <a:latin typeface="+mn-lt"/>
+                <a:ea typeface="+mn-ea"/>
+                <a:cs typeface="+mn-cs"/>
+              </a:defRPr>
+            </a:lvl2pPr>
+            <a:lvl3pPr marL="1143000" indent="-228600" algn="l" defTabSz="914400" rtl="0" eaLnBrk="1" latinLnBrk="0" hangingPunct="1">
+              <a:lnSpc>
+                <a:spcPct val="120000"/>
+              </a:lnSpc>
+              <a:spcBef>
+                <a:spcPts val="500"/>
+              </a:spcBef>
+              <a:buClr>
+                <a:schemeClr val="accent1"/>
+              </a:buClr>
+              <a:buSzPct val="110000"/>
+              <a:buFont typeface="Wingdings" panose="05000000000000000000" pitchFamily="2" charset="2"/>
+              <a:buChar char="§"/>
+              <a:defRPr sz="1400" kern="1200">
+                <a:solidFill>
+                  <a:schemeClr val="tx1"/>
+                </a:solidFill>
+                <a:effectLst/>
+                <a:latin typeface="+mn-lt"/>
+                <a:ea typeface="+mn-ea"/>
+                <a:cs typeface="+mn-cs"/>
+              </a:defRPr>
+            </a:lvl3pPr>
+            <a:lvl4pPr marL="1600200" indent="-228600" algn="l" defTabSz="914400" rtl="0" eaLnBrk="1" latinLnBrk="0" hangingPunct="1">
+              <a:lnSpc>
+                <a:spcPct val="120000"/>
+              </a:lnSpc>
+              <a:spcBef>
+                <a:spcPts val="500"/>
+              </a:spcBef>
+              <a:buClr>
+                <a:schemeClr val="accent1"/>
+              </a:buClr>
+              <a:buSzPct val="110000"/>
+              <a:buFont typeface="Wingdings" panose="05000000000000000000" pitchFamily="2" charset="2"/>
+              <a:buChar char="§"/>
+              <a:defRPr sz="1200" kern="1200">
+                <a:solidFill>
+                  <a:schemeClr val="tx1"/>
+                </a:solidFill>
+                <a:effectLst/>
+                <a:latin typeface="+mn-lt"/>
+                <a:ea typeface="+mn-ea"/>
+                <a:cs typeface="+mn-cs"/>
+              </a:defRPr>
+            </a:lvl4pPr>
+            <a:lvl5pPr marL="2057400" indent="-228600" algn="l" defTabSz="914400" rtl="0" eaLnBrk="1" latinLnBrk="0" hangingPunct="1">
+              <a:lnSpc>
+                <a:spcPct val="120000"/>
+              </a:lnSpc>
+              <a:spcBef>
+                <a:spcPts val="500"/>
+              </a:spcBef>
+              <a:buClr>
+                <a:schemeClr val="accent1"/>
+              </a:buClr>
+              <a:buSzPct val="110000"/>
+              <a:buFont typeface="Wingdings" panose="05000000000000000000" pitchFamily="2" charset="2"/>
+              <a:buChar char="§"/>
+              <a:defRPr sz="1200" kern="1200">
+                <a:solidFill>
+                  <a:schemeClr val="tx1"/>
+                </a:solidFill>
+                <a:effectLst/>
+                <a:latin typeface="+mn-lt"/>
+                <a:ea typeface="+mn-ea"/>
+                <a:cs typeface="+mn-cs"/>
+              </a:defRPr>
+            </a:lvl5pPr>
+            <a:lvl6pPr marL="2514600" indent="-228600" algn="l" defTabSz="914400" rtl="0" eaLnBrk="1" latinLnBrk="0" hangingPunct="1">
+              <a:lnSpc>
+                <a:spcPct val="120000"/>
+              </a:lnSpc>
+              <a:spcBef>
+                <a:spcPts val="500"/>
+              </a:spcBef>
+              <a:buClr>
+                <a:schemeClr val="accent1"/>
+              </a:buClr>
+              <a:buSzPct val="110000"/>
+              <a:buFont typeface="Wingdings" panose="05000000000000000000" pitchFamily="2" charset="2"/>
+              <a:buChar char="§"/>
+              <a:defRPr sz="1200" kern="1200">
+                <a:solidFill>
+                  <a:schemeClr val="tx1"/>
+                </a:solidFill>
+                <a:effectLst/>
+                <a:latin typeface="+mn-lt"/>
+                <a:ea typeface="+mn-ea"/>
+                <a:cs typeface="+mn-cs"/>
+              </a:defRPr>
+            </a:lvl6pPr>
+            <a:lvl7pPr marL="2971800" indent="-228600" algn="l" defTabSz="914400" rtl="0" eaLnBrk="1" latinLnBrk="0" hangingPunct="1">
+              <a:lnSpc>
+                <a:spcPct val="120000"/>
+              </a:lnSpc>
+              <a:spcBef>
+                <a:spcPts val="500"/>
+              </a:spcBef>
+              <a:buClr>
+                <a:schemeClr val="accent1"/>
+              </a:buClr>
+              <a:buSzPct val="110000"/>
+              <a:buFont typeface="Wingdings" panose="05000000000000000000" pitchFamily="2" charset="2"/>
+              <a:buChar char="§"/>
+              <a:defRPr sz="1200" kern="1200">
+                <a:solidFill>
+                  <a:schemeClr val="tx1"/>
+                </a:solidFill>
+                <a:effectLst/>
+                <a:latin typeface="+mn-lt"/>
+                <a:ea typeface="+mn-ea"/>
+                <a:cs typeface="+mn-cs"/>
+              </a:defRPr>
+            </a:lvl7pPr>
+            <a:lvl8pPr marL="3429000" indent="-228600" algn="l" defTabSz="914400" rtl="0" eaLnBrk="1" latinLnBrk="0" hangingPunct="1">
+              <a:lnSpc>
+                <a:spcPct val="120000"/>
+              </a:lnSpc>
+              <a:spcBef>
+                <a:spcPts val="500"/>
+              </a:spcBef>
+              <a:buClr>
+                <a:schemeClr val="accent1"/>
+              </a:buClr>
+              <a:buSzPct val="110000"/>
+              <a:buFont typeface="Wingdings" panose="05000000000000000000" pitchFamily="2" charset="2"/>
+              <a:buChar char="§"/>
+              <a:defRPr sz="1200" kern="1200">
+                <a:solidFill>
+                  <a:schemeClr val="tx1"/>
+                </a:solidFill>
+                <a:effectLst/>
+                <a:latin typeface="+mn-lt"/>
+                <a:ea typeface="+mn-ea"/>
+                <a:cs typeface="+mn-cs"/>
+              </a:defRPr>
+            </a:lvl8pPr>
+            <a:lvl9pPr marL="3886200" indent="-228600" algn="l" defTabSz="914400" rtl="0" eaLnBrk="1" latinLnBrk="0" hangingPunct="1">
+              <a:lnSpc>
+                <a:spcPct val="120000"/>
+              </a:lnSpc>
+              <a:spcBef>
+                <a:spcPts val="500"/>
+              </a:spcBef>
+              <a:buClr>
+                <a:schemeClr val="accent1"/>
+              </a:buClr>
+              <a:buSzPct val="110000"/>
+              <a:buFont typeface="Wingdings" panose="05000000000000000000" pitchFamily="2" charset="2"/>
+              <a:buChar char="§"/>
+              <a:defRPr sz="1200" kern="1200">
+                <a:solidFill>
+                  <a:schemeClr val="tx1"/>
+                </a:solidFill>
+                <a:effectLst/>
+                <a:latin typeface="+mn-lt"/>
+                <a:ea typeface="+mn-ea"/>
+                <a:cs typeface="+mn-cs"/>
+              </a:defRPr>
+            </a:lvl9pPr>
+          </a:lstStyle>
+          <a:p>
+            <a:pPr marL="0" indent="0">
+              <a:buNone/>
+            </a:pPr>
+            <a:r>
+              <a:rPr lang="es-ES" dirty="0">
+                <a:solidFill>
+                  <a:srgbClr val="FF0000"/>
+                </a:solidFill>
+              </a:rPr>
+              <a:t>2.</a:t>
+            </a:r>
+            <a:r>
+              <a:rPr lang="es-ES" dirty="0"/>
+              <a:t>  </a:t>
+            </a:r>
+            <a:r>
+              <a:rPr lang="es-ES" err="1"/>
+              <a:t>Trigger</a:t>
+            </a:r>
+            <a:r>
+              <a:rPr lang="es-ES" dirty="0"/>
+              <a:t>:</a:t>
+            </a:r>
+          </a:p>
+          <a:p>
+            <a:pPr marL="800100" lvl="1" indent="-342900">
+              <a:buFont typeface="Courier New" panose="05000000000000000000" pitchFamily="2" charset="2"/>
+              <a:buChar char="o"/>
+            </a:pPr>
+            <a:r>
+              <a:rPr lang="es-ES" dirty="0" err="1"/>
+              <a:t>Produktu</a:t>
+            </a:r>
+            <a:r>
+              <a:rPr lang="es-ES" dirty="0"/>
+              <a:t> 5+</a:t>
+            </a:r>
+          </a:p>
+          <a:p>
+            <a:pPr marL="800100" lvl="1" indent="-342900">
+              <a:buFont typeface="Courier New" panose="05000000000000000000" pitchFamily="2" charset="2"/>
+              <a:buChar char="o"/>
+            </a:pPr>
+            <a:r>
+              <a:rPr lang="es-ES" dirty="0" err="1"/>
+              <a:t>Sozio</a:t>
+            </a:r>
+            <a:r>
+              <a:rPr lang="es-ES" dirty="0"/>
+              <a:t> eta </a:t>
+            </a:r>
+            <a:r>
+              <a:rPr lang="es-ES" dirty="0" err="1"/>
+              <a:t>Asoziazio</a:t>
+            </a:r>
+            <a:r>
+              <a:rPr lang="es-ES" dirty="0"/>
+              <a:t> </a:t>
+            </a:r>
+            <a:r>
+              <a:rPr lang="es-ES" dirty="0" err="1"/>
+              <a:t>Izena</a:t>
+            </a:r>
+          </a:p>
+        </p:txBody>
+      </p:sp>
+      <p:pic>
+        <p:nvPicPr>
+          <p:cNvPr id="8" name="Imagen 7" descr="Texto, Aplicación&#10;&#10;Descripción generada automáticamente">
+            <a:extLst>
+              <a:ext uri="{FF2B5EF4-FFF2-40B4-BE49-F238E27FC236}">
+                <a16:creationId xmlns:a16="http://schemas.microsoft.com/office/drawing/2014/main" id="{44C44339-64DD-6F14-280D-66650250BF5C}"/>
+              </a:ext>
+            </a:extLst>
+          </p:cNvPr>
+          <p:cNvPicPr>
+            <a:picLocks noChangeAspect="1"/>
+          </p:cNvPicPr>
+          <p:nvPr/>
+        </p:nvPicPr>
+        <p:blipFill>
+          <a:blip r:embed="rId4"/>
+          <a:stretch>
+            <a:fillRect/>
+          </a:stretch>
+        </p:blipFill>
+        <p:spPr>
+          <a:xfrm>
+            <a:off x="5119819" y="4357427"/>
+            <a:ext cx="3914775" cy="1838325"/>
+          </a:xfrm>
+          <a:prstGeom prst="rect">
+            <a:avLst/>
+          </a:prstGeom>
+        </p:spPr>
+      </p:pic>
+    </p:spTree>
+    <p:extLst>
+      <p:ext uri="{BB962C8B-B14F-4D97-AF65-F5344CB8AC3E}">
+        <p14:creationId xmlns:p14="http://schemas.microsoft.com/office/powerpoint/2010/main" val="2920012412"/>
+      </p:ext>
+    </p:extLst>
+  </p:cSld>
+  <p:clrMapOvr>
+    <a:masterClrMapping/>
+  </p:clrMapOvr>
+</p:sld>
+</file>
+
+<file path=ppt/slides/slide4.xml><?xml version="1.0" encoding="utf-8"?>
+<p:sld xmlns:a="http://schemas.openxmlformats.org/drawingml/2006/main" xmlns:r="http://schemas.openxmlformats.org/officeDocument/2006/relationships" xmlns:p="http://schemas.openxmlformats.org/presentationml/2006/main">
+  <p:cSld>
+    <p:spTree>
+      <p:nvGrpSpPr>
+        <p:cNvPr id="1" name=""/>
+        <p:cNvGrpSpPr/>
+        <p:nvPr/>
+      </p:nvGrpSpPr>
+      <p:grpSpPr>
+        <a:xfrm>
+          <a:off x="0" y="0"/>
+          <a:ext cx="0" cy="0"/>
+          <a:chOff x="0" y="0"/>
+          <a:chExt cx="0" cy="0"/>
+        </a:xfrm>
+      </p:grpSpPr>
+      <p:sp>
+        <p:nvSpPr>
+          <p:cNvPr id="2" name="Título 1">
+            <a:extLst>
+              <a:ext uri="{FF2B5EF4-FFF2-40B4-BE49-F238E27FC236}">
+                <a16:creationId xmlns:a16="http://schemas.microsoft.com/office/drawing/2014/main" id="{E02FDD33-3BD1-9C94-254B-A7EB92140F7E}"/>
+              </a:ext>
+            </a:extLst>
+          </p:cNvPr>
+          <p:cNvSpPr>
+            <a:spLocks noGrp="1"/>
+          </p:cNvSpPr>
+          <p:nvPr>
+            <p:ph type="title"/>
+          </p:nvPr>
+        </p:nvSpPr>
+        <p:spPr/>
+        <p:txBody>
+          <a:bodyPr/>
+          <a:lstStyle/>
+          <a:p>
+            <a:r>
+              <a:rPr lang="es-ES" dirty="0">
+                <a:ea typeface="Calibri Light"/>
+                <a:cs typeface="Calibri Light"/>
+              </a:rPr>
+              <a:t>Log-</a:t>
+            </a:r>
+            <a:r>
+              <a:rPr lang="es-ES" dirty="0" err="1">
+                <a:ea typeface="Calibri Light"/>
+                <a:cs typeface="Calibri Light"/>
+              </a:rPr>
+              <a:t>Trigger</a:t>
+            </a:r>
+            <a:endParaRPr lang="es-ES" dirty="0" err="1"/>
+          </a:p>
+        </p:txBody>
+      </p:sp>
+      <p:sp>
+        <p:nvSpPr>
+          <p:cNvPr id="3" name="Marcador de contenido 2">
+            <a:extLst>
+              <a:ext uri="{FF2B5EF4-FFF2-40B4-BE49-F238E27FC236}">
+                <a16:creationId xmlns:a16="http://schemas.microsoft.com/office/drawing/2014/main" id="{151C96FD-E737-EA73-3EFD-835101FD79EA}"/>
+              </a:ext>
+            </a:extLst>
+          </p:cNvPr>
+          <p:cNvSpPr>
+            <a:spLocks noGrp="1"/>
+          </p:cNvSpPr>
+          <p:nvPr>
+            <p:ph idx="1"/>
+          </p:nvPr>
+        </p:nvSpPr>
+        <p:spPr>
+          <a:xfrm>
+            <a:off x="5410721" y="834501"/>
+            <a:ext cx="2388367" cy="1041965"/>
+          </a:xfrm>
+        </p:spPr>
+        <p:txBody>
+          <a:bodyPr/>
+          <a:lstStyle/>
+          <a:p>
+            <a:r>
+              <a:rPr lang="es-ES" dirty="0"/>
+              <a:t>SOZIOAK TABLA</a:t>
+            </a:r>
+          </a:p>
+        </p:txBody>
+      </p:sp>
+      <p:pic>
+        <p:nvPicPr>
+          <p:cNvPr id="4" name="Imagen 3" descr="Icono&#10;&#10;Descripción generada automáticamente">
+            <a:extLst>
+              <a:ext uri="{FF2B5EF4-FFF2-40B4-BE49-F238E27FC236}">
+                <a16:creationId xmlns:a16="http://schemas.microsoft.com/office/drawing/2014/main" id="{070851BE-DF2A-D9FF-B6BA-09520538F4D9}"/>
+              </a:ext>
+            </a:extLst>
+          </p:cNvPr>
+          <p:cNvPicPr>
+            <a:picLocks noChangeAspect="1"/>
+          </p:cNvPicPr>
+          <p:nvPr/>
+        </p:nvPicPr>
+        <p:blipFill>
+          <a:blip r:embed="rId2"/>
+          <a:stretch>
+            <a:fillRect/>
+          </a:stretch>
+        </p:blipFill>
+        <p:spPr>
+          <a:xfrm>
+            <a:off x="6279715" y="1963455"/>
+            <a:ext cx="2398734" cy="2450926"/>
+          </a:xfrm>
+          <a:prstGeom prst="rect">
+            <a:avLst/>
+          </a:prstGeom>
+        </p:spPr>
+      </p:pic>
+    </p:spTree>
+    <p:extLst>
+      <p:ext uri="{BB962C8B-B14F-4D97-AF65-F5344CB8AC3E}">
+        <p14:creationId xmlns:p14="http://schemas.microsoft.com/office/powerpoint/2010/main" val="4148953584"/>
+      </p:ext>
+    </p:extLst>
+  </p:cSld>
+  <p:clrMapOvr>
+    <a:masterClrMapping/>
+  </p:clrMapOvr>
+</p:sld>
+</file>
+
+<file path=ppt/slides/slide5.xml><?xml version="1.0" encoding="utf-8"?>
+<p:sld xmlns:a="http://schemas.openxmlformats.org/drawingml/2006/main" xmlns:r="http://schemas.openxmlformats.org/officeDocument/2006/relationships" xmlns:p="http://schemas.openxmlformats.org/presentationml/2006/main">
+  <p:cSld>
+    <p:spTree>
+      <p:nvGrpSpPr>
+        <p:cNvPr id="1" name=""/>
+        <p:cNvGrpSpPr/>
+        <p:nvPr/>
+      </p:nvGrpSpPr>
+      <p:grpSpPr>
+        <a:xfrm>
+          <a:off x="0" y="0"/>
+          <a:ext cx="0" cy="0"/>
+          <a:chOff x="0" y="0"/>
+          <a:chExt cx="0" cy="0"/>
+        </a:xfrm>
+      </p:grpSpPr>
+      <p:pic>
+        <p:nvPicPr>
+          <p:cNvPr id="4" name="Imagen 3" descr="Interfaz de usuario gráfica, Texto, Aplicación&#10;&#10;Descripción generada automáticamente">
+            <a:extLst>
+              <a:ext uri="{FF2B5EF4-FFF2-40B4-BE49-F238E27FC236}">
+                <a16:creationId xmlns:a16="http://schemas.microsoft.com/office/drawing/2014/main" id="{D0987A96-D647-9CFC-CCE4-C4F86BDC9B7F}"/>
+              </a:ext>
+            </a:extLst>
+          </p:cNvPr>
+          <p:cNvPicPr>
+            <a:picLocks noChangeAspect="1"/>
+          </p:cNvPicPr>
+          <p:nvPr/>
+        </p:nvPicPr>
+        <p:blipFill>
+          <a:blip r:embed="rId2"/>
+          <a:stretch>
+            <a:fillRect/>
+          </a:stretch>
+        </p:blipFill>
+        <p:spPr>
+          <a:xfrm>
+            <a:off x="0" y="2700795"/>
+            <a:ext cx="12192000" cy="1320710"/>
+          </a:xfrm>
+          <a:prstGeom prst="rect">
+            <a:avLst/>
+          </a:prstGeom>
+        </p:spPr>
+      </p:pic>
+      <p:sp>
+        <p:nvSpPr>
+          <p:cNvPr id="5" name="Rectángulo 4">
+            <a:extLst>
+              <a:ext uri="{FF2B5EF4-FFF2-40B4-BE49-F238E27FC236}">
+                <a16:creationId xmlns:a16="http://schemas.microsoft.com/office/drawing/2014/main" id="{64734CE1-C49D-3493-174A-AAEAFE3BDB58}"/>
+              </a:ext>
+            </a:extLst>
+          </p:cNvPr>
+          <p:cNvSpPr/>
+          <p:nvPr/>
+        </p:nvSpPr>
+        <p:spPr>
+          <a:xfrm>
+            <a:off x="0" y="0"/>
+            <a:ext cx="12191999" cy="1315232"/>
+          </a:xfrm>
+          <a:prstGeom prst="rect">
+            <a:avLst/>
+          </a:prstGeom>
+          <a:ln>
+            <a:solidFill>
+              <a:schemeClr val="accent1"/>
+            </a:solidFill>
+          </a:ln>
+        </p:spPr>
+        <p:style>
+          <a:lnRef idx="2">
+            <a:schemeClr val="accent1">
+              <a:shade val="15000"/>
+            </a:schemeClr>
+          </a:lnRef>
+          <a:fillRef idx="1">
+            <a:schemeClr val="accent1"/>
+          </a:fillRef>
+          <a:effectRef idx="0">
+            <a:schemeClr val="accent1"/>
+          </a:effectRef>
+          <a:fontRef idx="minor">
+            <a:schemeClr val="lt1"/>
+          </a:fontRef>
+        </p:style>
+        <p:txBody>
+          <a:bodyPr rtlCol="0" anchor="ctr"/>
+          <a:lstStyle/>
+          <a:p>
+            <a:pPr algn="ctr"/>
+            <a:r>
+              <a:rPr lang="es-ES" sz="4000" dirty="0">
+                <a:solidFill>
+                  <a:srgbClr val="FFFEFF"/>
+                </a:solidFill>
+                <a:latin typeface="Calibri Light"/>
+                <a:ea typeface="Calibri Light"/>
+                <a:cs typeface="Calibri Light"/>
+              </a:rPr>
+              <a:t>Log-</a:t>
+            </a:r>
+            <a:r>
+              <a:rPr lang="es-ES" sz="4000" dirty="0" err="1">
+                <a:solidFill>
+                  <a:srgbClr val="FFFEFF"/>
+                </a:solidFill>
+                <a:latin typeface="Calibri Light"/>
+                <a:ea typeface="Calibri Light"/>
+                <a:cs typeface="Calibri Light"/>
+              </a:rPr>
+              <a:t>Trigger</a:t>
+            </a:r>
+            <a:endParaRPr lang="es-ES" dirty="0" err="1"/>
+          </a:p>
+        </p:txBody>
+      </p:sp>
+      <p:sp>
+        <p:nvSpPr>
+          <p:cNvPr id="6" name="Rectángulo 5">
+            <a:extLst>
+              <a:ext uri="{FF2B5EF4-FFF2-40B4-BE49-F238E27FC236}">
+                <a16:creationId xmlns:a16="http://schemas.microsoft.com/office/drawing/2014/main" id="{8AACF0A4-ACE4-9E8F-DF40-B06F77E181D1}"/>
+              </a:ext>
+            </a:extLst>
+          </p:cNvPr>
+          <p:cNvSpPr/>
+          <p:nvPr/>
+        </p:nvSpPr>
+        <p:spPr>
+          <a:xfrm>
+            <a:off x="-1" y="177452"/>
+            <a:ext cx="12192000" cy="146136"/>
+          </a:xfrm>
+          <a:prstGeom prst="rect">
+            <a:avLst/>
+          </a:prstGeom>
+          <a:solidFill>
+            <a:schemeClr val="bg1"/>
+          </a:solidFill>
+          <a:ln>
+            <a:solidFill>
+              <a:schemeClr val="bg1"/>
+            </a:solidFill>
+          </a:ln>
+        </p:spPr>
+        <p:style>
+          <a:lnRef idx="2">
+            <a:schemeClr val="accent1">
+              <a:shade val="15000"/>
+            </a:schemeClr>
+          </a:lnRef>
+          <a:fillRef idx="1">
+            <a:schemeClr val="accent1"/>
+          </a:fillRef>
+          <a:effectRef idx="0">
+            <a:schemeClr val="accent1"/>
+          </a:effectRef>
+          <a:fontRef idx="minor">
+            <a:schemeClr val="lt1"/>
+          </a:fontRef>
+        </p:style>
+        <p:txBody>
+          <a:bodyPr rtlCol="0" anchor="ctr"/>
+          <a:lstStyle/>
+          <a:p>
+            <a:pPr algn="ctr"/>
+            <a:endParaRPr lang="es-ES"/>
+          </a:p>
+        </p:txBody>
+      </p:sp>
+    </p:spTree>
+    <p:extLst>
+      <p:ext uri="{BB962C8B-B14F-4D97-AF65-F5344CB8AC3E}">
+        <p14:creationId xmlns:p14="http://schemas.microsoft.com/office/powerpoint/2010/main" val="1646669050"/>
+      </p:ext>
+    </p:extLst>
+  </p:cSld>
+  <p:clrMapOvr>
+    <a:masterClrMapping/>
+  </p:clrMapOvr>
+</p:sld>
+</file>
+
+<file path=ppt/slides/slide6.xml><?xml version="1.0" encoding="utf-8"?>
+<p:sld xmlns:a="http://schemas.openxmlformats.org/drawingml/2006/main" xmlns:r="http://schemas.openxmlformats.org/officeDocument/2006/relationships" xmlns:p="http://schemas.openxmlformats.org/presentationml/2006/main">
+  <p:cSld>
+    <p:spTree>
+      <p:nvGrpSpPr>
+        <p:cNvPr id="1" name=""/>
+        <p:cNvGrpSpPr/>
+        <p:nvPr/>
+      </p:nvGrpSpPr>
+      <p:grpSpPr>
+        <a:xfrm>
+          <a:off x="0" y="0"/>
+          <a:ext cx="0" cy="0"/>
+          <a:chOff x="0" y="0"/>
+          <a:chExt cx="0" cy="0"/>
+        </a:xfrm>
+      </p:grpSpPr>
+      <p:sp>
+        <p:nvSpPr>
+          <p:cNvPr id="2" name="Título 1">
+            <a:extLst>
+              <a:ext uri="{FF2B5EF4-FFF2-40B4-BE49-F238E27FC236}">
+                <a16:creationId xmlns:a16="http://schemas.microsoft.com/office/drawing/2014/main" id="{529AFB7D-41C0-DAFC-46E3-14E5606B825A}"/>
+              </a:ext>
+            </a:extLst>
+          </p:cNvPr>
+          <p:cNvSpPr>
+            <a:spLocks noGrp="1"/>
+          </p:cNvSpPr>
+          <p:nvPr>
+            <p:ph type="title"/>
+          </p:nvPr>
+        </p:nvSpPr>
+        <p:spPr/>
+        <p:txBody>
+          <a:bodyPr/>
+          <a:lstStyle/>
+          <a:p>
+            <a:r>
+              <a:rPr lang="es-ES" dirty="0" err="1">
+                <a:ea typeface="Calibri Light"/>
+                <a:cs typeface="Calibri Light"/>
+              </a:rPr>
+              <a:t>Prozedura</a:t>
+            </a:r>
+            <a:endParaRPr lang="es-ES" dirty="0" err="1"/>
+          </a:p>
+        </p:txBody>
+      </p:sp>
+      <p:pic>
+        <p:nvPicPr>
+          <p:cNvPr id="4" name="Marcador de contenido 3" descr="Interfaz de usuario gráfica, Texto, Aplicación&#10;&#10;Descripción generada automáticamente">
+            <a:extLst>
+              <a:ext uri="{FF2B5EF4-FFF2-40B4-BE49-F238E27FC236}">
+                <a16:creationId xmlns:a16="http://schemas.microsoft.com/office/drawing/2014/main" id="{A7825EE3-6422-BD5E-5259-8C2B543DE673}"/>
+              </a:ext>
+            </a:extLst>
+          </p:cNvPr>
+          <p:cNvPicPr>
+            <a:picLocks noGrp="1" noChangeAspect="1"/>
+          </p:cNvPicPr>
+          <p:nvPr>
+            <p:ph idx="1"/>
+          </p:nvPr>
+        </p:nvPicPr>
+        <p:blipFill>
+          <a:blip r:embed="rId2"/>
+          <a:stretch>
+            <a:fillRect/>
+          </a:stretch>
+        </p:blipFill>
+        <p:spPr>
+          <a:xfrm>
+            <a:off x="5096562" y="2609106"/>
+            <a:ext cx="6096000" cy="2889384"/>
+          </a:xfrm>
+        </p:spPr>
+      </p:pic>
+      <p:sp>
+        <p:nvSpPr>
+          <p:cNvPr id="5" name="CuadroTexto 4">
+            <a:extLst>
+              <a:ext uri="{FF2B5EF4-FFF2-40B4-BE49-F238E27FC236}">
+                <a16:creationId xmlns:a16="http://schemas.microsoft.com/office/drawing/2014/main" id="{BE5D81F1-D5AE-562C-E3DF-94E9D9442AB3}"/>
+              </a:ext>
+            </a:extLst>
+          </p:cNvPr>
+          <p:cNvSpPr txBox="1"/>
+          <p:nvPr/>
+        </p:nvSpPr>
+        <p:spPr>
+          <a:xfrm>
+            <a:off x="5093918" y="1450931"/>
+            <a:ext cx="5981178" cy="369332"/>
+          </a:xfrm>
+          <a:prstGeom prst="rect">
+            <a:avLst/>
+          </a:prstGeom>
+          <a:noFill/>
+        </p:spPr>
+        <p:txBody>
+          <a:bodyPr rot="0" spcFirstLastPara="0" vertOverflow="overflow" horzOverflow="overflow" vert="horz" wrap="square" lIns="91440" tIns="45720" rIns="91440" bIns="45720" numCol="1" spcCol="0" rtlCol="0" fromWordArt="0" anchor="t" anchorCtr="0" forceAA="0" compatLnSpc="1">
+            <a:prstTxWarp prst="textNoShape">
+              <a:avLst/>
+            </a:prstTxWarp>
+            <a:spAutoFit/>
+          </a:bodyPr>
+          <a:lstStyle/>
+          <a:p>
+            <a:pPr marL="285750" indent="-285750">
+              <a:buFont typeface="Courier New"/>
+              <a:buChar char="o"/>
+            </a:pPr>
+            <a:r>
+              <a:rPr lang="es-ES" dirty="0" err="1"/>
+              <a:t>Id_sozio</a:t>
+            </a:r>
+            <a:r>
+              <a:rPr lang="es-ES" dirty="0"/>
+              <a:t> </a:t>
+            </a:r>
+            <a:r>
+              <a:rPr lang="es-ES" dirty="0" err="1"/>
+              <a:t>datu</a:t>
+            </a:r>
+            <a:r>
+              <a:rPr lang="es-ES" dirty="0"/>
+              <a:t> </a:t>
+            </a:r>
+            <a:r>
+              <a:rPr lang="es-ES" dirty="0" err="1"/>
+              <a:t>guztiak</a:t>
+            </a:r>
+            <a:r>
+              <a:rPr lang="es-ES" dirty="0"/>
+              <a:t> </a:t>
+            </a:r>
+            <a:r>
+              <a:rPr lang="es-ES" dirty="0" err="1"/>
+              <a:t>lortzeko</a:t>
+            </a:r>
+            <a:r>
+              <a:rPr lang="es-ES" dirty="0"/>
+              <a:t>.</a:t>
+            </a:r>
+            <a:endParaRPr lang="es-ES"/>
+          </a:p>
+        </p:txBody>
+      </p:sp>
+    </p:spTree>
+    <p:extLst>
+      <p:ext uri="{BB962C8B-B14F-4D97-AF65-F5344CB8AC3E}">
+        <p14:creationId xmlns:p14="http://schemas.microsoft.com/office/powerpoint/2010/main" val="696370123"/>
+      </p:ext>
+    </p:extLst>
+  </p:cSld>
+  <p:clrMapOvr>
+    <a:masterClrMapping/>
+  </p:clrMapOvr>
+</p:sld>
+</file>
+
+<file path=ppt/slides/slide7.xml><?xml version="1.0" encoding="utf-8"?>
+<p:sld xmlns:a="http://schemas.openxmlformats.org/drawingml/2006/main" xmlns:r="http://schemas.openxmlformats.org/officeDocument/2006/relationships" xmlns:p="http://schemas.openxmlformats.org/presentationml/2006/main">
+  <p:cSld>
+    <p:spTree>
+      <p:nvGrpSpPr>
+        <p:cNvPr id="1" name=""/>
+        <p:cNvGrpSpPr/>
+        <p:nvPr/>
+      </p:nvGrpSpPr>
+      <p:grpSpPr>
+        <a:xfrm>
+          <a:off x="0" y="0"/>
+          <a:ext cx="0" cy="0"/>
+          <a:chOff x="0" y="0"/>
+          <a:chExt cx="0" cy="0"/>
+        </a:xfrm>
+      </p:grpSpPr>
+      <p:sp>
+        <p:nvSpPr>
+          <p:cNvPr id="2" name="Título 1">
+            <a:extLst>
+              <a:ext uri="{FF2B5EF4-FFF2-40B4-BE49-F238E27FC236}">
+                <a16:creationId xmlns:a16="http://schemas.microsoft.com/office/drawing/2014/main" id="{03127F94-EB6E-27CD-2A1F-E82758EBC49F}"/>
+              </a:ext>
+            </a:extLst>
+          </p:cNvPr>
+          <p:cNvSpPr>
+            <a:spLocks noGrp="1"/>
+          </p:cNvSpPr>
+          <p:nvPr>
+            <p:ph type="title"/>
+          </p:nvPr>
+        </p:nvSpPr>
+        <p:spPr/>
+        <p:txBody>
+          <a:bodyPr/>
+          <a:lstStyle/>
+          <a:p>
+            <a:r>
+              <a:rPr lang="es-ES" dirty="0" err="1">
+                <a:ea typeface="Calibri Light"/>
+                <a:cs typeface="Calibri Light"/>
+              </a:rPr>
+              <a:t>Funtzioa</a:t>
+            </a:r>
+            <a:endParaRPr lang="es-ES" dirty="0" err="1"/>
+          </a:p>
+        </p:txBody>
+      </p:sp>
+      <p:sp>
+        <p:nvSpPr>
+          <p:cNvPr id="3" name="Marcador de contenido 2">
+            <a:extLst>
+              <a:ext uri="{FF2B5EF4-FFF2-40B4-BE49-F238E27FC236}">
+                <a16:creationId xmlns:a16="http://schemas.microsoft.com/office/drawing/2014/main" id="{336E1D15-9A45-53EF-2D36-9F60425B8F0F}"/>
+              </a:ext>
+            </a:extLst>
+          </p:cNvPr>
+          <p:cNvSpPr>
+            <a:spLocks noGrp="1"/>
+          </p:cNvSpPr>
+          <p:nvPr>
+            <p:ph idx="1"/>
+          </p:nvPr>
+        </p:nvSpPr>
+        <p:spPr>
+          <a:xfrm>
+            <a:off x="5108008" y="2995241"/>
+            <a:ext cx="6939489" cy="864513"/>
+          </a:xfrm>
+        </p:spPr>
+        <p:txBody>
+          <a:bodyPr/>
+          <a:lstStyle/>
+          <a:p>
+            <a:r>
+              <a:rPr lang="es-ES" dirty="0" err="1"/>
+              <a:t>Asoziaozio</a:t>
+            </a:r>
+            <a:r>
+              <a:rPr lang="es-ES" dirty="0"/>
+              <a:t> </a:t>
+            </a:r>
+            <a:r>
+              <a:rPr lang="es-ES" dirty="0" err="1"/>
+              <a:t>kupurua</a:t>
+            </a:r>
+            <a:r>
+              <a:rPr lang="es-ES" dirty="0"/>
+              <a:t> </a:t>
+            </a:r>
+            <a:r>
+              <a:rPr lang="es-ES" dirty="0" err="1"/>
+              <a:t>edo</a:t>
+            </a:r>
+            <a:r>
+              <a:rPr lang="es-ES" dirty="0"/>
+              <a:t> </a:t>
+            </a:r>
+            <a:r>
+              <a:rPr lang="es-ES" dirty="0" err="1"/>
+              <a:t>Produzitutako</a:t>
+            </a:r>
+            <a:r>
+              <a:rPr lang="es-ES" dirty="0"/>
+              <a:t> </a:t>
+            </a:r>
+            <a:r>
+              <a:rPr lang="es-ES" dirty="0" err="1"/>
+              <a:t>ezti</a:t>
+            </a:r>
+            <a:r>
+              <a:rPr lang="es-ES" dirty="0"/>
+              <a:t> mota </a:t>
+            </a:r>
+            <a:r>
+              <a:rPr lang="es-ES" dirty="0" err="1"/>
+              <a:t>kantitatea</a:t>
+            </a:r>
+            <a:r>
+              <a:rPr lang="es-ES" dirty="0"/>
+              <a:t>. (</a:t>
+            </a:r>
+            <a:r>
+              <a:rPr lang="es-ES" dirty="0" err="1"/>
+              <a:t>Baldintza</a:t>
+            </a:r>
+            <a:r>
+              <a:rPr lang="es-ES" dirty="0"/>
+              <a:t>= 500+ </a:t>
+            </a:r>
+            <a:r>
+              <a:rPr lang="es-ES" dirty="0" err="1"/>
+              <a:t>erlauntz</a:t>
+            </a:r>
+            <a:r>
+              <a:rPr lang="es-ES" dirty="0"/>
+              <a:t>)</a:t>
+            </a:r>
+          </a:p>
+        </p:txBody>
+      </p:sp>
+    </p:spTree>
+    <p:extLst>
+      <p:ext uri="{BB962C8B-B14F-4D97-AF65-F5344CB8AC3E}">
+        <p14:creationId xmlns:p14="http://schemas.microsoft.com/office/powerpoint/2010/main" val="4211898060"/>
+      </p:ext>
+    </p:extLst>
+  </p:cSld>
+  <p:clrMapOvr>
+    <a:masterClrMapping/>
+  </p:clrMapOvr>
+</p:sld>
+</file>
+
+<file path=ppt/slides/slide8.xml><?xml version="1.0" encoding="utf-8"?>
+<p:sld xmlns:a="http://schemas.openxmlformats.org/drawingml/2006/main" xmlns:r="http://schemas.openxmlformats.org/officeDocument/2006/relationships" xmlns:p="http://schemas.openxmlformats.org/presentationml/2006/main">
+  <p:cSld>
+    <p:spTree>
+      <p:nvGrpSpPr>
+        <p:cNvPr id="1" name=""/>
+        <p:cNvGrpSpPr/>
+        <p:nvPr/>
+      </p:nvGrpSpPr>
+      <p:grpSpPr>
+        <a:xfrm>
+          <a:off x="0" y="0"/>
+          <a:ext cx="0" cy="0"/>
+          <a:chOff x="0" y="0"/>
+          <a:chExt cx="0" cy="0"/>
+        </a:xfrm>
+      </p:grpSpPr>
+      <p:sp>
+        <p:nvSpPr>
+          <p:cNvPr id="5" name="Rectángulo 4">
+            <a:extLst>
+              <a:ext uri="{FF2B5EF4-FFF2-40B4-BE49-F238E27FC236}">
+                <a16:creationId xmlns:a16="http://schemas.microsoft.com/office/drawing/2014/main" id="{64734CE1-C49D-3493-174A-AAEAFE3BDB58}"/>
+              </a:ext>
+            </a:extLst>
+          </p:cNvPr>
+          <p:cNvSpPr/>
+          <p:nvPr/>
+        </p:nvSpPr>
+        <p:spPr>
+          <a:xfrm>
+            <a:off x="0" y="0"/>
+            <a:ext cx="12191999" cy="1315232"/>
+          </a:xfrm>
+          <a:prstGeom prst="rect">
+            <a:avLst/>
+          </a:prstGeom>
+          <a:ln>
+            <a:solidFill>
+              <a:schemeClr val="accent1"/>
+            </a:solidFill>
+          </a:ln>
+        </p:spPr>
+        <p:style>
+          <a:lnRef idx="2">
+            <a:schemeClr val="accent1">
+              <a:shade val="15000"/>
+            </a:schemeClr>
+          </a:lnRef>
+          <a:fillRef idx="1">
+            <a:schemeClr val="accent1"/>
+          </a:fillRef>
+          <a:effectRef idx="0">
+            <a:schemeClr val="accent1"/>
+          </a:effectRef>
+          <a:fontRef idx="minor">
+            <a:schemeClr val="lt1"/>
+          </a:fontRef>
+        </p:style>
+        <p:txBody>
+          <a:bodyPr lIns="91440" tIns="45720" rIns="91440" bIns="45720" rtlCol="0" anchor="ctr"/>
+          <a:lstStyle/>
+          <a:p>
+            <a:pPr algn="ctr"/>
+            <a:r>
+              <a:rPr lang="es-ES" sz="4000" dirty="0" err="1">
+                <a:solidFill>
+                  <a:srgbClr val="FFFEFF"/>
+                </a:solidFill>
+                <a:latin typeface="Calibri Light"/>
+                <a:ea typeface="Calibri Light"/>
+                <a:cs typeface="Calibri Light"/>
+              </a:rPr>
+              <a:t>Funtzioa</a:t>
+            </a:r>
+            <a:endParaRPr lang="es-ES" dirty="0" err="1"/>
+          </a:p>
+        </p:txBody>
+      </p:sp>
+      <p:sp>
+        <p:nvSpPr>
+          <p:cNvPr id="6" name="Rectángulo 5">
+            <a:extLst>
+              <a:ext uri="{FF2B5EF4-FFF2-40B4-BE49-F238E27FC236}">
+                <a16:creationId xmlns:a16="http://schemas.microsoft.com/office/drawing/2014/main" id="{8AACF0A4-ACE4-9E8F-DF40-B06F77E181D1}"/>
+              </a:ext>
+            </a:extLst>
+          </p:cNvPr>
+          <p:cNvSpPr/>
+          <p:nvPr/>
+        </p:nvSpPr>
+        <p:spPr>
+          <a:xfrm>
+            <a:off x="-1" y="177452"/>
+            <a:ext cx="12192000" cy="146136"/>
+          </a:xfrm>
+          <a:prstGeom prst="rect">
+            <a:avLst/>
+          </a:prstGeom>
+          <a:solidFill>
+            <a:schemeClr val="bg1"/>
+          </a:solidFill>
+          <a:ln>
+            <a:solidFill>
+              <a:schemeClr val="bg1"/>
+            </a:solidFill>
+          </a:ln>
+        </p:spPr>
+        <p:style>
+          <a:lnRef idx="2">
+            <a:schemeClr val="accent1">
+              <a:shade val="15000"/>
+            </a:schemeClr>
+          </a:lnRef>
+          <a:fillRef idx="1">
+            <a:schemeClr val="accent1"/>
+          </a:fillRef>
+          <a:effectRef idx="0">
+            <a:schemeClr val="accent1"/>
+          </a:effectRef>
+          <a:fontRef idx="minor">
+            <a:schemeClr val="lt1"/>
+          </a:fontRef>
+        </p:style>
+        <p:txBody>
+          <a:bodyPr rtlCol="0" anchor="ctr"/>
+          <a:lstStyle/>
+          <a:p>
+            <a:pPr algn="ctr"/>
+            <a:endParaRPr lang="es-ES"/>
+          </a:p>
+        </p:txBody>
+      </p:sp>
+      <p:pic>
+        <p:nvPicPr>
+          <p:cNvPr id="2" name="Imagen 1" descr="Tabla&#10;&#10;Descripción generada automáticamente">
+            <a:extLst>
+              <a:ext uri="{FF2B5EF4-FFF2-40B4-BE49-F238E27FC236}">
+                <a16:creationId xmlns:a16="http://schemas.microsoft.com/office/drawing/2014/main" id="{024E21B2-7551-A96F-19C3-78389FF496BE}"/>
+              </a:ext>
+            </a:extLst>
+          </p:cNvPr>
+          <p:cNvPicPr>
+            <a:picLocks noChangeAspect="1"/>
+          </p:cNvPicPr>
+          <p:nvPr/>
+        </p:nvPicPr>
+        <p:blipFill>
+          <a:blip r:embed="rId2"/>
+          <a:stretch>
+            <a:fillRect/>
+          </a:stretch>
+        </p:blipFill>
+        <p:spPr>
+          <a:xfrm>
+            <a:off x="0" y="1592875"/>
+            <a:ext cx="12192000" cy="4141975"/>
+          </a:xfrm>
+          <a:prstGeom prst="rect">
+            <a:avLst/>
+          </a:prstGeom>
+        </p:spPr>
+      </p:pic>
+    </p:spTree>
+    <p:extLst>
+      <p:ext uri="{BB962C8B-B14F-4D97-AF65-F5344CB8AC3E}">
+        <p14:creationId xmlns:p14="http://schemas.microsoft.com/office/powerpoint/2010/main" val="2926691120"/>
+      </p:ext>
+    </p:extLst>
+  </p:cSld>
+  <p:clrMapOvr>
+    <a:masterClrMapping/>
+  </p:clrMapOvr>
+</p:sld>
+</file>
+
+<file path=ppt/slides/slide9.xml><?xml version="1.0" encoding="utf-8"?>
+<p:sld xmlns:a="http://schemas.openxmlformats.org/drawingml/2006/main" xmlns:r="http://schemas.openxmlformats.org/officeDocument/2006/relationships" xmlns:p="http://schemas.openxmlformats.org/presentationml/2006/main">
+  <p:cSld>
+    <p:spTree>
+      <p:nvGrpSpPr>
+        <p:cNvPr id="1" name=""/>
+        <p:cNvGrpSpPr/>
+        <p:nvPr/>
+      </p:nvGrpSpPr>
+      <p:grpSpPr>
+        <a:xfrm>
+          <a:off x="0" y="0"/>
+          <a:ext cx="0" cy="0"/>
+          <a:chOff x="0" y="0"/>
+          <a:chExt cx="0" cy="0"/>
+        </a:xfrm>
+      </p:grpSpPr>
+      <p:sp>
+        <p:nvSpPr>
+          <p:cNvPr id="2" name="Título 1">
+            <a:extLst>
+              <a:ext uri="{FF2B5EF4-FFF2-40B4-BE49-F238E27FC236}">
+                <a16:creationId xmlns:a16="http://schemas.microsoft.com/office/drawing/2014/main" id="{E358F1DC-A750-3D7C-2C23-CDFA22274342}"/>
+              </a:ext>
+            </a:extLst>
+          </p:cNvPr>
+          <p:cNvSpPr>
+            <a:spLocks noGrp="1"/>
+          </p:cNvSpPr>
+          <p:nvPr>
+            <p:ph type="title"/>
+          </p:nvPr>
+        </p:nvSpPr>
+        <p:spPr/>
+        <p:txBody>
+          <a:bodyPr/>
+          <a:lstStyle/>
+          <a:p>
+            <a:r>
+              <a:rPr lang="es-ES" dirty="0" err="1">
+                <a:ea typeface="Calibri Light"/>
+                <a:cs typeface="Calibri Light"/>
+              </a:rPr>
+              <a:t>Paketea</a:t>
+            </a:r>
+            <a:br>
+              <a:rPr lang="es-ES" dirty="0">
+                <a:ea typeface="Calibri Light"/>
+                <a:cs typeface="Calibri Light"/>
+              </a:rPr>
+            </a:br>
+            <a:r>
+              <a:rPr lang="es-ES" dirty="0">
+                <a:ea typeface="Calibri Light"/>
+                <a:cs typeface="Calibri Light"/>
+              </a:rPr>
+              <a:t>(</a:t>
+            </a:r>
+            <a:r>
+              <a:rPr lang="es-ES" dirty="0" err="1">
+                <a:ea typeface="Calibri Light"/>
+                <a:cs typeface="Calibri Light"/>
+              </a:rPr>
+              <a:t>Funtzioa</a:t>
+            </a:r>
+            <a:r>
+              <a:rPr lang="es-ES" dirty="0">
+                <a:ea typeface="Calibri Light"/>
+                <a:cs typeface="Calibri Light"/>
+              </a:rPr>
+              <a:t> eta </a:t>
+            </a:r>
+            <a:r>
+              <a:rPr lang="es-ES" dirty="0" err="1">
+                <a:ea typeface="Calibri Light"/>
+                <a:cs typeface="Calibri Light"/>
+              </a:rPr>
+              <a:t>Prozedura</a:t>
+            </a:r>
+            <a:r>
+              <a:rPr lang="es-ES" dirty="0">
+                <a:ea typeface="Calibri Light"/>
+                <a:cs typeface="Calibri Light"/>
+              </a:rPr>
+              <a:t>)</a:t>
+            </a:r>
+            <a:endParaRPr lang="es-ES" dirty="0"/>
+          </a:p>
+        </p:txBody>
+      </p:sp>
+      <p:pic>
+        <p:nvPicPr>
+          <p:cNvPr id="4" name="Marcador de contenido 3">
+            <a:extLst>
+              <a:ext uri="{FF2B5EF4-FFF2-40B4-BE49-F238E27FC236}">
+                <a16:creationId xmlns:a16="http://schemas.microsoft.com/office/drawing/2014/main" id="{3C0A0AFB-C1A1-7882-D88A-E3ACC6B8F977}"/>
+              </a:ext>
+            </a:extLst>
+          </p:cNvPr>
+          <p:cNvPicPr>
+            <a:picLocks noGrp="1" noChangeAspect="1"/>
+          </p:cNvPicPr>
+          <p:nvPr>
+            <p:ph idx="1"/>
+          </p:nvPr>
+        </p:nvPicPr>
+        <p:blipFill>
+          <a:blip r:embed="rId2"/>
+          <a:stretch>
+            <a:fillRect/>
+          </a:stretch>
+        </p:blipFill>
+        <p:spPr>
+          <a:xfrm>
+            <a:off x="6091468" y="1712278"/>
+            <a:ext cx="3500762" cy="3503503"/>
+          </a:xfrm>
+        </p:spPr>
+      </p:pic>
+    </p:spTree>
+    <p:extLst>
+      <p:ext uri="{BB962C8B-B14F-4D97-AF65-F5344CB8AC3E}">
+        <p14:creationId xmlns:p14="http://schemas.microsoft.com/office/powerpoint/2010/main" val="2074752135"/>
+      </p:ext>
+    </p:extLst>
+  </p:cSld>
+  <p:clrMapOvr>
+    <a:masterClrMapping/>
+  </p:clrMapOvr>
 </p:sld>
 </file>
 

--- a/Aurkezpena/Aurkezpena_5.taldea_2.sprint.pptx
+++ b/Aurkezpena/Aurkezpena_5.taldea_2.sprint.pptx
@@ -5,7 +5,7 @@
     <p:sldMasterId id="2147483660" r:id="rId1"/>
   </p:sldMasterIdLst>
   <p:notesMasterIdLst>
-    <p:notesMasterId r:id="rId18"/>
+    <p:notesMasterId r:id="rId21"/>
   </p:notesMasterIdLst>
   <p:sldIdLst>
     <p:sldId id="256" r:id="rId2"/>
@@ -13,17 +13,20 @@
     <p:sldId id="258" r:id="rId4"/>
     <p:sldId id="259" r:id="rId5"/>
     <p:sldId id="260" r:id="rId6"/>
-    <p:sldId id="261" r:id="rId7"/>
-    <p:sldId id="262" r:id="rId8"/>
-    <p:sldId id="266" r:id="rId9"/>
-    <p:sldId id="263" r:id="rId10"/>
-    <p:sldId id="264" r:id="rId11"/>
-    <p:sldId id="267" r:id="rId12"/>
-    <p:sldId id="268" r:id="rId13"/>
-    <p:sldId id="269" r:id="rId14"/>
-    <p:sldId id="270" r:id="rId15"/>
-    <p:sldId id="271" r:id="rId16"/>
-    <p:sldId id="272" r:id="rId17"/>
+    <p:sldId id="275" r:id="rId7"/>
+    <p:sldId id="263" r:id="rId8"/>
+    <p:sldId id="261" r:id="rId9"/>
+    <p:sldId id="262" r:id="rId10"/>
+    <p:sldId id="266" r:id="rId11"/>
+    <p:sldId id="273" r:id="rId12"/>
+    <p:sldId id="264" r:id="rId13"/>
+    <p:sldId id="267" r:id="rId14"/>
+    <p:sldId id="268" r:id="rId15"/>
+    <p:sldId id="274" r:id="rId16"/>
+    <p:sldId id="269" r:id="rId17"/>
+    <p:sldId id="270" r:id="rId18"/>
+    <p:sldId id="271" r:id="rId19"/>
+    <p:sldId id="272" r:id="rId20"/>
   </p:sldIdLst>
   <p:sldSz cx="12192000" cy="6858000"/>
   <p:notesSz cx="6858000" cy="9144000"/>
@@ -220,7 +223,7 @@
           <a:p>
             <a:fld id="{2487B47E-1D1C-43F0-89C4-15CB0C688C8C}" type="datetimeFigureOut">
               <a:rPr lang="es-ES" smtClean="0"/>
-              <a:t>29/04/2024</a:t>
+              <a:t>30/04/2024</a:t>
             </a:fld>
             <a:endParaRPr lang="es-ES"/>
           </a:p>
@@ -379,7 +382,7 @@
           <a:p>
             <a:fld id="{91E5604F-4A60-4958-AF15-A5D99394F0AF}" type="slidenum">
               <a:rPr lang="es-ES" smtClean="0"/>
-              <a:t>‹Nº›</a:t>
+              <a:t>‹zk.›</a:t>
             </a:fld>
             <a:endParaRPr lang="es-ES"/>
           </a:p>
@@ -1897,7 +1900,7 @@
           <a:p>
             <a:fld id="{73A8D5A0-A780-4503-A33D-9102CDCF8FE3}" type="datetimeFigureOut">
               <a:rPr lang="es-ES" smtClean="0"/>
-              <a:t>29/04/2024</a:t>
+              <a:t>30/04/2024</a:t>
             </a:fld>
             <a:endParaRPr lang="es-ES"/>
           </a:p>
@@ -1953,7 +1956,7 @@
           <a:p>
             <a:fld id="{A933338F-8713-4FAC-B8DB-603627AA4C3E}" type="slidenum">
               <a:rPr lang="es-ES" smtClean="0"/>
-              <a:t>‹Nº›</a:t>
+              <a:t>‹zk.›</a:t>
             </a:fld>
             <a:endParaRPr lang="es-ES"/>
           </a:p>
@@ -3356,7 +3359,7 @@
           <a:p>
             <a:fld id="{73A8D5A0-A780-4503-A33D-9102CDCF8FE3}" type="datetimeFigureOut">
               <a:rPr lang="es-ES" smtClean="0"/>
-              <a:t>29/04/2024</a:t>
+              <a:t>30/04/2024</a:t>
             </a:fld>
             <a:endParaRPr lang="es-ES"/>
           </a:p>
@@ -3398,7 +3401,7 @@
           <a:p>
             <a:fld id="{A933338F-8713-4FAC-B8DB-603627AA4C3E}" type="slidenum">
               <a:rPr lang="es-ES" smtClean="0"/>
-              <a:t>‹Nº›</a:t>
+              <a:t>‹zk.›</a:t>
             </a:fld>
             <a:endParaRPr lang="es-ES"/>
           </a:p>
@@ -4809,7 +4812,7 @@
           <a:p>
             <a:fld id="{73A8D5A0-A780-4503-A33D-9102CDCF8FE3}" type="datetimeFigureOut">
               <a:rPr lang="es-ES" smtClean="0"/>
-              <a:t>29/04/2024</a:t>
+              <a:t>30/04/2024</a:t>
             </a:fld>
             <a:endParaRPr lang="es-ES"/>
           </a:p>
@@ -4861,7 +4864,7 @@
           <a:p>
             <a:fld id="{A933338F-8713-4FAC-B8DB-603627AA4C3E}" type="slidenum">
               <a:rPr lang="es-ES" smtClean="0"/>
-              <a:t>‹Nº›</a:t>
+              <a:t>‹zk.›</a:t>
             </a:fld>
             <a:endParaRPr lang="es-ES"/>
           </a:p>
@@ -6264,7 +6267,7 @@
           <a:p>
             <a:fld id="{73A8D5A0-A780-4503-A33D-9102CDCF8FE3}" type="datetimeFigureOut">
               <a:rPr lang="es-ES" smtClean="0"/>
-              <a:t>29/04/2024</a:t>
+              <a:t>30/04/2024</a:t>
             </a:fld>
             <a:endParaRPr lang="es-ES"/>
           </a:p>
@@ -6306,7 +6309,7 @@
           <a:p>
             <a:fld id="{A933338F-8713-4FAC-B8DB-603627AA4C3E}" type="slidenum">
               <a:rPr lang="es-ES" smtClean="0"/>
-              <a:t>‹Nº›</a:t>
+              <a:t>‹zk.›</a:t>
             </a:fld>
             <a:endParaRPr lang="es-ES"/>
           </a:p>
@@ -7772,7 +7775,7 @@
           <a:p>
             <a:fld id="{73A8D5A0-A780-4503-A33D-9102CDCF8FE3}" type="datetimeFigureOut">
               <a:rPr lang="es-ES" smtClean="0"/>
-              <a:t>29/04/2024</a:t>
+              <a:t>30/04/2024</a:t>
             </a:fld>
             <a:endParaRPr lang="es-ES"/>
           </a:p>
@@ -7828,7 +7831,7 @@
           <a:p>
             <a:fld id="{A933338F-8713-4FAC-B8DB-603627AA4C3E}" type="slidenum">
               <a:rPr lang="es-ES" smtClean="0"/>
-              <a:t>‹Nº›</a:t>
+              <a:t>‹zk.›</a:t>
             </a:fld>
             <a:endParaRPr lang="es-ES"/>
           </a:p>
@@ -9293,7 +9296,7 @@
           <a:p>
             <a:fld id="{73A8D5A0-A780-4503-A33D-9102CDCF8FE3}" type="datetimeFigureOut">
               <a:rPr lang="es-ES" smtClean="0"/>
-              <a:t>29/04/2024</a:t>
+              <a:t>30/04/2024</a:t>
             </a:fld>
             <a:endParaRPr lang="es-ES"/>
           </a:p>
@@ -9345,7 +9348,7 @@
           <a:p>
             <a:fld id="{A933338F-8713-4FAC-B8DB-603627AA4C3E}" type="slidenum">
               <a:rPr lang="es-ES" smtClean="0"/>
-              <a:t>‹Nº›</a:t>
+              <a:t>‹zk.›</a:t>
             </a:fld>
             <a:endParaRPr lang="es-ES"/>
           </a:p>
@@ -10958,7 +10961,7 @@
           <a:p>
             <a:fld id="{73A8D5A0-A780-4503-A33D-9102CDCF8FE3}" type="datetimeFigureOut">
               <a:rPr lang="es-ES" smtClean="0"/>
-              <a:t>29/04/2024</a:t>
+              <a:t>30/04/2024</a:t>
             </a:fld>
             <a:endParaRPr lang="es-ES"/>
           </a:p>
@@ -11010,7 +11013,7 @@
           <a:p>
             <a:fld id="{A933338F-8713-4FAC-B8DB-603627AA4C3E}" type="slidenum">
               <a:rPr lang="es-ES" smtClean="0"/>
-              <a:t>‹Nº›</a:t>
+              <a:t>‹zk.›</a:t>
             </a:fld>
             <a:endParaRPr lang="es-ES"/>
           </a:p>
@@ -12356,7 +12359,7 @@
           <a:p>
             <a:fld id="{73A8D5A0-A780-4503-A33D-9102CDCF8FE3}" type="datetimeFigureOut">
               <a:rPr lang="es-ES" smtClean="0"/>
-              <a:t>29/04/2024</a:t>
+              <a:t>30/04/2024</a:t>
             </a:fld>
             <a:endParaRPr lang="es-ES"/>
           </a:p>
@@ -12398,7 +12401,7 @@
           <a:p>
             <a:fld id="{A933338F-8713-4FAC-B8DB-603627AA4C3E}" type="slidenum">
               <a:rPr lang="es-ES" smtClean="0"/>
-              <a:t>‹Nº›</a:t>
+              <a:t>‹zk.›</a:t>
             </a:fld>
             <a:endParaRPr lang="es-ES"/>
           </a:p>
@@ -12456,7 +12459,7 @@
           <a:p>
             <a:fld id="{73A8D5A0-A780-4503-A33D-9102CDCF8FE3}" type="datetimeFigureOut">
               <a:rPr lang="es-ES" smtClean="0"/>
-              <a:t>29/04/2024</a:t>
+              <a:t>30/04/2024</a:t>
             </a:fld>
             <a:endParaRPr lang="es-ES"/>
           </a:p>
@@ -12508,7 +12511,7 @@
           <a:p>
             <a:fld id="{A933338F-8713-4FAC-B8DB-603627AA4C3E}" type="slidenum">
               <a:rPr lang="es-ES" smtClean="0"/>
-              <a:t>‹Nº›</a:t>
+              <a:t>‹zk.›</a:t>
             </a:fld>
             <a:endParaRPr lang="es-ES"/>
           </a:p>
@@ -13982,7 +13985,7 @@
           <a:p>
             <a:fld id="{73A8D5A0-A780-4503-A33D-9102CDCF8FE3}" type="datetimeFigureOut">
               <a:rPr lang="es-ES" smtClean="0"/>
-              <a:t>29/04/2024</a:t>
+              <a:t>30/04/2024</a:t>
             </a:fld>
             <a:endParaRPr lang="es-ES"/>
           </a:p>
@@ -14024,7 +14027,7 @@
           <a:p>
             <a:fld id="{A933338F-8713-4FAC-B8DB-603627AA4C3E}" type="slidenum">
               <a:rPr lang="es-ES" smtClean="0"/>
-              <a:t>‹Nº›</a:t>
+              <a:t>‹zk.›</a:t>
             </a:fld>
             <a:endParaRPr lang="es-ES"/>
           </a:p>
@@ -15518,7 +15521,7 @@
           <a:p>
             <a:fld id="{73A8D5A0-A780-4503-A33D-9102CDCF8FE3}" type="datetimeFigureOut">
               <a:rPr lang="es-ES" smtClean="0"/>
-              <a:t>29/04/2024</a:t>
+              <a:t>30/04/2024</a:t>
             </a:fld>
             <a:endParaRPr lang="es-ES"/>
           </a:p>
@@ -15570,7 +15573,7 @@
           <a:p>
             <a:fld id="{A933338F-8713-4FAC-B8DB-603627AA4C3E}" type="slidenum">
               <a:rPr lang="es-ES" smtClean="0"/>
-              <a:t>‹Nº›</a:t>
+              <a:t>‹zk.›</a:t>
             </a:fld>
             <a:endParaRPr lang="es-ES"/>
           </a:p>
@@ -15768,7 +15771,7 @@
           <a:p>
             <a:fld id="{73A8D5A0-A780-4503-A33D-9102CDCF8FE3}" type="datetimeFigureOut">
               <a:rPr lang="es-ES" smtClean="0"/>
-              <a:t>29/04/2024</a:t>
+              <a:t>30/04/2024</a:t>
             </a:fld>
             <a:endParaRPr lang="es-ES"/>
           </a:p>
@@ -15846,7 +15849,7 @@
           <a:p>
             <a:fld id="{A933338F-8713-4FAC-B8DB-603627AA4C3E}" type="slidenum">
               <a:rPr lang="es-ES" smtClean="0"/>
-              <a:t>‹Nº›</a:t>
+              <a:t>‹zk.›</a:t>
             </a:fld>
             <a:endParaRPr lang="es-ES"/>
           </a:p>
@@ -16308,6 +16311,284 @@
       </p:grpSpPr>
       <p:sp>
         <p:nvSpPr>
+          <p:cNvPr id="5" name="Rectángulo 4">
+            <a:extLst>
+              <a:ext uri="{FF2B5EF4-FFF2-40B4-BE49-F238E27FC236}">
+                <a16:creationId xmlns:a16="http://schemas.microsoft.com/office/drawing/2014/main" id="{64734CE1-C49D-3493-174A-AAEAFE3BDB58}"/>
+              </a:ext>
+            </a:extLst>
+          </p:cNvPr>
+          <p:cNvSpPr/>
+          <p:nvPr/>
+        </p:nvSpPr>
+        <p:spPr>
+          <a:xfrm>
+            <a:off x="0" y="0"/>
+            <a:ext cx="12191999" cy="1315232"/>
+          </a:xfrm>
+          <a:prstGeom prst="rect">
+            <a:avLst/>
+          </a:prstGeom>
+          <a:ln>
+            <a:solidFill>
+              <a:schemeClr val="accent1"/>
+            </a:solidFill>
+          </a:ln>
+        </p:spPr>
+        <p:style>
+          <a:lnRef idx="2">
+            <a:schemeClr val="accent1">
+              <a:shade val="15000"/>
+            </a:schemeClr>
+          </a:lnRef>
+          <a:fillRef idx="1">
+            <a:schemeClr val="accent1"/>
+          </a:fillRef>
+          <a:effectRef idx="0">
+            <a:schemeClr val="accent1"/>
+          </a:effectRef>
+          <a:fontRef idx="minor">
+            <a:schemeClr val="lt1"/>
+          </a:fontRef>
+        </p:style>
+        <p:txBody>
+          <a:bodyPr lIns="91440" tIns="45720" rIns="91440" bIns="45720" rtlCol="0" anchor="ctr"/>
+          <a:lstStyle/>
+          <a:p>
+            <a:pPr algn="ctr"/>
+            <a:r>
+              <a:rPr lang="es-ES" sz="4000" dirty="0" err="1">
+                <a:solidFill>
+                  <a:srgbClr val="FFFEFF"/>
+                </a:solidFill>
+                <a:latin typeface="Calibri Light"/>
+                <a:ea typeface="Calibri Light"/>
+                <a:cs typeface="Calibri Light"/>
+              </a:rPr>
+              <a:t>Funtzioa</a:t>
+            </a:r>
+            <a:endParaRPr lang="es-ES" dirty="0" err="1"/>
+          </a:p>
+        </p:txBody>
+      </p:sp>
+      <p:sp>
+        <p:nvSpPr>
+          <p:cNvPr id="6" name="Rectángulo 5">
+            <a:extLst>
+              <a:ext uri="{FF2B5EF4-FFF2-40B4-BE49-F238E27FC236}">
+                <a16:creationId xmlns:a16="http://schemas.microsoft.com/office/drawing/2014/main" id="{8AACF0A4-ACE4-9E8F-DF40-B06F77E181D1}"/>
+              </a:ext>
+            </a:extLst>
+          </p:cNvPr>
+          <p:cNvSpPr/>
+          <p:nvPr/>
+        </p:nvSpPr>
+        <p:spPr>
+          <a:xfrm>
+            <a:off x="-1" y="177452"/>
+            <a:ext cx="12192000" cy="146136"/>
+          </a:xfrm>
+          <a:prstGeom prst="rect">
+            <a:avLst/>
+          </a:prstGeom>
+          <a:solidFill>
+            <a:schemeClr val="bg1"/>
+          </a:solidFill>
+          <a:ln>
+            <a:solidFill>
+              <a:schemeClr val="bg1"/>
+            </a:solidFill>
+          </a:ln>
+        </p:spPr>
+        <p:style>
+          <a:lnRef idx="2">
+            <a:schemeClr val="accent1">
+              <a:shade val="15000"/>
+            </a:schemeClr>
+          </a:lnRef>
+          <a:fillRef idx="1">
+            <a:schemeClr val="accent1"/>
+          </a:fillRef>
+          <a:effectRef idx="0">
+            <a:schemeClr val="accent1"/>
+          </a:effectRef>
+          <a:fontRef idx="minor">
+            <a:schemeClr val="lt1"/>
+          </a:fontRef>
+        </p:style>
+        <p:txBody>
+          <a:bodyPr rtlCol="0" anchor="ctr"/>
+          <a:lstStyle/>
+          <a:p>
+            <a:pPr algn="ctr"/>
+            <a:endParaRPr lang="es-ES"/>
+          </a:p>
+        </p:txBody>
+      </p:sp>
+      <p:pic>
+        <p:nvPicPr>
+          <p:cNvPr id="2" name="Imagen 1" descr="Tabla&#10;&#10;Descripción generada automáticamente">
+            <a:extLst>
+              <a:ext uri="{FF2B5EF4-FFF2-40B4-BE49-F238E27FC236}">
+                <a16:creationId xmlns:a16="http://schemas.microsoft.com/office/drawing/2014/main" id="{024E21B2-7551-A96F-19C3-78389FF496BE}"/>
+              </a:ext>
+            </a:extLst>
+          </p:cNvPr>
+          <p:cNvPicPr>
+            <a:picLocks noChangeAspect="1"/>
+          </p:cNvPicPr>
+          <p:nvPr/>
+        </p:nvPicPr>
+        <p:blipFill>
+          <a:blip r:embed="rId2"/>
+          <a:stretch>
+            <a:fillRect/>
+          </a:stretch>
+        </p:blipFill>
+        <p:spPr>
+          <a:xfrm>
+            <a:off x="0" y="1592875"/>
+            <a:ext cx="12192000" cy="4141975"/>
+          </a:xfrm>
+          <a:prstGeom prst="rect">
+            <a:avLst/>
+          </a:prstGeom>
+        </p:spPr>
+      </p:pic>
+    </p:spTree>
+    <p:extLst>
+      <p:ext uri="{BB962C8B-B14F-4D97-AF65-F5344CB8AC3E}">
+        <p14:creationId xmlns:p14="http://schemas.microsoft.com/office/powerpoint/2010/main" val="2926691120"/>
+      </p:ext>
+    </p:extLst>
+  </p:cSld>
+  <p:clrMapOvr>
+    <a:masterClrMapping/>
+  </p:clrMapOvr>
+</p:sld>
+</file>
+
+<file path=ppt/slides/slide11.xml><?xml version="1.0" encoding="utf-8"?>
+<p:sld xmlns:a="http://schemas.openxmlformats.org/drawingml/2006/main" xmlns:r="http://schemas.openxmlformats.org/officeDocument/2006/relationships" xmlns:p="http://schemas.openxmlformats.org/presentationml/2006/main">
+  <p:cSld>
+    <p:spTree>
+      <p:nvGrpSpPr>
+        <p:cNvPr id="1" name=""/>
+        <p:cNvGrpSpPr/>
+        <p:nvPr/>
+      </p:nvGrpSpPr>
+      <p:grpSpPr>
+        <a:xfrm>
+          <a:off x="0" y="0"/>
+          <a:ext cx="0" cy="0"/>
+          <a:chOff x="0" y="0"/>
+          <a:chExt cx="0" cy="0"/>
+        </a:xfrm>
+      </p:grpSpPr>
+      <p:sp>
+        <p:nvSpPr>
+          <p:cNvPr id="2" name="Título 1">
+            <a:extLst>
+              <a:ext uri="{FF2B5EF4-FFF2-40B4-BE49-F238E27FC236}">
+                <a16:creationId xmlns:a16="http://schemas.microsoft.com/office/drawing/2014/main" id="{6DD88D65-6E08-F78F-2F54-1301A2BA8EBE}"/>
+              </a:ext>
+            </a:extLst>
+          </p:cNvPr>
+          <p:cNvSpPr>
+            <a:spLocks noGrp="1"/>
+          </p:cNvSpPr>
+          <p:nvPr>
+            <p:ph type="title"/>
+          </p:nvPr>
+        </p:nvSpPr>
+        <p:spPr/>
+        <p:txBody>
+          <a:bodyPr/>
+          <a:lstStyle/>
+          <a:p>
+            <a:r>
+              <a:rPr lang="es-ES" dirty="0" err="1" smtClean="0">
+                <a:ea typeface="Calibri Light"/>
+                <a:cs typeface="Calibri Light"/>
+              </a:rPr>
+              <a:t>Partizioa</a:t>
+            </a:r>
+            <a:endParaRPr lang="es-ES" dirty="0"/>
+          </a:p>
+        </p:txBody>
+      </p:sp>
+      <p:pic>
+        <p:nvPicPr>
+          <p:cNvPr id="4" name="Edukiaren leku-marka 3"/>
+          <p:cNvPicPr>
+            <a:picLocks noGrp="1"/>
+          </p:cNvPicPr>
+          <p:nvPr>
+            <p:ph idx="1"/>
+          </p:nvPr>
+        </p:nvPicPr>
+        <p:blipFill rotWithShape="1">
+          <a:blip r:embed="rId2"/>
+          <a:srcRect t="71974" r="24255" b="4521"/>
+          <a:stretch/>
+        </p:blipFill>
+        <p:spPr bwMode="auto">
+          <a:xfrm>
+            <a:off x="5213839" y="2163610"/>
+            <a:ext cx="5442437" cy="2170997"/>
+          </a:xfrm>
+          <a:prstGeom prst="rect">
+            <a:avLst/>
+          </a:prstGeom>
+          <a:ln>
+            <a:noFill/>
+          </a:ln>
+          <a:extLst>
+            <a:ext uri="{53640926-AAD7-44D8-BBD7-CCE9431645EC}">
+              <a14:shadowObscured xmlns:a14="http://schemas.microsoft.com/office/drawing/2010/main"/>
+            </a:ext>
+          </a:extLst>
+        </p:spPr>
+      </p:pic>
+    </p:spTree>
+    <p:extLst>
+      <p:ext uri="{BB962C8B-B14F-4D97-AF65-F5344CB8AC3E}">
+        <p14:creationId xmlns:p14="http://schemas.microsoft.com/office/powerpoint/2010/main" val="1844090478"/>
+      </p:ext>
+    </p:extLst>
+  </p:cSld>
+  <p:clrMapOvr>
+    <a:masterClrMapping/>
+  </p:clrMapOvr>
+  <p:timing>
+    <p:tnLst>
+      <p:par>
+        <p:cTn id="1" dur="indefinite" restart="never" nodeType="tmRoot"/>
+      </p:par>
+    </p:tnLst>
+  </p:timing>
+</p:sld>
+</file>
+
+<file path=ppt/slides/slide12.xml><?xml version="1.0" encoding="utf-8"?>
+<p:sld xmlns:a="http://schemas.openxmlformats.org/drawingml/2006/main" xmlns:r="http://schemas.openxmlformats.org/officeDocument/2006/relationships" xmlns:p="http://schemas.openxmlformats.org/presentationml/2006/main">
+  <p:cSld>
+    <p:spTree>
+      <p:nvGrpSpPr>
+        <p:cNvPr id="1" name=""/>
+        <p:cNvGrpSpPr/>
+        <p:nvPr/>
+      </p:nvGrpSpPr>
+      <p:grpSpPr>
+        <a:xfrm>
+          <a:off x="0" y="0"/>
+          <a:ext cx="0" cy="0"/>
+          <a:chOff x="0" y="0"/>
+          <a:chExt cx="0" cy="0"/>
+        </a:xfrm>
+      </p:grpSpPr>
+      <p:sp>
+        <p:nvSpPr>
           <p:cNvPr id="2" name="Título 1">
             <a:extLst>
               <a:ext uri="{FF2B5EF4-FFF2-40B4-BE49-F238E27FC236}">
@@ -16334,6 +16615,13 @@
               </a:rPr>
               <a:t>Sistemaren</a:t>
             </a:r>
+            <a:r>
+              <a:rPr lang="es-ES" dirty="0">
+                <a:ea typeface="Calibri Light"/>
+                <a:cs typeface="Calibri Light"/>
+              </a:rPr>
+              <a:t/>
+            </a:r>
             <a:br>
               <a:rPr lang="es-ES" dirty="0">
                 <a:ea typeface="Calibri Light"/>
@@ -16351,34 +16639,6 @@
           </a:p>
         </p:txBody>
       </p:sp>
-      <p:pic>
-        <p:nvPicPr>
-          <p:cNvPr id="4" name="Marcador de contenido 3" descr="Una captura de pantalla de una computadora&#10;&#10;Descripción generada automáticamente">
-            <a:extLst>
-              <a:ext uri="{FF2B5EF4-FFF2-40B4-BE49-F238E27FC236}">
-                <a16:creationId xmlns:a16="http://schemas.microsoft.com/office/drawing/2014/main" id="{0691B972-3944-13F1-C27C-59E013C7035F}"/>
-              </a:ext>
-            </a:extLst>
-          </p:cNvPr>
-          <p:cNvPicPr>
-            <a:picLocks noGrp="1" noChangeAspect="1"/>
-          </p:cNvPicPr>
-          <p:nvPr>
-            <p:ph idx="1"/>
-          </p:nvPr>
-        </p:nvPicPr>
-        <p:blipFill rotWithShape="1">
-          <a:blip r:embed="rId2"/>
-          <a:srcRect t="80457" r="71908" b="4822"/>
-          <a:stretch/>
-        </p:blipFill>
-        <p:spPr>
-          <a:xfrm>
-            <a:off x="6093051" y="2570508"/>
-            <a:ext cx="3956350" cy="1712201"/>
-          </a:xfrm>
-        </p:spPr>
-      </p:pic>
       <p:sp>
         <p:nvSpPr>
           <p:cNvPr id="5" name="CuadroTexto 4">
@@ -16393,7 +16653,7 @@
         </p:nvSpPr>
         <p:spPr>
           <a:xfrm>
-            <a:off x="6096000" y="1972849"/>
+            <a:off x="5735516" y="1269465"/>
             <a:ext cx="3956136" cy="369332"/>
           </a:xfrm>
           <a:prstGeom prst="rect">
@@ -16434,10 +16694,35 @@
               <a:rPr lang="es-ES" dirty="0" err="1"/>
               <a:t>erabiliz</a:t>
             </a:r>
-            <a:endParaRPr lang="es-ES"/>
+            <a:endParaRPr lang="es-ES" dirty="0"/>
           </a:p>
         </p:txBody>
       </p:sp>
+      <p:pic>
+        <p:nvPicPr>
+          <p:cNvPr id="6" name="Edukiaren leku-marka 5"/>
+          <p:cNvPicPr>
+            <a:picLocks noGrp="1"/>
+          </p:cNvPicPr>
+          <p:nvPr>
+            <p:ph idx="1"/>
+          </p:nvPr>
+        </p:nvPicPr>
+        <p:blipFill rotWithShape="1">
+          <a:blip r:embed="rId2"/>
+          <a:srcRect l="140" t="78167" r="69503" b="1324"/>
+          <a:stretch/>
+        </p:blipFill>
+        <p:spPr>
+          <a:xfrm>
+            <a:off x="5262382" y="2349925"/>
+            <a:ext cx="5517863" cy="2646485"/>
+          </a:xfrm>
+          <a:prstGeom prst="rect">
+            <a:avLst/>
+          </a:prstGeom>
+        </p:spPr>
+      </p:pic>
     </p:spTree>
     <p:extLst>
       <p:ext uri="{BB962C8B-B14F-4D97-AF65-F5344CB8AC3E}">
@@ -16448,10 +16733,17 @@
   <p:clrMapOvr>
     <a:masterClrMapping/>
   </p:clrMapOvr>
+  <p:timing>
+    <p:tnLst>
+      <p:par>
+        <p:cTn id="1" dur="indefinite" restart="never" nodeType="tmRoot"/>
+      </p:par>
+    </p:tnLst>
+  </p:timing>
 </p:sld>
 </file>
 
-<file path=ppt/slides/slide11.xml><?xml version="1.0" encoding="utf-8"?>
+<file path=ppt/slides/slide13.xml><?xml version="1.0" encoding="utf-8"?>
 <p:sld xmlns:a="http://schemas.openxmlformats.org/drawingml/2006/main" xmlns:r="http://schemas.openxmlformats.org/officeDocument/2006/relationships" xmlns:p="http://schemas.openxmlformats.org/presentationml/2006/main">
   <p:cSld>
     <p:spTree>
@@ -16520,34 +16812,6 @@
           </a:p>
         </p:txBody>
       </p:sp>
-      <p:pic>
-        <p:nvPicPr>
-          <p:cNvPr id="4" name="Marcador de contenido 3" descr="Texto&#10;&#10;Descripción generada automáticamente">
-            <a:extLst>
-              <a:ext uri="{FF2B5EF4-FFF2-40B4-BE49-F238E27FC236}">
-                <a16:creationId xmlns:a16="http://schemas.microsoft.com/office/drawing/2014/main" id="{D9AFEAB6-CC36-226A-4838-BD00D7B14DE9}"/>
-              </a:ext>
-            </a:extLst>
-          </p:cNvPr>
-          <p:cNvPicPr>
-            <a:picLocks noGrp="1" noChangeAspect="1"/>
-          </p:cNvPicPr>
-          <p:nvPr>
-            <p:ph idx="1"/>
-          </p:nvPr>
-        </p:nvPicPr>
-        <p:blipFill rotWithShape="1">
-          <a:blip r:embed="rId2"/>
-          <a:srcRect t="61929" r="62292" b="3046"/>
-          <a:stretch/>
-        </p:blipFill>
-        <p:spPr>
-          <a:xfrm>
-            <a:off x="6096964" y="2351303"/>
-            <a:ext cx="4072229" cy="3100928"/>
-          </a:xfrm>
-        </p:spPr>
-      </p:pic>
       <p:sp>
         <p:nvSpPr>
           <p:cNvPr id="5" name="CuadroTexto 4">
@@ -16607,6 +16871,35 @@
           </a:p>
         </p:txBody>
       </p:sp>
+      <p:pic>
+        <p:nvPicPr>
+          <p:cNvPr id="6" name="Edukiaren leku-marka 5"/>
+          <p:cNvPicPr>
+            <a:picLocks noGrp="1" noChangeAspect="1"/>
+          </p:cNvPicPr>
+          <p:nvPr>
+            <p:ph idx="1"/>
+          </p:nvPr>
+        </p:nvPicPr>
+        <p:blipFill>
+          <a:blip r:embed="rId2">
+            <a:extLst>
+              <a:ext uri="{28A0092B-C50C-407E-A947-70E740481C1C}">
+                <a14:useLocalDpi xmlns:a14="http://schemas.microsoft.com/office/drawing/2010/main" val="0"/>
+              </a:ext>
+            </a:extLst>
+          </a:blip>
+          <a:stretch>
+            <a:fillRect/>
+          </a:stretch>
+        </p:blipFill>
+        <p:spPr>
+          <a:xfrm>
+            <a:off x="4643727" y="2074341"/>
+            <a:ext cx="7441279" cy="2866931"/>
+          </a:xfrm>
+        </p:spPr>
+      </p:pic>
     </p:spTree>
     <p:extLst>
       <p:ext uri="{BB962C8B-B14F-4D97-AF65-F5344CB8AC3E}">
@@ -16617,10 +16910,17 @@
   <p:clrMapOvr>
     <a:masterClrMapping/>
   </p:clrMapOvr>
+  <p:timing>
+    <p:tnLst>
+      <p:par>
+        <p:cTn id="1" dur="indefinite" restart="never" nodeType="tmRoot"/>
+      </p:par>
+    </p:tnLst>
+  </p:timing>
 </p:sld>
 </file>
 
-<file path=ppt/slides/slide12.xml><?xml version="1.0" encoding="utf-8"?>
+<file path=ppt/slides/slide14.xml><?xml version="1.0" encoding="utf-8"?>
 <p:sld xmlns:a="http://schemas.openxmlformats.org/drawingml/2006/main" xmlns:r="http://schemas.openxmlformats.org/officeDocument/2006/relationships" xmlns:p="http://schemas.openxmlformats.org/presentationml/2006/main">
   <p:cSld>
     <p:spTree>
@@ -16659,55 +16959,45 @@
           <a:lstStyle/>
           <a:p>
             <a:r>
-              <a:rPr lang="es-ES" dirty="0" err="1">
+              <a:rPr lang="es-ES" dirty="0" err="1" smtClean="0">
                 <a:ea typeface="Calibri Light"/>
                 <a:cs typeface="Calibri Light"/>
               </a:rPr>
               <a:t>Karpetak</a:t>
             </a:r>
-            <a:r>
-              <a:rPr lang="es-ES" dirty="0">
-                <a:ea typeface="Calibri Light"/>
-                <a:cs typeface="Calibri Light"/>
-              </a:rPr>
-              <a:t> eta </a:t>
-            </a:r>
-            <a:r>
-              <a:rPr lang="es-ES" dirty="0" err="1">
-                <a:ea typeface="Calibri Light"/>
-                <a:cs typeface="Calibri Light"/>
-              </a:rPr>
-              <a:t>Partizioa</a:t>
-            </a:r>
-            <a:endParaRPr lang="es-ES" dirty="0" err="1"/>
+            <a:endParaRPr lang="es-ES" dirty="0"/>
           </a:p>
         </p:txBody>
       </p:sp>
-      <p:sp>
-        <p:nvSpPr>
-          <p:cNvPr id="3" name="Marcador de contenido 2">
-            <a:extLst>
-              <a:ext uri="{FF2B5EF4-FFF2-40B4-BE49-F238E27FC236}">
-                <a16:creationId xmlns:a16="http://schemas.microsoft.com/office/drawing/2014/main" id="{418BCD0F-49C8-6FC8-423B-C0BB075775F4}"/>
-              </a:ext>
-            </a:extLst>
-          </p:cNvPr>
-          <p:cNvSpPr>
-            <a:spLocks noGrp="1"/>
-          </p:cNvSpPr>
+      <p:pic>
+        <p:nvPicPr>
+          <p:cNvPr id="6" name="Edukiaren leku-marka 5"/>
+          <p:cNvPicPr>
+            <a:picLocks noGrp="1" noChangeAspect="1"/>
+          </p:cNvPicPr>
           <p:nvPr>
             <p:ph idx="1"/>
           </p:nvPr>
-        </p:nvSpPr>
-        <p:spPr/>
-        <p:txBody>
-          <a:bodyPr/>
-          <a:lstStyle/>
-          <a:p>
-            <a:endParaRPr lang="es-ES"/>
-          </a:p>
-        </p:txBody>
-      </p:sp>
+        </p:nvPicPr>
+        <p:blipFill>
+          <a:blip r:embed="rId2">
+            <a:extLst>
+              <a:ext uri="{28A0092B-C50C-407E-A947-70E740481C1C}">
+                <a14:useLocalDpi xmlns:a14="http://schemas.microsoft.com/office/drawing/2010/main" val="0"/>
+              </a:ext>
+            </a:extLst>
+          </a:blip>
+          <a:stretch>
+            <a:fillRect/>
+          </a:stretch>
+        </p:blipFill>
+        <p:spPr>
+          <a:xfrm>
+            <a:off x="6163406" y="843390"/>
+            <a:ext cx="3887633" cy="4959532"/>
+          </a:xfrm>
+        </p:spPr>
+      </p:pic>
     </p:spTree>
     <p:extLst>
       <p:ext uri="{BB962C8B-B14F-4D97-AF65-F5344CB8AC3E}">
@@ -16721,7 +17011,122 @@
 </p:sld>
 </file>
 
-<file path=ppt/slides/slide13.xml><?xml version="1.0" encoding="utf-8"?>
+<file path=ppt/slides/slide15.xml><?xml version="1.0" encoding="utf-8"?>
+<p:sld xmlns:a="http://schemas.openxmlformats.org/drawingml/2006/main" xmlns:r="http://schemas.openxmlformats.org/officeDocument/2006/relationships" xmlns:p="http://schemas.openxmlformats.org/presentationml/2006/main">
+  <p:cSld>
+    <p:spTree>
+      <p:nvGrpSpPr>
+        <p:cNvPr id="1" name=""/>
+        <p:cNvGrpSpPr/>
+        <p:nvPr/>
+      </p:nvGrpSpPr>
+      <p:grpSpPr>
+        <a:xfrm>
+          <a:off x="0" y="0"/>
+          <a:ext cx="0" cy="0"/>
+          <a:chOff x="0" y="0"/>
+          <a:chExt cx="0" cy="0"/>
+        </a:xfrm>
+      </p:grpSpPr>
+      <p:sp>
+        <p:nvSpPr>
+          <p:cNvPr id="2" name="Título 1">
+            <a:extLst>
+              <a:ext uri="{FF2B5EF4-FFF2-40B4-BE49-F238E27FC236}">
+                <a16:creationId xmlns:a16="http://schemas.microsoft.com/office/drawing/2014/main" id="{6DD88D65-6E08-F78F-2F54-1301A2BA8EBE}"/>
+              </a:ext>
+            </a:extLst>
+          </p:cNvPr>
+          <p:cNvSpPr>
+            <a:spLocks noGrp="1"/>
+          </p:cNvSpPr>
+          <p:nvPr>
+            <p:ph type="title"/>
+          </p:nvPr>
+        </p:nvSpPr>
+        <p:spPr/>
+        <p:txBody>
+          <a:bodyPr/>
+          <a:lstStyle/>
+          <a:p>
+            <a:r>
+              <a:rPr lang="es-ES" dirty="0" err="1" smtClean="0">
+                <a:ea typeface="Calibri Light"/>
+                <a:cs typeface="Calibri Light"/>
+              </a:rPr>
+              <a:t>Karpetei</a:t>
+            </a:r>
+            <a:r>
+              <a:rPr lang="es-ES" dirty="0" smtClean="0">
+                <a:ea typeface="Calibri Light"/>
+                <a:cs typeface="Calibri Light"/>
+              </a:rPr>
+              <a:t> </a:t>
+            </a:r>
+            <a:r>
+              <a:rPr lang="es-ES" dirty="0" err="1" smtClean="0">
+                <a:ea typeface="Calibri Light"/>
+                <a:cs typeface="Calibri Light"/>
+              </a:rPr>
+              <a:t>permisuak</a:t>
+            </a:r>
+            <a:r>
+              <a:rPr lang="es-ES" dirty="0" smtClean="0">
+                <a:ea typeface="Calibri Light"/>
+                <a:cs typeface="Calibri Light"/>
+              </a:rPr>
+              <a:t> </a:t>
+            </a:r>
+            <a:r>
+              <a:rPr lang="es-ES" dirty="0" err="1" smtClean="0">
+                <a:ea typeface="Calibri Light"/>
+                <a:cs typeface="Calibri Light"/>
+              </a:rPr>
+              <a:t>ezarri</a:t>
+            </a:r>
+            <a:endParaRPr lang="es-ES" dirty="0"/>
+          </a:p>
+        </p:txBody>
+      </p:sp>
+      <p:pic>
+        <p:nvPicPr>
+          <p:cNvPr id="5" name="Edukiaren leku-marka 4"/>
+          <p:cNvPicPr>
+            <a:picLocks noGrp="1"/>
+          </p:cNvPicPr>
+          <p:nvPr>
+            <p:ph idx="1"/>
+          </p:nvPr>
+        </p:nvPicPr>
+        <p:blipFill rotWithShape="1">
+          <a:blip r:embed="rId2"/>
+          <a:srcRect l="564" t="47016" r="21538" b="3746"/>
+          <a:stretch/>
+        </p:blipFill>
+        <p:spPr>
+          <a:xfrm>
+            <a:off x="4800600" y="1425691"/>
+            <a:ext cx="6814039" cy="4025539"/>
+          </a:xfrm>
+          <a:prstGeom prst="rect">
+            <a:avLst/>
+          </a:prstGeom>
+        </p:spPr>
+      </p:pic>
+    </p:spTree>
+    <p:extLst>
+      <p:ext uri="{BB962C8B-B14F-4D97-AF65-F5344CB8AC3E}">
+        <p14:creationId xmlns:p14="http://schemas.microsoft.com/office/powerpoint/2010/main" val="3392261378"/>
+      </p:ext>
+    </p:extLst>
+  </p:cSld>
+  <p:clrMapOvr>
+    <a:masterClrMapping/>
+  </p:clrMapOvr>
+</p:sld>
+</file>
+
+<file path=ppt/slides/slide16.xml><?xml version="1.0" encoding="utf-8"?>
 <p:sld xmlns:a="http://schemas.openxmlformats.org/drawingml/2006/main" xmlns:r="http://schemas.openxmlformats.org/officeDocument/2006/relationships" xmlns:p="http://schemas.openxmlformats.org/presentationml/2006/main">
   <p:cSld>
     <p:spTree>
@@ -16783,7 +17188,7 @@
 </p:sld>
 </file>
 
-<file path=ppt/slides/slide14.xml><?xml version="1.0" encoding="utf-8"?>
+<file path=ppt/slides/slide17.xml><?xml version="1.0" encoding="utf-8"?>
 <p:sld xmlns:a="http://schemas.openxmlformats.org/drawingml/2006/main" xmlns:r="http://schemas.openxmlformats.org/officeDocument/2006/relationships" xmlns:p="http://schemas.openxmlformats.org/presentationml/2006/main">
   <p:cSld>
     <p:spTree>
@@ -16901,7 +17306,7 @@
 </p:sld>
 </file>
 
-<file path=ppt/slides/slide15.xml><?xml version="1.0" encoding="utf-8"?>
+<file path=ppt/slides/slide18.xml><?xml version="1.0" encoding="utf-8"?>
 <p:sld xmlns:a="http://schemas.openxmlformats.org/drawingml/2006/main" xmlns:r="http://schemas.openxmlformats.org/officeDocument/2006/relationships" xmlns:p="http://schemas.openxmlformats.org/presentationml/2006/main">
   <p:cSld>
     <p:spTree>
@@ -16992,7 +17397,7 @@
 </p:sld>
 </file>
 
-<file path=ppt/slides/slide16.xml><?xml version="1.0" encoding="utf-8"?>
+<file path=ppt/slides/slide19.xml><?xml version="1.0" encoding="utf-8"?>
 <p:sld xmlns:a="http://schemas.openxmlformats.org/drawingml/2006/main" xmlns:r="http://schemas.openxmlformats.org/officeDocument/2006/relationships" xmlns:p="http://schemas.openxmlformats.org/presentationml/2006/main">
   <p:cSld>
     <p:spTree>
@@ -17048,31 +17453,68 @@
           </a:p>
         </p:txBody>
       </p:sp>
-      <p:sp>
-        <p:nvSpPr>
-          <p:cNvPr id="3" name="Marcador de contenido 2">
-            <a:extLst>
-              <a:ext uri="{FF2B5EF4-FFF2-40B4-BE49-F238E27FC236}">
-                <a16:creationId xmlns:a16="http://schemas.microsoft.com/office/drawing/2014/main" id="{7C47AD5E-FF0E-95A0-FE57-B6EAC351091A}"/>
-              </a:ext>
-            </a:extLst>
-          </p:cNvPr>
-          <p:cNvSpPr>
-            <a:spLocks noGrp="1"/>
-          </p:cNvSpPr>
+      <p:pic>
+        <p:nvPicPr>
+          <p:cNvPr id="4" name="Edukiaren leku-marka 3"/>
+          <p:cNvPicPr>
+            <a:picLocks noGrp="1"/>
+          </p:cNvPicPr>
           <p:nvPr>
             <p:ph idx="1"/>
           </p:nvPr>
-        </p:nvSpPr>
-        <p:spPr/>
-        <p:txBody>
-          <a:bodyPr/>
-          <a:lstStyle/>
-          <a:p>
-            <a:endParaRPr lang="es-ES"/>
-          </a:p>
-        </p:txBody>
-      </p:sp>
+        </p:nvPicPr>
+        <p:blipFill rotWithShape="1">
+          <a:blip r:embed="rId2"/>
+          <a:srcRect t="26717"/>
+          <a:stretch/>
+        </p:blipFill>
+        <p:spPr bwMode="auto">
+          <a:xfrm>
+            <a:off x="5299258" y="314392"/>
+            <a:ext cx="5295472" cy="2261754"/>
+          </a:xfrm>
+          <a:prstGeom prst="rect">
+            <a:avLst/>
+          </a:prstGeom>
+          <a:ln>
+            <a:noFill/>
+          </a:ln>
+          <a:extLst>
+            <a:ext uri="{53640926-AAD7-44D8-BBD7-CCE9431645EC}">
+              <a14:shadowObscured xmlns:a14="http://schemas.microsoft.com/office/drawing/2010/main"/>
+            </a:ext>
+          </a:extLst>
+        </p:spPr>
+      </p:pic>
+      <p:pic>
+        <p:nvPicPr>
+          <p:cNvPr id="5" name="Irudia 4"/>
+          <p:cNvPicPr/>
+          <p:nvPr/>
+        </p:nvPicPr>
+        <p:blipFill rotWithShape="1">
+          <a:blip r:embed="rId3"/>
+          <a:srcRect l="579" b="7523"/>
+          <a:stretch/>
+        </p:blipFill>
+        <p:spPr bwMode="auto">
+          <a:xfrm>
+            <a:off x="4653157" y="2866429"/>
+            <a:ext cx="6943897" cy="3879875"/>
+          </a:xfrm>
+          <a:prstGeom prst="rect">
+            <a:avLst/>
+          </a:prstGeom>
+          <a:ln>
+            <a:noFill/>
+          </a:ln>
+          <a:extLst>
+            <a:ext uri="{53640926-AAD7-44D8-BBD7-CCE9431645EC}">
+              <a14:shadowObscured xmlns:a14="http://schemas.microsoft.com/office/drawing/2010/main"/>
+            </a:ext>
+          </a:extLst>
+        </p:spPr>
+      </p:pic>
     </p:spTree>
     <p:extLst>
       <p:ext uri="{BB962C8B-B14F-4D97-AF65-F5344CB8AC3E}">
@@ -17151,12 +17593,276 @@
             <p:ph idx="1"/>
           </p:nvPr>
         </p:nvSpPr>
-        <p:spPr/>
+        <p:spPr>
+          <a:xfrm>
+            <a:off x="5083278" y="1556239"/>
+            <a:ext cx="6281873" cy="1899138"/>
+          </a:xfrm>
+        </p:spPr>
         <p:txBody>
           <a:bodyPr/>
           <a:lstStyle/>
           <a:p>
-            <a:endParaRPr lang="es-ES"/>
+            <a:pPr marL="0" indent="0">
+              <a:buNone/>
+            </a:pPr>
+            <a:endParaRPr lang="eu-ES" dirty="0"/>
+          </a:p>
+          <a:p>
+            <a:endParaRPr lang="es-ES" dirty="0"/>
+          </a:p>
+        </p:txBody>
+      </p:sp>
+      <p:sp>
+        <p:nvSpPr>
+          <p:cNvPr id="2" name="TestuKoadroa 1"/>
+          <p:cNvSpPr txBox="1"/>
+          <p:nvPr/>
+        </p:nvSpPr>
+        <p:spPr>
+          <a:xfrm>
+            <a:off x="5634879" y="1714501"/>
+            <a:ext cx="5301762" cy="5632311"/>
+          </a:xfrm>
+          <a:prstGeom prst="rect">
+            <a:avLst/>
+          </a:prstGeom>
+          <a:noFill/>
+        </p:spPr>
+        <p:txBody>
+          <a:bodyPr wrap="square" rtlCol="0">
+            <a:spAutoFit/>
+          </a:bodyPr>
+          <a:lstStyle/>
+          <a:p>
+            <a:pPr marL="285750" indent="-285750">
+              <a:buFont typeface="Arial" panose="020B0604020202020204" pitchFamily="34" charset="0"/>
+              <a:buChar char="•"/>
+            </a:pPr>
+            <a:r>
+              <a:rPr lang="eu-ES" dirty="0" err="1" smtClean="0">
+                <a:hlinkClick r:id="rId2" action="ppaction://hlinksldjump"/>
+              </a:rPr>
+              <a:t>Trigger</a:t>
+            </a:r>
+            <a:r>
+              <a:rPr lang="eu-ES" dirty="0" smtClean="0">
+                <a:hlinkClick r:id="rId2" action="ppaction://hlinksldjump"/>
+              </a:rPr>
+              <a:t>-ak</a:t>
+            </a:r>
+            <a:endParaRPr lang="eu-ES" dirty="0" smtClean="0"/>
+          </a:p>
+          <a:p>
+            <a:pPr marL="285750" indent="-285750">
+              <a:buFont typeface="Arial" panose="020B0604020202020204" pitchFamily="34" charset="0"/>
+              <a:buChar char="•"/>
+            </a:pPr>
+            <a:r>
+              <a:rPr lang="eu-ES" dirty="0" smtClean="0">
+                <a:hlinkClick r:id="rId3" action="ppaction://hlinksldjump"/>
+              </a:rPr>
+              <a:t>Log-</a:t>
+            </a:r>
+            <a:r>
+              <a:rPr lang="eu-ES" dirty="0" err="1" smtClean="0">
+                <a:hlinkClick r:id="rId3" action="ppaction://hlinksldjump"/>
+              </a:rPr>
+              <a:t>Trigger</a:t>
+            </a:r>
+            <a:endParaRPr lang="eu-ES" dirty="0" smtClean="0"/>
+          </a:p>
+          <a:p>
+            <a:pPr marL="285750" indent="-285750">
+              <a:buFont typeface="Arial" panose="020B0604020202020204" pitchFamily="34" charset="0"/>
+              <a:buChar char="•"/>
+            </a:pPr>
+            <a:r>
+              <a:rPr lang="eu-ES" dirty="0" smtClean="0">
+                <a:hlinkClick r:id="rId4" action="ppaction://hlinksldjump"/>
+              </a:rPr>
+              <a:t>Paketea</a:t>
+            </a:r>
+            <a:endParaRPr lang="eu-ES" dirty="0" smtClean="0"/>
+          </a:p>
+          <a:p>
+            <a:pPr marL="742950" lvl="1" indent="-285750">
+              <a:buFont typeface="Arial" panose="020B0604020202020204" pitchFamily="34" charset="0"/>
+              <a:buChar char="•"/>
+            </a:pPr>
+            <a:r>
+              <a:rPr lang="eu-ES" dirty="0" smtClean="0">
+                <a:hlinkClick r:id="rId5" action="ppaction://hlinksldjump"/>
+              </a:rPr>
+              <a:t>Prozedura</a:t>
+            </a:r>
+            <a:endParaRPr lang="eu-ES" dirty="0" smtClean="0"/>
+          </a:p>
+          <a:p>
+            <a:pPr marL="742950" lvl="1" indent="-285750">
+              <a:buFont typeface="Arial" panose="020B0604020202020204" pitchFamily="34" charset="0"/>
+              <a:buChar char="•"/>
+            </a:pPr>
+            <a:r>
+              <a:rPr lang="eu-ES" dirty="0" smtClean="0">
+                <a:hlinkClick r:id="rId6" action="ppaction://hlinksldjump"/>
+              </a:rPr>
+              <a:t>Funtzioa</a:t>
+            </a:r>
+            <a:endParaRPr lang="eu-ES" dirty="0" smtClean="0"/>
+          </a:p>
+          <a:p>
+            <a:pPr marL="285750" indent="-285750">
+              <a:buFont typeface="Arial" panose="020B0604020202020204" pitchFamily="34" charset="0"/>
+              <a:buChar char="•"/>
+            </a:pPr>
+            <a:r>
+              <a:rPr lang="eu-ES" dirty="0" smtClean="0">
+                <a:hlinkClick r:id="rId7" action="ppaction://hlinksldjump"/>
+              </a:rPr>
+              <a:t>Partizioa</a:t>
+            </a:r>
+            <a:endParaRPr lang="eu-ES" dirty="0" smtClean="0"/>
+          </a:p>
+          <a:p>
+            <a:pPr marL="742950" lvl="1" indent="-285750">
+              <a:buFont typeface="Arial" panose="020B0604020202020204" pitchFamily="34" charset="0"/>
+              <a:buChar char="•"/>
+            </a:pPr>
+            <a:r>
+              <a:rPr lang="eu-ES" dirty="0" smtClean="0">
+                <a:hlinkClick r:id="rId8" action="ppaction://hlinksldjump"/>
+              </a:rPr>
+              <a:t>Taldeak</a:t>
+            </a:r>
+            <a:endParaRPr lang="eu-ES" dirty="0" smtClean="0"/>
+          </a:p>
+          <a:p>
+            <a:pPr marL="742950" lvl="1" indent="-285750">
+              <a:buFont typeface="Arial" panose="020B0604020202020204" pitchFamily="34" charset="0"/>
+              <a:buChar char="•"/>
+            </a:pPr>
+            <a:r>
+              <a:rPr lang="eu-ES" dirty="0" smtClean="0">
+                <a:hlinkClick r:id="rId9" action="ppaction://hlinksldjump"/>
+              </a:rPr>
+              <a:t>Karpetak</a:t>
+            </a:r>
+            <a:endParaRPr lang="eu-ES" dirty="0" smtClean="0"/>
+          </a:p>
+          <a:p>
+            <a:pPr marL="285750" indent="-285750">
+              <a:buFont typeface="Arial" panose="020B0604020202020204" pitchFamily="34" charset="0"/>
+              <a:buChar char="•"/>
+            </a:pPr>
+            <a:r>
+              <a:rPr lang="eu-ES" dirty="0" smtClean="0">
+                <a:hlinkClick r:id="rId10" action="ppaction://hlinksldjump"/>
+              </a:rPr>
+              <a:t>Aplikazioa</a:t>
+            </a:r>
+            <a:endParaRPr lang="eu-ES" dirty="0" smtClean="0"/>
+          </a:p>
+          <a:p>
+            <a:pPr marL="742950" lvl="1" indent="-285750">
+              <a:buFont typeface="Arial" panose="020B0604020202020204" pitchFamily="34" charset="0"/>
+              <a:buChar char="•"/>
+            </a:pPr>
+            <a:r>
+              <a:rPr lang="eu-ES" dirty="0" smtClean="0">
+                <a:hlinkClick r:id="rId11" action="ppaction://hlinksldjump"/>
+              </a:rPr>
+              <a:t>Test-ak</a:t>
+            </a:r>
+            <a:endParaRPr lang="eu-ES" dirty="0" smtClean="0"/>
+          </a:p>
+          <a:p>
+            <a:pPr marL="285750" indent="-285750">
+              <a:buFont typeface="Arial" panose="020B0604020202020204" pitchFamily="34" charset="0"/>
+              <a:buChar char="•"/>
+            </a:pPr>
+            <a:r>
+              <a:rPr lang="eu-ES" dirty="0" smtClean="0">
+                <a:hlinkClick r:id="rId12" action="ppaction://hlinksldjump"/>
+              </a:rPr>
+              <a:t>XSL</a:t>
+            </a:r>
+            <a:endParaRPr lang="eu-ES" dirty="0" smtClean="0"/>
+          </a:p>
+          <a:p>
+            <a:pPr marL="285750" indent="-285750">
+              <a:buFont typeface="Arial" panose="020B0604020202020204" pitchFamily="34" charset="0"/>
+              <a:buChar char="•"/>
+            </a:pPr>
+            <a:r>
+              <a:rPr lang="eu-ES" dirty="0" err="1" smtClean="0">
+                <a:hlinkClick r:id="rId13" action="ppaction://hlinksldjump"/>
+              </a:rPr>
+              <a:t>Schema</a:t>
+            </a:r>
+            <a:r>
+              <a:rPr lang="eu-ES" dirty="0" smtClean="0">
+                <a:hlinkClick r:id="rId13" action="ppaction://hlinksldjump"/>
+              </a:rPr>
+              <a:t> eta DTD.</a:t>
+            </a:r>
+            <a:endParaRPr lang="eu-ES" dirty="0" smtClean="0"/>
+          </a:p>
+          <a:p>
+            <a:pPr marL="285750" indent="-285750">
+              <a:buFont typeface="Arial" panose="020B0604020202020204" pitchFamily="34" charset="0"/>
+              <a:buChar char="•"/>
+            </a:pPr>
+            <a:endParaRPr lang="eu-ES" dirty="0" smtClean="0"/>
+          </a:p>
+          <a:p>
+            <a:pPr marL="285750" indent="-285750">
+              <a:buFont typeface="Arial" panose="020B0604020202020204" pitchFamily="34" charset="0"/>
+              <a:buChar char="•"/>
+            </a:pPr>
+            <a:endParaRPr lang="eu-ES" dirty="0" smtClean="0"/>
+          </a:p>
+          <a:p>
+            <a:pPr marL="285750" indent="-285750">
+              <a:buFont typeface="Arial" panose="020B0604020202020204" pitchFamily="34" charset="0"/>
+              <a:buChar char="•"/>
+            </a:pPr>
+            <a:endParaRPr lang="eu-ES" dirty="0" smtClean="0"/>
+          </a:p>
+          <a:p>
+            <a:pPr marL="285750" indent="-285750">
+              <a:buFont typeface="Arial" panose="020B0604020202020204" pitchFamily="34" charset="0"/>
+              <a:buChar char="•"/>
+            </a:pPr>
+            <a:endParaRPr lang="eu-ES" dirty="0" smtClean="0"/>
+          </a:p>
+          <a:p>
+            <a:pPr marL="285750" indent="-285750">
+              <a:buFont typeface="Arial" panose="020B0604020202020204" pitchFamily="34" charset="0"/>
+              <a:buChar char="•"/>
+            </a:pPr>
+            <a:endParaRPr lang="eu-ES" dirty="0" smtClean="0"/>
+          </a:p>
+          <a:p>
+            <a:pPr marL="285750" indent="-285750">
+              <a:buFont typeface="Arial" panose="020B0604020202020204" pitchFamily="34" charset="0"/>
+              <a:buChar char="•"/>
+            </a:pPr>
+            <a:endParaRPr lang="eu-ES" dirty="0" smtClean="0"/>
+          </a:p>
+          <a:p>
+            <a:pPr marL="285750" indent="-285750">
+              <a:buFont typeface="Arial" panose="020B0604020202020204" pitchFamily="34" charset="0"/>
+              <a:buChar char="•"/>
+            </a:pPr>
+            <a:endParaRPr lang="eu-ES" dirty="0" smtClean="0"/>
+          </a:p>
+          <a:p>
+            <a:pPr marL="285750" indent="-285750">
+              <a:buFont typeface="Arial" panose="020B0604020202020204" pitchFamily="34" charset="0"/>
+              <a:buChar char="•"/>
+            </a:pPr>
+            <a:endParaRPr lang="es-ES" dirty="0"/>
           </a:p>
         </p:txBody>
       </p:sp>
@@ -17769,8 +18475,8 @@
         </p:nvSpPr>
         <p:spPr>
           <a:xfrm>
-            <a:off x="5410721" y="834501"/>
-            <a:ext cx="2388367" cy="1041965"/>
+            <a:off x="4918351" y="1493924"/>
+            <a:ext cx="6977641" cy="1381161"/>
           </a:xfrm>
         </p:spPr>
         <p:txBody>
@@ -17778,9 +18484,42 @@
           <a:lstStyle/>
           <a:p>
             <a:r>
-              <a:rPr lang="es-ES" dirty="0"/>
-              <a:t>SOZIOAK TABLA</a:t>
+              <a:rPr lang="es-ES" dirty="0" smtClean="0"/>
+              <a:t>SOZIOAK_HISTORIKOA eta ASOZIAZIOAK_HISTORIKOA taula </a:t>
             </a:r>
+            <a:r>
+              <a:rPr lang="es-ES" dirty="0" err="1" smtClean="0"/>
+              <a:t>sortu</a:t>
+            </a:r>
+            <a:r>
+              <a:rPr lang="es-ES" dirty="0" smtClean="0"/>
+              <a:t> </a:t>
+            </a:r>
+            <a:r>
+              <a:rPr lang="es-ES" dirty="0" err="1" smtClean="0"/>
+              <a:t>bertan</a:t>
+            </a:r>
+            <a:r>
+              <a:rPr lang="es-ES" dirty="0" smtClean="0"/>
+              <a:t> </a:t>
+            </a:r>
+            <a:r>
+              <a:rPr lang="es-ES" dirty="0" err="1" smtClean="0"/>
+              <a:t>aldaketak</a:t>
+            </a:r>
+            <a:r>
+              <a:rPr lang="es-ES" dirty="0" smtClean="0"/>
+              <a:t> </a:t>
+            </a:r>
+            <a:r>
+              <a:rPr lang="es-ES" dirty="0" err="1" smtClean="0"/>
+              <a:t>kudeatzeko</a:t>
+            </a:r>
+            <a:r>
+              <a:rPr lang="es-ES" dirty="0" smtClean="0"/>
+              <a:t>.</a:t>
+            </a:r>
+            <a:endParaRPr lang="es-ES" dirty="0"/>
           </a:p>
         </p:txBody>
       </p:sp>
@@ -17806,7 +18545,7 @@
         </p:blipFill>
         <p:spPr>
           <a:xfrm>
-            <a:off x="6279715" y="1963455"/>
+            <a:off x="6895177" y="3115246"/>
             <a:ext cx="2398734" cy="2450926"/>
           </a:xfrm>
           <a:prstGeom prst="rect">
@@ -18001,6 +18740,40 @@
           </a:p>
         </p:txBody>
       </p:sp>
+      <p:sp>
+        <p:nvSpPr>
+          <p:cNvPr id="7" name="TestuKoadroa 6"/>
+          <p:cNvSpPr txBox="1"/>
+          <p:nvPr/>
+        </p:nvSpPr>
+        <p:spPr>
+          <a:xfrm>
+            <a:off x="659422" y="1846385"/>
+            <a:ext cx="3921369" cy="369332"/>
+          </a:xfrm>
+          <a:prstGeom prst="rect">
+            <a:avLst/>
+          </a:prstGeom>
+          <a:noFill/>
+        </p:spPr>
+        <p:txBody>
+          <a:bodyPr wrap="square" rtlCol="0">
+            <a:spAutoFit/>
+          </a:bodyPr>
+          <a:lstStyle/>
+          <a:p>
+            <a:r>
+              <a:rPr lang="eu-ES" dirty="0" err="1" smtClean="0"/>
+              <a:t>Sozioak_historikoa</a:t>
+            </a:r>
+            <a:r>
+              <a:rPr lang="eu-ES" dirty="0" smtClean="0"/>
+              <a:t> taula.</a:t>
+            </a:r>
+            <a:endParaRPr lang="es-ES" dirty="0"/>
+          </a:p>
+        </p:txBody>
+      </p:sp>
     </p:spTree>
     <p:extLst>
       <p:ext uri="{BB962C8B-B14F-4D97-AF65-F5344CB8AC3E}">
@@ -18033,6 +18806,360 @@
       </p:grpSpPr>
       <p:sp>
         <p:nvSpPr>
+          <p:cNvPr id="5" name="Rectángulo 4">
+            <a:extLst>
+              <a:ext uri="{FF2B5EF4-FFF2-40B4-BE49-F238E27FC236}">
+                <a16:creationId xmlns:a16="http://schemas.microsoft.com/office/drawing/2014/main" id="{64734CE1-C49D-3493-174A-AAEAFE3BDB58}"/>
+              </a:ext>
+            </a:extLst>
+          </p:cNvPr>
+          <p:cNvSpPr/>
+          <p:nvPr/>
+        </p:nvSpPr>
+        <p:spPr>
+          <a:xfrm>
+            <a:off x="0" y="0"/>
+            <a:ext cx="12191999" cy="1315232"/>
+          </a:xfrm>
+          <a:prstGeom prst="rect">
+            <a:avLst/>
+          </a:prstGeom>
+          <a:ln>
+            <a:solidFill>
+              <a:schemeClr val="accent1"/>
+            </a:solidFill>
+          </a:ln>
+        </p:spPr>
+        <p:style>
+          <a:lnRef idx="2">
+            <a:schemeClr val="accent1">
+              <a:shade val="15000"/>
+            </a:schemeClr>
+          </a:lnRef>
+          <a:fillRef idx="1">
+            <a:schemeClr val="accent1"/>
+          </a:fillRef>
+          <a:effectRef idx="0">
+            <a:schemeClr val="accent1"/>
+          </a:effectRef>
+          <a:fontRef idx="minor">
+            <a:schemeClr val="lt1"/>
+          </a:fontRef>
+        </p:style>
+        <p:txBody>
+          <a:bodyPr rtlCol="0" anchor="ctr"/>
+          <a:lstStyle/>
+          <a:p>
+            <a:pPr algn="ctr"/>
+            <a:r>
+              <a:rPr lang="es-ES" sz="4000" dirty="0">
+                <a:solidFill>
+                  <a:srgbClr val="FFFEFF"/>
+                </a:solidFill>
+                <a:latin typeface="Calibri Light"/>
+                <a:ea typeface="Calibri Light"/>
+                <a:cs typeface="Calibri Light"/>
+              </a:rPr>
+              <a:t>Log-</a:t>
+            </a:r>
+            <a:r>
+              <a:rPr lang="es-ES" sz="4000" dirty="0" err="1">
+                <a:solidFill>
+                  <a:srgbClr val="FFFEFF"/>
+                </a:solidFill>
+                <a:latin typeface="Calibri Light"/>
+                <a:ea typeface="Calibri Light"/>
+                <a:cs typeface="Calibri Light"/>
+              </a:rPr>
+              <a:t>Trigger</a:t>
+            </a:r>
+            <a:endParaRPr lang="es-ES" dirty="0" err="1"/>
+          </a:p>
+        </p:txBody>
+      </p:sp>
+      <p:sp>
+        <p:nvSpPr>
+          <p:cNvPr id="6" name="Rectángulo 5">
+            <a:extLst>
+              <a:ext uri="{FF2B5EF4-FFF2-40B4-BE49-F238E27FC236}">
+                <a16:creationId xmlns:a16="http://schemas.microsoft.com/office/drawing/2014/main" id="{8AACF0A4-ACE4-9E8F-DF40-B06F77E181D1}"/>
+              </a:ext>
+            </a:extLst>
+          </p:cNvPr>
+          <p:cNvSpPr/>
+          <p:nvPr/>
+        </p:nvSpPr>
+        <p:spPr>
+          <a:xfrm>
+            <a:off x="-1" y="177452"/>
+            <a:ext cx="12192000" cy="146136"/>
+          </a:xfrm>
+          <a:prstGeom prst="rect">
+            <a:avLst/>
+          </a:prstGeom>
+          <a:solidFill>
+            <a:schemeClr val="bg1"/>
+          </a:solidFill>
+          <a:ln>
+            <a:solidFill>
+              <a:schemeClr val="bg1"/>
+            </a:solidFill>
+          </a:ln>
+        </p:spPr>
+        <p:style>
+          <a:lnRef idx="2">
+            <a:schemeClr val="accent1">
+              <a:shade val="15000"/>
+            </a:schemeClr>
+          </a:lnRef>
+          <a:fillRef idx="1">
+            <a:schemeClr val="accent1"/>
+          </a:fillRef>
+          <a:effectRef idx="0">
+            <a:schemeClr val="accent1"/>
+          </a:effectRef>
+          <a:fontRef idx="minor">
+            <a:schemeClr val="lt1"/>
+          </a:fontRef>
+        </p:style>
+        <p:txBody>
+          <a:bodyPr rtlCol="0" anchor="ctr"/>
+          <a:lstStyle/>
+          <a:p>
+            <a:pPr algn="ctr"/>
+            <a:endParaRPr lang="es-ES"/>
+          </a:p>
+        </p:txBody>
+      </p:sp>
+      <p:pic>
+        <p:nvPicPr>
+          <p:cNvPr id="2" name="Irudia 1"/>
+          <p:cNvPicPr>
+            <a:picLocks noChangeAspect="1"/>
+          </p:cNvPicPr>
+          <p:nvPr/>
+        </p:nvPicPr>
+        <p:blipFill>
+          <a:blip r:embed="rId2"/>
+          <a:stretch>
+            <a:fillRect/>
+          </a:stretch>
+        </p:blipFill>
+        <p:spPr>
+          <a:xfrm>
+            <a:off x="102577" y="2870049"/>
+            <a:ext cx="12089423" cy="3236894"/>
+          </a:xfrm>
+          <a:prstGeom prst="rect">
+            <a:avLst/>
+          </a:prstGeom>
+        </p:spPr>
+      </p:pic>
+      <p:sp>
+        <p:nvSpPr>
+          <p:cNvPr id="3" name="TestuKoadroa 2"/>
+          <p:cNvSpPr txBox="1"/>
+          <p:nvPr/>
+        </p:nvSpPr>
+        <p:spPr>
+          <a:xfrm>
+            <a:off x="659422" y="1846385"/>
+            <a:ext cx="3921369" cy="369332"/>
+          </a:xfrm>
+          <a:prstGeom prst="rect">
+            <a:avLst/>
+          </a:prstGeom>
+          <a:noFill/>
+        </p:spPr>
+        <p:txBody>
+          <a:bodyPr wrap="square" rtlCol="0">
+            <a:spAutoFit/>
+          </a:bodyPr>
+          <a:lstStyle/>
+          <a:p>
+            <a:r>
+              <a:rPr lang="eu-ES" dirty="0" err="1" smtClean="0"/>
+              <a:t>Asoziazioak_historikoa</a:t>
+            </a:r>
+            <a:r>
+              <a:rPr lang="eu-ES" dirty="0" smtClean="0"/>
+              <a:t> taula.</a:t>
+            </a:r>
+            <a:endParaRPr lang="es-ES" dirty="0"/>
+          </a:p>
+        </p:txBody>
+      </p:sp>
+    </p:spTree>
+    <p:extLst>
+      <p:ext uri="{BB962C8B-B14F-4D97-AF65-F5344CB8AC3E}">
+        <p14:creationId xmlns:p14="http://schemas.microsoft.com/office/powerpoint/2010/main" val="1567818751"/>
+      </p:ext>
+    </p:extLst>
+  </p:cSld>
+  <p:clrMapOvr>
+    <a:masterClrMapping/>
+  </p:clrMapOvr>
+</p:sld>
+</file>
+
+<file path=ppt/slides/slide7.xml><?xml version="1.0" encoding="utf-8"?>
+<p:sld xmlns:a="http://schemas.openxmlformats.org/drawingml/2006/main" xmlns:r="http://schemas.openxmlformats.org/officeDocument/2006/relationships" xmlns:p="http://schemas.openxmlformats.org/presentationml/2006/main">
+  <p:cSld>
+    <p:spTree>
+      <p:nvGrpSpPr>
+        <p:cNvPr id="1" name=""/>
+        <p:cNvGrpSpPr/>
+        <p:nvPr/>
+      </p:nvGrpSpPr>
+      <p:grpSpPr>
+        <a:xfrm>
+          <a:off x="0" y="0"/>
+          <a:ext cx="0" cy="0"/>
+          <a:chOff x="0" y="0"/>
+          <a:chExt cx="0" cy="0"/>
+        </a:xfrm>
+      </p:grpSpPr>
+      <p:sp>
+        <p:nvSpPr>
+          <p:cNvPr id="2" name="Título 1">
+            <a:extLst>
+              <a:ext uri="{FF2B5EF4-FFF2-40B4-BE49-F238E27FC236}">
+                <a16:creationId xmlns:a16="http://schemas.microsoft.com/office/drawing/2014/main" id="{E358F1DC-A750-3D7C-2C23-CDFA22274342}"/>
+              </a:ext>
+            </a:extLst>
+          </p:cNvPr>
+          <p:cNvSpPr>
+            <a:spLocks noGrp="1"/>
+          </p:cNvSpPr>
+          <p:nvPr>
+            <p:ph type="title"/>
+          </p:nvPr>
+        </p:nvSpPr>
+        <p:spPr/>
+        <p:txBody>
+          <a:bodyPr/>
+          <a:lstStyle/>
+          <a:p>
+            <a:r>
+              <a:rPr lang="es-ES" dirty="0" err="1">
+                <a:ea typeface="Calibri Light"/>
+                <a:cs typeface="Calibri Light"/>
+              </a:rPr>
+              <a:t>Paketea</a:t>
+            </a:r>
+            <a:r>
+              <a:rPr lang="es-ES" dirty="0">
+                <a:ea typeface="Calibri Light"/>
+                <a:cs typeface="Calibri Light"/>
+              </a:rPr>
+              <a:t/>
+            </a:r>
+            <a:br>
+              <a:rPr lang="es-ES" dirty="0">
+                <a:ea typeface="Calibri Light"/>
+                <a:cs typeface="Calibri Light"/>
+              </a:rPr>
+            </a:br>
+            <a:r>
+              <a:rPr lang="es-ES" dirty="0">
+                <a:ea typeface="Calibri Light"/>
+                <a:cs typeface="Calibri Light"/>
+              </a:rPr>
+              <a:t>(</a:t>
+            </a:r>
+            <a:r>
+              <a:rPr lang="es-ES" dirty="0" err="1">
+                <a:ea typeface="Calibri Light"/>
+                <a:cs typeface="Calibri Light"/>
+              </a:rPr>
+              <a:t>Funtzioa</a:t>
+            </a:r>
+            <a:r>
+              <a:rPr lang="es-ES" dirty="0">
+                <a:ea typeface="Calibri Light"/>
+                <a:cs typeface="Calibri Light"/>
+              </a:rPr>
+              <a:t> eta </a:t>
+            </a:r>
+            <a:r>
+              <a:rPr lang="es-ES" dirty="0" err="1">
+                <a:ea typeface="Calibri Light"/>
+                <a:cs typeface="Calibri Light"/>
+              </a:rPr>
+              <a:t>Prozedura</a:t>
+            </a:r>
+            <a:r>
+              <a:rPr lang="es-ES" dirty="0">
+                <a:ea typeface="Calibri Light"/>
+                <a:cs typeface="Calibri Light"/>
+              </a:rPr>
+              <a:t>)</a:t>
+            </a:r>
+            <a:endParaRPr lang="es-ES" dirty="0"/>
+          </a:p>
+        </p:txBody>
+      </p:sp>
+      <p:pic>
+        <p:nvPicPr>
+          <p:cNvPr id="4" name="Marcador de contenido 3">
+            <a:extLst>
+              <a:ext uri="{FF2B5EF4-FFF2-40B4-BE49-F238E27FC236}">
+                <a16:creationId xmlns:a16="http://schemas.microsoft.com/office/drawing/2014/main" id="{3C0A0AFB-C1A1-7882-D88A-E3ACC6B8F977}"/>
+              </a:ext>
+            </a:extLst>
+          </p:cNvPr>
+          <p:cNvPicPr>
+            <a:picLocks noGrp="1" noChangeAspect="1"/>
+          </p:cNvPicPr>
+          <p:nvPr>
+            <p:ph idx="1"/>
+          </p:nvPr>
+        </p:nvPicPr>
+        <p:blipFill>
+          <a:blip r:embed="rId2"/>
+          <a:stretch>
+            <a:fillRect/>
+          </a:stretch>
+        </p:blipFill>
+        <p:spPr>
+          <a:xfrm>
+            <a:off x="6091468" y="1712278"/>
+            <a:ext cx="3500762" cy="3503503"/>
+          </a:xfrm>
+        </p:spPr>
+      </p:pic>
+    </p:spTree>
+    <p:extLst>
+      <p:ext uri="{BB962C8B-B14F-4D97-AF65-F5344CB8AC3E}">
+        <p14:creationId xmlns:p14="http://schemas.microsoft.com/office/powerpoint/2010/main" val="2074752135"/>
+      </p:ext>
+    </p:extLst>
+  </p:cSld>
+  <p:clrMapOvr>
+    <a:masterClrMapping/>
+  </p:clrMapOvr>
+</p:sld>
+</file>
+
+<file path=ppt/slides/slide8.xml><?xml version="1.0" encoding="utf-8"?>
+<p:sld xmlns:a="http://schemas.openxmlformats.org/drawingml/2006/main" xmlns:r="http://schemas.openxmlformats.org/officeDocument/2006/relationships" xmlns:p="http://schemas.openxmlformats.org/presentationml/2006/main">
+  <p:cSld>
+    <p:spTree>
+      <p:nvGrpSpPr>
+        <p:cNvPr id="1" name=""/>
+        <p:cNvGrpSpPr/>
+        <p:nvPr/>
+      </p:nvGrpSpPr>
+      <p:grpSpPr>
+        <a:xfrm>
+          <a:off x="0" y="0"/>
+          <a:ext cx="0" cy="0"/>
+          <a:chOff x="0" y="0"/>
+          <a:chExt cx="0" cy="0"/>
+        </a:xfrm>
+      </p:grpSpPr>
+      <p:sp>
+        <p:nvSpPr>
           <p:cNvPr id="2" name="Título 1">
             <a:extLst>
               <a:ext uri="{FF2B5EF4-FFF2-40B4-BE49-F238E27FC236}">
@@ -18087,8 +19214,8 @@
         </p:blipFill>
         <p:spPr>
           <a:xfrm>
-            <a:off x="5096562" y="2609106"/>
-            <a:ext cx="6096000" cy="2889384"/>
+            <a:off x="4802627" y="1940889"/>
+            <a:ext cx="6831041" cy="3237779"/>
           </a:xfrm>
         </p:spPr>
       </p:pic>
@@ -18176,7 +19303,7 @@
 </p:sld>
 </file>
 
-<file path=ppt/slides/slide7.xml><?xml version="1.0" encoding="utf-8"?>
+<file path=ppt/slides/slide9.xml><?xml version="1.0" encoding="utf-8"?>
 <p:sld xmlns:a="http://schemas.openxmlformats.org/drawingml/2006/main" xmlns:r="http://schemas.openxmlformats.org/officeDocument/2006/relationships" xmlns:p="http://schemas.openxmlformats.org/presentationml/2006/main">
   <p:cSld>
     <p:spTree>
@@ -18243,7 +19370,7 @@
         </p:nvSpPr>
         <p:spPr>
           <a:xfrm>
-            <a:off x="5108008" y="2995241"/>
+            <a:off x="4888201" y="2349925"/>
             <a:ext cx="6939489" cy="864513"/>
           </a:xfrm>
         </p:spPr>
@@ -18322,314 +19449,6 @@
     <p:extLst>
       <p:ext uri="{BB962C8B-B14F-4D97-AF65-F5344CB8AC3E}">
         <p14:creationId xmlns:p14="http://schemas.microsoft.com/office/powerpoint/2010/main" val="4211898060"/>
-      </p:ext>
-    </p:extLst>
-  </p:cSld>
-  <p:clrMapOvr>
-    <a:masterClrMapping/>
-  </p:clrMapOvr>
-</p:sld>
-</file>
-
-<file path=ppt/slides/slide8.xml><?xml version="1.0" encoding="utf-8"?>
-<p:sld xmlns:a="http://schemas.openxmlformats.org/drawingml/2006/main" xmlns:r="http://schemas.openxmlformats.org/officeDocument/2006/relationships" xmlns:p="http://schemas.openxmlformats.org/presentationml/2006/main">
-  <p:cSld>
-    <p:spTree>
-      <p:nvGrpSpPr>
-        <p:cNvPr id="1" name=""/>
-        <p:cNvGrpSpPr/>
-        <p:nvPr/>
-      </p:nvGrpSpPr>
-      <p:grpSpPr>
-        <a:xfrm>
-          <a:off x="0" y="0"/>
-          <a:ext cx="0" cy="0"/>
-          <a:chOff x="0" y="0"/>
-          <a:chExt cx="0" cy="0"/>
-        </a:xfrm>
-      </p:grpSpPr>
-      <p:sp>
-        <p:nvSpPr>
-          <p:cNvPr id="5" name="Rectángulo 4">
-            <a:extLst>
-              <a:ext uri="{FF2B5EF4-FFF2-40B4-BE49-F238E27FC236}">
-                <a16:creationId xmlns:a16="http://schemas.microsoft.com/office/drawing/2014/main" id="{64734CE1-C49D-3493-174A-AAEAFE3BDB58}"/>
-              </a:ext>
-            </a:extLst>
-          </p:cNvPr>
-          <p:cNvSpPr/>
-          <p:nvPr/>
-        </p:nvSpPr>
-        <p:spPr>
-          <a:xfrm>
-            <a:off x="0" y="0"/>
-            <a:ext cx="12191999" cy="1315232"/>
-          </a:xfrm>
-          <a:prstGeom prst="rect">
-            <a:avLst/>
-          </a:prstGeom>
-          <a:ln>
-            <a:solidFill>
-              <a:schemeClr val="accent1"/>
-            </a:solidFill>
-          </a:ln>
-        </p:spPr>
-        <p:style>
-          <a:lnRef idx="2">
-            <a:schemeClr val="accent1">
-              <a:shade val="15000"/>
-            </a:schemeClr>
-          </a:lnRef>
-          <a:fillRef idx="1">
-            <a:schemeClr val="accent1"/>
-          </a:fillRef>
-          <a:effectRef idx="0">
-            <a:schemeClr val="accent1"/>
-          </a:effectRef>
-          <a:fontRef idx="minor">
-            <a:schemeClr val="lt1"/>
-          </a:fontRef>
-        </p:style>
-        <p:txBody>
-          <a:bodyPr lIns="91440" tIns="45720" rIns="91440" bIns="45720" rtlCol="0" anchor="ctr"/>
-          <a:lstStyle/>
-          <a:p>
-            <a:pPr algn="ctr"/>
-            <a:r>
-              <a:rPr lang="es-ES" sz="4000" dirty="0" err="1">
-                <a:solidFill>
-                  <a:srgbClr val="FFFEFF"/>
-                </a:solidFill>
-                <a:latin typeface="Calibri Light"/>
-                <a:ea typeface="Calibri Light"/>
-                <a:cs typeface="Calibri Light"/>
-              </a:rPr>
-              <a:t>Funtzioa</a:t>
-            </a:r>
-            <a:endParaRPr lang="es-ES" dirty="0" err="1"/>
-          </a:p>
-        </p:txBody>
-      </p:sp>
-      <p:sp>
-        <p:nvSpPr>
-          <p:cNvPr id="6" name="Rectángulo 5">
-            <a:extLst>
-              <a:ext uri="{FF2B5EF4-FFF2-40B4-BE49-F238E27FC236}">
-                <a16:creationId xmlns:a16="http://schemas.microsoft.com/office/drawing/2014/main" id="{8AACF0A4-ACE4-9E8F-DF40-B06F77E181D1}"/>
-              </a:ext>
-            </a:extLst>
-          </p:cNvPr>
-          <p:cNvSpPr/>
-          <p:nvPr/>
-        </p:nvSpPr>
-        <p:spPr>
-          <a:xfrm>
-            <a:off x="-1" y="177452"/>
-            <a:ext cx="12192000" cy="146136"/>
-          </a:xfrm>
-          <a:prstGeom prst="rect">
-            <a:avLst/>
-          </a:prstGeom>
-          <a:solidFill>
-            <a:schemeClr val="bg1"/>
-          </a:solidFill>
-          <a:ln>
-            <a:solidFill>
-              <a:schemeClr val="bg1"/>
-            </a:solidFill>
-          </a:ln>
-        </p:spPr>
-        <p:style>
-          <a:lnRef idx="2">
-            <a:schemeClr val="accent1">
-              <a:shade val="15000"/>
-            </a:schemeClr>
-          </a:lnRef>
-          <a:fillRef idx="1">
-            <a:schemeClr val="accent1"/>
-          </a:fillRef>
-          <a:effectRef idx="0">
-            <a:schemeClr val="accent1"/>
-          </a:effectRef>
-          <a:fontRef idx="minor">
-            <a:schemeClr val="lt1"/>
-          </a:fontRef>
-        </p:style>
-        <p:txBody>
-          <a:bodyPr rtlCol="0" anchor="ctr"/>
-          <a:lstStyle/>
-          <a:p>
-            <a:pPr algn="ctr"/>
-            <a:endParaRPr lang="es-ES"/>
-          </a:p>
-        </p:txBody>
-      </p:sp>
-      <p:pic>
-        <p:nvPicPr>
-          <p:cNvPr id="2" name="Imagen 1" descr="Tabla&#10;&#10;Descripción generada automáticamente">
-            <a:extLst>
-              <a:ext uri="{FF2B5EF4-FFF2-40B4-BE49-F238E27FC236}">
-                <a16:creationId xmlns:a16="http://schemas.microsoft.com/office/drawing/2014/main" id="{024E21B2-7551-A96F-19C3-78389FF496BE}"/>
-              </a:ext>
-            </a:extLst>
-          </p:cNvPr>
-          <p:cNvPicPr>
-            <a:picLocks noChangeAspect="1"/>
-          </p:cNvPicPr>
-          <p:nvPr/>
-        </p:nvPicPr>
-        <p:blipFill>
-          <a:blip r:embed="rId2"/>
-          <a:stretch>
-            <a:fillRect/>
-          </a:stretch>
-        </p:blipFill>
-        <p:spPr>
-          <a:xfrm>
-            <a:off x="0" y="1592875"/>
-            <a:ext cx="12192000" cy="4141975"/>
-          </a:xfrm>
-          <a:prstGeom prst="rect">
-            <a:avLst/>
-          </a:prstGeom>
-        </p:spPr>
-      </p:pic>
-    </p:spTree>
-    <p:extLst>
-      <p:ext uri="{BB962C8B-B14F-4D97-AF65-F5344CB8AC3E}">
-        <p14:creationId xmlns:p14="http://schemas.microsoft.com/office/powerpoint/2010/main" val="2926691120"/>
-      </p:ext>
-    </p:extLst>
-  </p:cSld>
-  <p:clrMapOvr>
-    <a:masterClrMapping/>
-  </p:clrMapOvr>
-</p:sld>
-</file>
-
-<file path=ppt/slides/slide9.xml><?xml version="1.0" encoding="utf-8"?>
-<p:sld xmlns:a="http://schemas.openxmlformats.org/drawingml/2006/main" xmlns:r="http://schemas.openxmlformats.org/officeDocument/2006/relationships" xmlns:p="http://schemas.openxmlformats.org/presentationml/2006/main">
-  <p:cSld>
-    <p:spTree>
-      <p:nvGrpSpPr>
-        <p:cNvPr id="1" name=""/>
-        <p:cNvGrpSpPr/>
-        <p:nvPr/>
-      </p:nvGrpSpPr>
-      <p:grpSpPr>
-        <a:xfrm>
-          <a:off x="0" y="0"/>
-          <a:ext cx="0" cy="0"/>
-          <a:chOff x="0" y="0"/>
-          <a:chExt cx="0" cy="0"/>
-        </a:xfrm>
-      </p:grpSpPr>
-      <p:sp>
-        <p:nvSpPr>
-          <p:cNvPr id="2" name="Título 1">
-            <a:extLst>
-              <a:ext uri="{FF2B5EF4-FFF2-40B4-BE49-F238E27FC236}">
-                <a16:creationId xmlns:a16="http://schemas.microsoft.com/office/drawing/2014/main" id="{E358F1DC-A750-3D7C-2C23-CDFA22274342}"/>
-              </a:ext>
-            </a:extLst>
-          </p:cNvPr>
-          <p:cNvSpPr>
-            <a:spLocks noGrp="1"/>
-          </p:cNvSpPr>
-          <p:nvPr>
-            <p:ph type="title"/>
-          </p:nvPr>
-        </p:nvSpPr>
-        <p:spPr/>
-        <p:txBody>
-          <a:bodyPr/>
-          <a:lstStyle/>
-          <a:p>
-            <a:r>
-              <a:rPr lang="es-ES" dirty="0" err="1">
-                <a:ea typeface="Calibri Light"/>
-                <a:cs typeface="Calibri Light"/>
-              </a:rPr>
-              <a:t>Paketea</a:t>
-            </a:r>
-            <a:br>
-              <a:rPr lang="es-ES" dirty="0">
-                <a:ea typeface="Calibri Light"/>
-                <a:cs typeface="Calibri Light"/>
-              </a:rPr>
-            </a:br>
-            <a:r>
-              <a:rPr lang="es-ES" dirty="0">
-                <a:ea typeface="Calibri Light"/>
-                <a:cs typeface="Calibri Light"/>
-              </a:rPr>
-              <a:t>(</a:t>
-            </a:r>
-            <a:r>
-              <a:rPr lang="es-ES" dirty="0" err="1">
-                <a:ea typeface="Calibri Light"/>
-                <a:cs typeface="Calibri Light"/>
-              </a:rPr>
-              <a:t>Funtzioa</a:t>
-            </a:r>
-            <a:r>
-              <a:rPr lang="es-ES" dirty="0">
-                <a:ea typeface="Calibri Light"/>
-                <a:cs typeface="Calibri Light"/>
-              </a:rPr>
-              <a:t> eta </a:t>
-            </a:r>
-            <a:r>
-              <a:rPr lang="es-ES" dirty="0" err="1">
-                <a:ea typeface="Calibri Light"/>
-                <a:cs typeface="Calibri Light"/>
-              </a:rPr>
-              <a:t>Prozedura</a:t>
-            </a:r>
-            <a:r>
-              <a:rPr lang="es-ES" dirty="0">
-                <a:ea typeface="Calibri Light"/>
-                <a:cs typeface="Calibri Light"/>
-              </a:rPr>
-              <a:t>)</a:t>
-            </a:r>
-            <a:endParaRPr lang="es-ES" dirty="0"/>
-          </a:p>
-        </p:txBody>
-      </p:sp>
-      <p:pic>
-        <p:nvPicPr>
-          <p:cNvPr id="4" name="Marcador de contenido 3">
-            <a:extLst>
-              <a:ext uri="{FF2B5EF4-FFF2-40B4-BE49-F238E27FC236}">
-                <a16:creationId xmlns:a16="http://schemas.microsoft.com/office/drawing/2014/main" id="{3C0A0AFB-C1A1-7882-D88A-E3ACC6B8F977}"/>
-              </a:ext>
-            </a:extLst>
-          </p:cNvPr>
-          <p:cNvPicPr>
-            <a:picLocks noGrp="1" noChangeAspect="1"/>
-          </p:cNvPicPr>
-          <p:nvPr>
-            <p:ph idx="1"/>
-          </p:nvPr>
-        </p:nvPicPr>
-        <p:blipFill>
-          <a:blip r:embed="rId2"/>
-          <a:stretch>
-            <a:fillRect/>
-          </a:stretch>
-        </p:blipFill>
-        <p:spPr>
-          <a:xfrm>
-            <a:off x="6091468" y="1712278"/>
-            <a:ext cx="3500762" cy="3503503"/>
-          </a:xfrm>
-        </p:spPr>
-      </p:pic>
-    </p:spTree>
-    <p:extLst>
-      <p:ext uri="{BB962C8B-B14F-4D97-AF65-F5344CB8AC3E}">
-        <p14:creationId xmlns:p14="http://schemas.microsoft.com/office/powerpoint/2010/main" val="2074752135"/>
       </p:ext>
     </p:extLst>
   </p:cSld>

--- a/Aurkezpena/Aurkezpena_5.taldea_2.sprint.pptx
+++ b/Aurkezpena/Aurkezpena_5.taldea_2.sprint.pptx
@@ -1898,7 +1898,7 @@
             </a:lvl1pPr>
           </a:lstStyle>
           <a:p>
-            <a:fld id="{73A8D5A0-A780-4503-A33D-9102CDCF8FE3}" type="datetimeFigureOut">
+            <a:fld id="{A4494A19-2FE0-4714-AFB5-1C06E5FDE156}" type="datetime1">
               <a:rPr lang="es-ES" smtClean="0"/>
               <a:t>30/04/2024</a:t>
             </a:fld>
@@ -3357,7 +3357,7 @@
           <a:bodyPr/>
           <a:lstStyle/>
           <a:p>
-            <a:fld id="{73A8D5A0-A780-4503-A33D-9102CDCF8FE3}" type="datetimeFigureOut">
+            <a:fld id="{0AD4EEB9-D602-4ADA-9638-1CEDB281874F}" type="datetime1">
               <a:rPr lang="es-ES" smtClean="0"/>
               <a:t>30/04/2024</a:t>
             </a:fld>
@@ -3407,6 +3407,36 @@
           </a:p>
         </p:txBody>
       </p:sp>
+      <p:pic>
+        <p:nvPicPr>
+          <p:cNvPr id="33" name="Irudia 32"/>
+          <p:cNvPicPr>
+            <a:picLocks noChangeAspect="1"/>
+          </p:cNvPicPr>
+          <p:nvPr userDrawn="1"/>
+        </p:nvPicPr>
+        <p:blipFill>
+          <a:blip r:embed="rId2" cstate="print">
+            <a:extLst>
+              <a:ext uri="{28A0092B-C50C-407E-A947-70E740481C1C}">
+                <a14:useLocalDpi xmlns:a14="http://schemas.microsoft.com/office/drawing/2010/main" val="0"/>
+              </a:ext>
+            </a:extLst>
+          </a:blip>
+          <a:stretch>
+            <a:fillRect/>
+          </a:stretch>
+        </p:blipFill>
+        <p:spPr>
+          <a:xfrm>
+            <a:off x="-20502" y="62990"/>
+            <a:ext cx="1351898" cy="1087891"/>
+          </a:xfrm>
+          <a:prstGeom prst="rect">
+            <a:avLst/>
+          </a:prstGeom>
+        </p:spPr>
+      </p:pic>
     </p:spTree>
     <p:extLst>
       <p:ext uri="{BB962C8B-B14F-4D97-AF65-F5344CB8AC3E}">
@@ -4810,7 +4840,7 @@
           <a:bodyPr/>
           <a:lstStyle/>
           <a:p>
-            <a:fld id="{73A8D5A0-A780-4503-A33D-9102CDCF8FE3}" type="datetimeFigureOut">
+            <a:fld id="{2163F725-5AC1-4963-9811-013D7C0CB664}" type="datetime1">
               <a:rPr lang="es-ES" smtClean="0"/>
               <a:t>30/04/2024</a:t>
             </a:fld>
@@ -4870,6 +4900,36 @@
           </a:p>
         </p:txBody>
       </p:sp>
+      <p:pic>
+        <p:nvPicPr>
+          <p:cNvPr id="33" name="Irudia 32"/>
+          <p:cNvPicPr>
+            <a:picLocks noChangeAspect="1"/>
+          </p:cNvPicPr>
+          <p:nvPr userDrawn="1"/>
+        </p:nvPicPr>
+        <p:blipFill>
+          <a:blip r:embed="rId2" cstate="print">
+            <a:extLst>
+              <a:ext uri="{28A0092B-C50C-407E-A947-70E740481C1C}">
+                <a14:useLocalDpi xmlns:a14="http://schemas.microsoft.com/office/drawing/2010/main" val="0"/>
+              </a:ext>
+            </a:extLst>
+          </a:blip>
+          <a:stretch>
+            <a:fillRect/>
+          </a:stretch>
+        </p:blipFill>
+        <p:spPr>
+          <a:xfrm>
+            <a:off x="-20502" y="62990"/>
+            <a:ext cx="1351898" cy="1087891"/>
+          </a:xfrm>
+          <a:prstGeom prst="rect">
+            <a:avLst/>
+          </a:prstGeom>
+        </p:spPr>
+      </p:pic>
     </p:spTree>
     <p:extLst>
       <p:ext uri="{BB962C8B-B14F-4D97-AF65-F5344CB8AC3E}">
@@ -6186,7 +6246,7 @@
           </a:lstStyle>
           <a:p>
             <a:r>
-              <a:rPr lang="eu-ES"/>
+              <a:rPr lang="eu-ES" dirty="0"/>
               <a:t>Egin klik titulu maisuaren estiloa aldatzeko</a:t>
             </a:r>
             <a:endParaRPr lang="en-US" dirty="0"/>
@@ -6265,7 +6325,7 @@
           <a:bodyPr/>
           <a:lstStyle/>
           <a:p>
-            <a:fld id="{73A8D5A0-A780-4503-A33D-9102CDCF8FE3}" type="datetimeFigureOut">
+            <a:fld id="{64904734-3ABD-4097-97A1-89BEEA1A476B}" type="datetime1">
               <a:rPr lang="es-ES" smtClean="0"/>
               <a:t>30/04/2024</a:t>
             </a:fld>
@@ -6315,6 +6375,36 @@
           </a:p>
         </p:txBody>
       </p:sp>
+      <p:pic>
+        <p:nvPicPr>
+          <p:cNvPr id="7" name="Irudia 6"/>
+          <p:cNvPicPr>
+            <a:picLocks noChangeAspect="1"/>
+          </p:cNvPicPr>
+          <p:nvPr userDrawn="1"/>
+        </p:nvPicPr>
+        <p:blipFill>
+          <a:blip r:embed="rId2" cstate="print">
+            <a:extLst>
+              <a:ext uri="{28A0092B-C50C-407E-A947-70E740481C1C}">
+                <a14:useLocalDpi xmlns:a14="http://schemas.microsoft.com/office/drawing/2010/main" val="0"/>
+              </a:ext>
+            </a:extLst>
+          </a:blip>
+          <a:stretch>
+            <a:fillRect/>
+          </a:stretch>
+        </p:blipFill>
+        <p:spPr>
+          <a:xfrm>
+            <a:off x="-20502" y="62990"/>
+            <a:ext cx="1351898" cy="1087891"/>
+          </a:xfrm>
+          <a:prstGeom prst="rect">
+            <a:avLst/>
+          </a:prstGeom>
+        </p:spPr>
+      </p:pic>
     </p:spTree>
     <p:extLst>
       <p:ext uri="{BB962C8B-B14F-4D97-AF65-F5344CB8AC3E}">
@@ -7773,7 +7863,7 @@
           <a:bodyPr/>
           <a:lstStyle/>
           <a:p>
-            <a:fld id="{73A8D5A0-A780-4503-A33D-9102CDCF8FE3}" type="datetimeFigureOut">
+            <a:fld id="{6DE09703-F0B6-41F1-81EF-5E4F8544FBC6}" type="datetime1">
               <a:rPr lang="es-ES" smtClean="0"/>
               <a:t>30/04/2024</a:t>
             </a:fld>
@@ -7837,6 +7927,36 @@
           </a:p>
         </p:txBody>
       </p:sp>
+      <p:pic>
+        <p:nvPicPr>
+          <p:cNvPr id="31" name="Irudia 30"/>
+          <p:cNvPicPr>
+            <a:picLocks noChangeAspect="1"/>
+          </p:cNvPicPr>
+          <p:nvPr userDrawn="1"/>
+        </p:nvPicPr>
+        <p:blipFill>
+          <a:blip r:embed="rId2" cstate="print">
+            <a:extLst>
+              <a:ext uri="{28A0092B-C50C-407E-A947-70E740481C1C}">
+                <a14:useLocalDpi xmlns:a14="http://schemas.microsoft.com/office/drawing/2010/main" val="0"/>
+              </a:ext>
+            </a:extLst>
+          </a:blip>
+          <a:stretch>
+            <a:fillRect/>
+          </a:stretch>
+        </p:blipFill>
+        <p:spPr>
+          <a:xfrm>
+            <a:off x="-20502" y="62990"/>
+            <a:ext cx="1351898" cy="1087891"/>
+          </a:xfrm>
+          <a:prstGeom prst="rect">
+            <a:avLst/>
+          </a:prstGeom>
+        </p:spPr>
+      </p:pic>
     </p:spTree>
     <p:extLst>
       <p:ext uri="{BB962C8B-B14F-4D97-AF65-F5344CB8AC3E}">
@@ -9294,7 +9414,7 @@
           <a:bodyPr/>
           <a:lstStyle/>
           <a:p>
-            <a:fld id="{73A8D5A0-A780-4503-A33D-9102CDCF8FE3}" type="datetimeFigureOut">
+            <a:fld id="{B02AAFE6-8E4F-4BE2-A4C9-62D5544A5903}" type="datetime1">
               <a:rPr lang="es-ES" smtClean="0"/>
               <a:t>30/04/2024</a:t>
             </a:fld>
@@ -9354,6 +9474,36 @@
           </a:p>
         </p:txBody>
       </p:sp>
+      <p:pic>
+        <p:nvPicPr>
+          <p:cNvPr id="34" name="Irudia 33"/>
+          <p:cNvPicPr>
+            <a:picLocks noChangeAspect="1"/>
+          </p:cNvPicPr>
+          <p:nvPr userDrawn="1"/>
+        </p:nvPicPr>
+        <p:blipFill>
+          <a:blip r:embed="rId2" cstate="print">
+            <a:extLst>
+              <a:ext uri="{28A0092B-C50C-407E-A947-70E740481C1C}">
+                <a14:useLocalDpi xmlns:a14="http://schemas.microsoft.com/office/drawing/2010/main" val="0"/>
+              </a:ext>
+            </a:extLst>
+          </a:blip>
+          <a:stretch>
+            <a:fillRect/>
+          </a:stretch>
+        </p:blipFill>
+        <p:spPr>
+          <a:xfrm>
+            <a:off x="-20502" y="62990"/>
+            <a:ext cx="1351898" cy="1087891"/>
+          </a:xfrm>
+          <a:prstGeom prst="rect">
+            <a:avLst/>
+          </a:prstGeom>
+        </p:spPr>
+      </p:pic>
     </p:spTree>
     <p:extLst>
       <p:ext uri="{BB962C8B-B14F-4D97-AF65-F5344CB8AC3E}">
@@ -10959,7 +11109,7 @@
           <a:bodyPr/>
           <a:lstStyle/>
           <a:p>
-            <a:fld id="{73A8D5A0-A780-4503-A33D-9102CDCF8FE3}" type="datetimeFigureOut">
+            <a:fld id="{B3E99D71-489C-4BD7-B47C-BD6232AE68CB}" type="datetime1">
               <a:rPr lang="es-ES" smtClean="0"/>
               <a:t>30/04/2024</a:t>
             </a:fld>
@@ -11019,6 +11169,36 @@
           </a:p>
         </p:txBody>
       </p:sp>
+      <p:pic>
+        <p:nvPicPr>
+          <p:cNvPr id="36" name="Irudia 35"/>
+          <p:cNvPicPr>
+            <a:picLocks noChangeAspect="1"/>
+          </p:cNvPicPr>
+          <p:nvPr userDrawn="1"/>
+        </p:nvPicPr>
+        <p:blipFill>
+          <a:blip r:embed="rId2" cstate="print">
+            <a:extLst>
+              <a:ext uri="{28A0092B-C50C-407E-A947-70E740481C1C}">
+                <a14:useLocalDpi xmlns:a14="http://schemas.microsoft.com/office/drawing/2010/main" val="0"/>
+              </a:ext>
+            </a:extLst>
+          </a:blip>
+          <a:stretch>
+            <a:fillRect/>
+          </a:stretch>
+        </p:blipFill>
+        <p:spPr>
+          <a:xfrm>
+            <a:off x="-20502" y="62990"/>
+            <a:ext cx="1351898" cy="1087891"/>
+          </a:xfrm>
+          <a:prstGeom prst="rect">
+            <a:avLst/>
+          </a:prstGeom>
+        </p:spPr>
+      </p:pic>
     </p:spTree>
     <p:extLst>
       <p:ext uri="{BB962C8B-B14F-4D97-AF65-F5344CB8AC3E}">
@@ -12357,7 +12537,7 @@
           <a:bodyPr/>
           <a:lstStyle/>
           <a:p>
-            <a:fld id="{73A8D5A0-A780-4503-A33D-9102CDCF8FE3}" type="datetimeFigureOut">
+            <a:fld id="{F2A931DC-EFD8-49DA-8E50-FF5963DC2FD8}" type="datetime1">
               <a:rPr lang="es-ES" smtClean="0"/>
               <a:t>30/04/2024</a:t>
             </a:fld>
@@ -12407,6 +12587,36 @@
           </a:p>
         </p:txBody>
       </p:sp>
+      <p:pic>
+        <p:nvPicPr>
+          <p:cNvPr id="32" name="Irudia 31"/>
+          <p:cNvPicPr>
+            <a:picLocks noChangeAspect="1"/>
+          </p:cNvPicPr>
+          <p:nvPr userDrawn="1"/>
+        </p:nvPicPr>
+        <p:blipFill>
+          <a:blip r:embed="rId2" cstate="print">
+            <a:extLst>
+              <a:ext uri="{28A0092B-C50C-407E-A947-70E740481C1C}">
+                <a14:useLocalDpi xmlns:a14="http://schemas.microsoft.com/office/drawing/2010/main" val="0"/>
+              </a:ext>
+            </a:extLst>
+          </a:blip>
+          <a:stretch>
+            <a:fillRect/>
+          </a:stretch>
+        </p:blipFill>
+        <p:spPr>
+          <a:xfrm>
+            <a:off x="-20502" y="62990"/>
+            <a:ext cx="1351898" cy="1087891"/>
+          </a:xfrm>
+          <a:prstGeom prst="rect">
+            <a:avLst/>
+          </a:prstGeom>
+        </p:spPr>
+      </p:pic>
     </p:spTree>
     <p:extLst>
       <p:ext uri="{BB962C8B-B14F-4D97-AF65-F5344CB8AC3E}">
@@ -12457,7 +12667,7 @@
           <a:bodyPr/>
           <a:lstStyle/>
           <a:p>
-            <a:fld id="{73A8D5A0-A780-4503-A33D-9102CDCF8FE3}" type="datetimeFigureOut">
+            <a:fld id="{DDE72351-780F-4A81-95E0-AAF05442C245}" type="datetime1">
               <a:rPr lang="es-ES" smtClean="0"/>
               <a:t>30/04/2024</a:t>
             </a:fld>
@@ -12517,6 +12727,36 @@
           </a:p>
         </p:txBody>
       </p:sp>
+      <p:pic>
+        <p:nvPicPr>
+          <p:cNvPr id="5" name="Irudia 4"/>
+          <p:cNvPicPr>
+            <a:picLocks noChangeAspect="1"/>
+          </p:cNvPicPr>
+          <p:nvPr userDrawn="1"/>
+        </p:nvPicPr>
+        <p:blipFill>
+          <a:blip r:embed="rId2" cstate="print">
+            <a:extLst>
+              <a:ext uri="{28A0092B-C50C-407E-A947-70E740481C1C}">
+                <a14:useLocalDpi xmlns:a14="http://schemas.microsoft.com/office/drawing/2010/main" val="0"/>
+              </a:ext>
+            </a:extLst>
+          </a:blip>
+          <a:stretch>
+            <a:fillRect/>
+          </a:stretch>
+        </p:blipFill>
+        <p:spPr>
+          <a:xfrm>
+            <a:off x="-20502" y="62990"/>
+            <a:ext cx="1351898" cy="1087891"/>
+          </a:xfrm>
+          <a:prstGeom prst="rect">
+            <a:avLst/>
+          </a:prstGeom>
+        </p:spPr>
+      </p:pic>
     </p:spTree>
     <p:extLst>
       <p:ext uri="{BB962C8B-B14F-4D97-AF65-F5344CB8AC3E}">
@@ -13983,7 +14223,7 @@
           <a:bodyPr/>
           <a:lstStyle/>
           <a:p>
-            <a:fld id="{73A8D5A0-A780-4503-A33D-9102CDCF8FE3}" type="datetimeFigureOut">
+            <a:fld id="{6E0BC31F-DB3D-405E-87FE-15795BF92D84}" type="datetime1">
               <a:rPr lang="es-ES" smtClean="0"/>
               <a:t>30/04/2024</a:t>
             </a:fld>
@@ -14033,6 +14273,36 @@
           </a:p>
         </p:txBody>
       </p:sp>
+      <p:pic>
+        <p:nvPicPr>
+          <p:cNvPr id="34" name="Irudia 33"/>
+          <p:cNvPicPr>
+            <a:picLocks noChangeAspect="1"/>
+          </p:cNvPicPr>
+          <p:nvPr userDrawn="1"/>
+        </p:nvPicPr>
+        <p:blipFill>
+          <a:blip r:embed="rId2" cstate="print">
+            <a:extLst>
+              <a:ext uri="{28A0092B-C50C-407E-A947-70E740481C1C}">
+                <a14:useLocalDpi xmlns:a14="http://schemas.microsoft.com/office/drawing/2010/main" val="0"/>
+              </a:ext>
+            </a:extLst>
+          </a:blip>
+          <a:stretch>
+            <a:fillRect/>
+          </a:stretch>
+        </p:blipFill>
+        <p:spPr>
+          <a:xfrm>
+            <a:off x="-20502" y="62990"/>
+            <a:ext cx="1351898" cy="1087891"/>
+          </a:xfrm>
+          <a:prstGeom prst="rect">
+            <a:avLst/>
+          </a:prstGeom>
+        </p:spPr>
+      </p:pic>
     </p:spTree>
     <p:extLst>
       <p:ext uri="{BB962C8B-B14F-4D97-AF65-F5344CB8AC3E}">
@@ -15519,7 +15789,7 @@
           <a:bodyPr/>
           <a:lstStyle/>
           <a:p>
-            <a:fld id="{73A8D5A0-A780-4503-A33D-9102CDCF8FE3}" type="datetimeFigureOut">
+            <a:fld id="{8FFDA3A6-69A1-4D6C-BC5C-8547B182FC28}" type="datetime1">
               <a:rPr lang="es-ES" smtClean="0"/>
               <a:t>30/04/2024</a:t>
             </a:fld>
@@ -15579,6 +15849,36 @@
           </a:p>
         </p:txBody>
       </p:sp>
+      <p:pic>
+        <p:nvPicPr>
+          <p:cNvPr id="32" name="Irudia 31"/>
+          <p:cNvPicPr>
+            <a:picLocks noChangeAspect="1"/>
+          </p:cNvPicPr>
+          <p:nvPr userDrawn="1"/>
+        </p:nvPicPr>
+        <p:blipFill>
+          <a:blip r:embed="rId2" cstate="print">
+            <a:extLst>
+              <a:ext uri="{28A0092B-C50C-407E-A947-70E740481C1C}">
+                <a14:useLocalDpi xmlns:a14="http://schemas.microsoft.com/office/drawing/2010/main" val="0"/>
+              </a:ext>
+            </a:extLst>
+          </a:blip>
+          <a:stretch>
+            <a:fillRect/>
+          </a:stretch>
+        </p:blipFill>
+        <p:spPr>
+          <a:xfrm>
+            <a:off x="-20502" y="62990"/>
+            <a:ext cx="1351898" cy="1087891"/>
+          </a:xfrm>
+          <a:prstGeom prst="rect">
+            <a:avLst/>
+          </a:prstGeom>
+        </p:spPr>
+      </p:pic>
     </p:spTree>
     <p:extLst>
       <p:ext uri="{BB962C8B-B14F-4D97-AF65-F5344CB8AC3E}">
@@ -15769,7 +16069,7 @@
             </a:lvl1pPr>
           </a:lstStyle>
           <a:p>
-            <a:fld id="{73A8D5A0-A780-4503-A33D-9102CDCF8FE3}" type="datetimeFigureOut">
+            <a:fld id="{0DEA9F21-826E-48B5-9F6B-EC53318AA5DF}" type="datetime1">
               <a:rPr lang="es-ES" smtClean="0"/>
               <a:t>30/04/2024</a:t>
             </a:fld>
@@ -15876,6 +16176,7 @@
     <p:sldLayoutId id="2147483670" r:id="rId10"/>
     <p:sldLayoutId id="2147483671" r:id="rId11"/>
   </p:sldLayoutIdLst>
+  <p:hf hdr="0" ftr="0" dt="0"/>
   <p:txStyles>
     <p:titleStyle>
       <a:lvl1pPr algn="ctr" defTabSz="914400" rtl="0" eaLnBrk="1" latinLnBrk="0" hangingPunct="1">
@@ -16246,8 +16547,8 @@
           <a:lstStyle/>
           <a:p>
             <a:r>
-              <a:rPr lang="eu-ES" dirty="0"/>
-              <a:t>5.TALDEA</a:t>
+              <a:rPr lang="eu-ES" dirty="0" smtClean="0"/>
+              <a:t>Erlezain elkartea</a:t>
             </a:r>
             <a:endParaRPr lang="es-ES" dirty="0"/>
           </a:p>
@@ -16276,6 +16577,29 @@
           </a:p>
           <a:p>
             <a:endParaRPr lang="es-ES" dirty="0"/>
+          </a:p>
+        </p:txBody>
+      </p:sp>
+      <p:sp>
+        <p:nvSpPr>
+          <p:cNvPr id="4" name="Diapositibaren zenbakiaren leku-marka 3"/>
+          <p:cNvSpPr>
+            <a:spLocks noGrp="1"/>
+          </p:cNvSpPr>
+          <p:nvPr>
+            <p:ph type="sldNum" sz="quarter" idx="12"/>
+          </p:nvPr>
+        </p:nvSpPr>
+        <p:spPr/>
+        <p:txBody>
+          <a:bodyPr/>
+          <a:lstStyle/>
+          <a:p>
+            <a:fld id="{A933338F-8713-4FAC-B8DB-603627AA4C3E}" type="slidenum">
+              <a:rPr lang="es-ES" smtClean="0"/>
+              <a:t>1</a:t>
+            </a:fld>
+            <a:endParaRPr lang="es-ES"/>
           </a:p>
         </p:txBody>
       </p:sp>
@@ -16455,6 +16779,29 @@
           </a:prstGeom>
         </p:spPr>
       </p:pic>
+      <p:sp>
+        <p:nvSpPr>
+          <p:cNvPr id="3" name="Diapositibaren zenbakiaren leku-marka 2"/>
+          <p:cNvSpPr>
+            <a:spLocks noGrp="1"/>
+          </p:cNvSpPr>
+          <p:nvPr>
+            <p:ph type="sldNum" sz="quarter" idx="12"/>
+          </p:nvPr>
+        </p:nvSpPr>
+        <p:spPr/>
+        <p:txBody>
+          <a:bodyPr/>
+          <a:lstStyle/>
+          <a:p>
+            <a:fld id="{A933338F-8713-4FAC-B8DB-603627AA4C3E}" type="slidenum">
+              <a:rPr lang="es-ES" smtClean="0"/>
+              <a:t>10</a:t>
+            </a:fld>
+            <a:endParaRPr lang="es-ES"/>
+          </a:p>
+        </p:txBody>
+      </p:sp>
     </p:spTree>
     <p:extLst>
       <p:ext uri="{BB962C8B-B14F-4D97-AF65-F5344CB8AC3E}">
@@ -16550,6 +16897,29 @@
           </a:extLst>
         </p:spPr>
       </p:pic>
+      <p:sp>
+        <p:nvSpPr>
+          <p:cNvPr id="3" name="Diapositibaren zenbakiaren leku-marka 2"/>
+          <p:cNvSpPr>
+            <a:spLocks noGrp="1"/>
+          </p:cNvSpPr>
+          <p:nvPr>
+            <p:ph type="sldNum" sz="quarter" idx="12"/>
+          </p:nvPr>
+        </p:nvSpPr>
+        <p:spPr/>
+        <p:txBody>
+          <a:bodyPr/>
+          <a:lstStyle/>
+          <a:p>
+            <a:fld id="{A933338F-8713-4FAC-B8DB-603627AA4C3E}" type="slidenum">
+              <a:rPr lang="es-ES" smtClean="0"/>
+              <a:t>11</a:t>
+            </a:fld>
+            <a:endParaRPr lang="es-ES"/>
+          </a:p>
+        </p:txBody>
+      </p:sp>
     </p:spTree>
     <p:extLst>
       <p:ext uri="{BB962C8B-B14F-4D97-AF65-F5344CB8AC3E}">
@@ -16723,6 +17093,29 @@
           </a:prstGeom>
         </p:spPr>
       </p:pic>
+      <p:sp>
+        <p:nvSpPr>
+          <p:cNvPr id="3" name="Diapositibaren zenbakiaren leku-marka 2"/>
+          <p:cNvSpPr>
+            <a:spLocks noGrp="1"/>
+          </p:cNvSpPr>
+          <p:nvPr>
+            <p:ph type="sldNum" sz="quarter" idx="12"/>
+          </p:nvPr>
+        </p:nvSpPr>
+        <p:spPr/>
+        <p:txBody>
+          <a:bodyPr/>
+          <a:lstStyle/>
+          <a:p>
+            <a:fld id="{A933338F-8713-4FAC-B8DB-603627AA4C3E}" type="slidenum">
+              <a:rPr lang="es-ES" smtClean="0"/>
+              <a:t>12</a:t>
+            </a:fld>
+            <a:endParaRPr lang="es-ES"/>
+          </a:p>
+        </p:txBody>
+      </p:sp>
     </p:spTree>
     <p:extLst>
       <p:ext uri="{BB962C8B-B14F-4D97-AF65-F5344CB8AC3E}">
@@ -16848,7 +17241,7 @@
               <a:buChar char="o"/>
             </a:pPr>
             <a:r>
-              <a:rPr lang="es-ES" err="1"/>
+              <a:rPr lang="es-ES" dirty="0" err="1"/>
               <a:t>Useradd</a:t>
             </a:r>
             <a:r>
@@ -16856,7 +17249,7 @@
               <a:t> </a:t>
             </a:r>
             <a:r>
-              <a:rPr lang="es-ES" err="1"/>
+              <a:rPr lang="es-ES" dirty="0" err="1"/>
               <a:t>agindau</a:t>
             </a:r>
             <a:r>
@@ -16864,10 +17257,14 @@
               <a:t> </a:t>
             </a:r>
             <a:r>
-              <a:rPr lang="es-ES" err="1"/>
+              <a:rPr lang="es-ES" dirty="0" err="1" smtClean="0"/>
               <a:t>erabiliz</a:t>
             </a:r>
-            <a:endParaRPr lang="es-ES"/>
+            <a:r>
+              <a:rPr lang="es-ES" dirty="0" smtClean="0"/>
+              <a:t>.</a:t>
+            </a:r>
+            <a:endParaRPr lang="es-ES" dirty="0"/>
           </a:p>
         </p:txBody>
       </p:sp>
@@ -16900,6 +17297,29 @@
           </a:xfrm>
         </p:spPr>
       </p:pic>
+      <p:sp>
+        <p:nvSpPr>
+          <p:cNvPr id="3" name="Diapositibaren zenbakiaren leku-marka 2"/>
+          <p:cNvSpPr>
+            <a:spLocks noGrp="1"/>
+          </p:cNvSpPr>
+          <p:nvPr>
+            <p:ph type="sldNum" sz="quarter" idx="12"/>
+          </p:nvPr>
+        </p:nvSpPr>
+        <p:spPr/>
+        <p:txBody>
+          <a:bodyPr/>
+          <a:lstStyle/>
+          <a:p>
+            <a:fld id="{A933338F-8713-4FAC-B8DB-603627AA4C3E}" type="slidenum">
+              <a:rPr lang="es-ES" smtClean="0"/>
+              <a:t>13</a:t>
+            </a:fld>
+            <a:endParaRPr lang="es-ES"/>
+          </a:p>
+        </p:txBody>
+      </p:sp>
     </p:spTree>
     <p:extLst>
       <p:ext uri="{BB962C8B-B14F-4D97-AF65-F5344CB8AC3E}">
@@ -16998,6 +17418,29 @@
           </a:xfrm>
         </p:spPr>
       </p:pic>
+      <p:sp>
+        <p:nvSpPr>
+          <p:cNvPr id="3" name="Diapositibaren zenbakiaren leku-marka 2"/>
+          <p:cNvSpPr>
+            <a:spLocks noGrp="1"/>
+          </p:cNvSpPr>
+          <p:nvPr>
+            <p:ph type="sldNum" sz="quarter" idx="12"/>
+          </p:nvPr>
+        </p:nvSpPr>
+        <p:spPr/>
+        <p:txBody>
+          <a:bodyPr/>
+          <a:lstStyle/>
+          <a:p>
+            <a:fld id="{A933338F-8713-4FAC-B8DB-603627AA4C3E}" type="slidenum">
+              <a:rPr lang="es-ES" smtClean="0"/>
+              <a:t>14</a:t>
+            </a:fld>
+            <a:endParaRPr lang="es-ES"/>
+          </a:p>
+        </p:txBody>
+      </p:sp>
     </p:spTree>
     <p:extLst>
       <p:ext uri="{BB962C8B-B14F-4D97-AF65-F5344CB8AC3E}">
@@ -17113,6 +17556,29 @@
           </a:prstGeom>
         </p:spPr>
       </p:pic>
+      <p:sp>
+        <p:nvSpPr>
+          <p:cNvPr id="3" name="Diapositibaren zenbakiaren leku-marka 2"/>
+          <p:cNvSpPr>
+            <a:spLocks noGrp="1"/>
+          </p:cNvSpPr>
+          <p:nvPr>
+            <p:ph type="sldNum" sz="quarter" idx="12"/>
+          </p:nvPr>
+        </p:nvSpPr>
+        <p:spPr/>
+        <p:txBody>
+          <a:bodyPr/>
+          <a:lstStyle/>
+          <a:p>
+            <a:fld id="{A933338F-8713-4FAC-B8DB-603627AA4C3E}" type="slidenum">
+              <a:rPr lang="es-ES" smtClean="0"/>
+              <a:t>15</a:t>
+            </a:fld>
+            <a:endParaRPr lang="es-ES"/>
+          </a:p>
+        </p:txBody>
+      </p:sp>
     </p:spTree>
     <p:extLst>
       <p:ext uri="{BB962C8B-B14F-4D97-AF65-F5344CB8AC3E}">
@@ -17172,6 +17638,29 @@
               <a:t>Aplikazioa</a:t>
             </a:r>
             <a:endParaRPr lang="es-ES" dirty="0" err="1"/>
+          </a:p>
+        </p:txBody>
+      </p:sp>
+      <p:sp>
+        <p:nvSpPr>
+          <p:cNvPr id="3" name="Diapositibaren zenbakiaren leku-marka 2"/>
+          <p:cNvSpPr>
+            <a:spLocks noGrp="1"/>
+          </p:cNvSpPr>
+          <p:nvPr>
+            <p:ph type="sldNum" sz="quarter" idx="12"/>
+          </p:nvPr>
+        </p:nvSpPr>
+        <p:spPr/>
+        <p:txBody>
+          <a:bodyPr/>
+          <a:lstStyle/>
+          <a:p>
+            <a:fld id="{A933338F-8713-4FAC-B8DB-603627AA4C3E}" type="slidenum">
+              <a:rPr lang="es-ES" smtClean="0"/>
+              <a:t>16</a:t>
+            </a:fld>
+            <a:endParaRPr lang="es-ES"/>
           </a:p>
         </p:txBody>
       </p:sp>
@@ -17247,20 +17736,20 @@
               </a:rPr>
             </a:br>
             <a:r>
-              <a:rPr lang="es-ES" dirty="0">
+              <a:rPr lang="es-ES" dirty="0" smtClean="0">
                 <a:ea typeface="Calibri Light"/>
                 <a:cs typeface="Calibri Light"/>
               </a:rPr>
               <a:t>Test-</a:t>
             </a:r>
             <a:r>
-              <a:rPr lang="es-ES" dirty="0" err="1">
+              <a:rPr lang="es-ES" dirty="0" err="1" smtClean="0">
                 <a:ea typeface="Calibri Light"/>
                 <a:cs typeface="Calibri Light"/>
               </a:rPr>
-              <a:t>tak</a:t>
+              <a:t>ak</a:t>
             </a:r>
-            <a:endParaRPr lang="es-ES" dirty="0" err="1"/>
+            <a:endParaRPr lang="es-ES" dirty="0"/>
           </a:p>
         </p:txBody>
       </p:sp>
@@ -17293,6 +17782,29 @@
           </a:xfrm>
         </p:spPr>
       </p:pic>
+      <p:sp>
+        <p:nvSpPr>
+          <p:cNvPr id="3" name="Diapositibaren zenbakiaren leku-marka 2"/>
+          <p:cNvSpPr>
+            <a:spLocks noGrp="1"/>
+          </p:cNvSpPr>
+          <p:nvPr>
+            <p:ph type="sldNum" sz="quarter" idx="12"/>
+          </p:nvPr>
+        </p:nvSpPr>
+        <p:spPr/>
+        <p:txBody>
+          <a:bodyPr/>
+          <a:lstStyle/>
+          <a:p>
+            <a:fld id="{A933338F-8713-4FAC-B8DB-603627AA4C3E}" type="slidenum">
+              <a:rPr lang="es-ES" smtClean="0"/>
+              <a:t>17</a:t>
+            </a:fld>
+            <a:endParaRPr lang="es-ES"/>
+          </a:p>
+        </p:txBody>
+      </p:sp>
     </p:spTree>
     <p:extLst>
       <p:ext uri="{BB962C8B-B14F-4D97-AF65-F5344CB8AC3E}">
@@ -17384,6 +17896,29 @@
           </a:xfrm>
         </p:spPr>
       </p:pic>
+      <p:sp>
+        <p:nvSpPr>
+          <p:cNvPr id="3" name="Diapositibaren zenbakiaren leku-marka 2"/>
+          <p:cNvSpPr>
+            <a:spLocks noGrp="1"/>
+          </p:cNvSpPr>
+          <p:nvPr>
+            <p:ph type="sldNum" sz="quarter" idx="12"/>
+          </p:nvPr>
+        </p:nvSpPr>
+        <p:spPr/>
+        <p:txBody>
+          <a:bodyPr/>
+          <a:lstStyle/>
+          <a:p>
+            <a:fld id="{A933338F-8713-4FAC-B8DB-603627AA4C3E}" type="slidenum">
+              <a:rPr lang="es-ES" smtClean="0"/>
+              <a:t>18</a:t>
+            </a:fld>
+            <a:endParaRPr lang="es-ES"/>
+          </a:p>
+        </p:txBody>
+      </p:sp>
     </p:spTree>
     <p:extLst>
       <p:ext uri="{BB962C8B-B14F-4D97-AF65-F5344CB8AC3E}">
@@ -17515,6 +18050,29 @@
           </a:extLst>
         </p:spPr>
       </p:pic>
+      <p:sp>
+        <p:nvSpPr>
+          <p:cNvPr id="3" name="Diapositibaren zenbakiaren leku-marka 2"/>
+          <p:cNvSpPr>
+            <a:spLocks noGrp="1"/>
+          </p:cNvSpPr>
+          <p:nvPr>
+            <p:ph type="sldNum" sz="quarter" idx="12"/>
+          </p:nvPr>
+        </p:nvSpPr>
+        <p:spPr/>
+        <p:txBody>
+          <a:bodyPr/>
+          <a:lstStyle/>
+          <a:p>
+            <a:fld id="{A933338F-8713-4FAC-B8DB-603627AA4C3E}" type="slidenum">
+              <a:rPr lang="es-ES" smtClean="0"/>
+              <a:t>19</a:t>
+            </a:fld>
+            <a:endParaRPr lang="es-ES"/>
+          </a:p>
+        </p:txBody>
+      </p:sp>
     </p:spTree>
     <p:extLst>
       <p:ext uri="{BB962C8B-B14F-4D97-AF65-F5344CB8AC3E}">
@@ -17866,6 +18424,29 @@
           </a:p>
         </p:txBody>
       </p:sp>
+      <p:sp>
+        <p:nvSpPr>
+          <p:cNvPr id="3" name="Diapositibaren zenbakiaren leku-marka 2"/>
+          <p:cNvSpPr>
+            <a:spLocks noGrp="1"/>
+          </p:cNvSpPr>
+          <p:nvPr>
+            <p:ph type="sldNum" sz="quarter" idx="12"/>
+          </p:nvPr>
+        </p:nvSpPr>
+        <p:spPr/>
+        <p:txBody>
+          <a:bodyPr/>
+          <a:lstStyle/>
+          <a:p>
+            <a:fld id="{A933338F-8713-4FAC-B8DB-603627AA4C3E}" type="slidenum">
+              <a:rPr lang="es-ES" smtClean="0"/>
+              <a:t>2</a:t>
+            </a:fld>
+            <a:endParaRPr lang="es-ES"/>
+          </a:p>
+        </p:txBody>
+      </p:sp>
     </p:spTree>
     <p:extLst>
       <p:ext uri="{BB962C8B-B14F-4D97-AF65-F5344CB8AC3E}">
@@ -18308,7 +18889,7 @@
               <a:t>  </a:t>
             </a:r>
             <a:r>
-              <a:rPr lang="es-ES" err="1"/>
+              <a:rPr lang="es-ES" dirty="0" err="1"/>
               <a:t>Trigger</a:t>
             </a:r>
             <a:r>
@@ -18353,8 +18934,13 @@
             </a:r>
             <a:r>
               <a:rPr lang="es-ES" dirty="0" err="1"/>
-              <a:t>Izena</a:t>
+              <a:t>i</a:t>
             </a:r>
+            <a:r>
+              <a:rPr lang="es-ES" dirty="0" err="1" smtClean="0"/>
+              <a:t>zena</a:t>
+            </a:r>
+            <a:endParaRPr lang="es-ES" dirty="0"/>
           </a:p>
         </p:txBody>
       </p:sp>
@@ -18388,6 +18974,29 @@
           </a:prstGeom>
         </p:spPr>
       </p:pic>
+      <p:sp>
+        <p:nvSpPr>
+          <p:cNvPr id="6" name="Diapositibaren zenbakiaren leku-marka 5"/>
+          <p:cNvSpPr>
+            <a:spLocks noGrp="1"/>
+          </p:cNvSpPr>
+          <p:nvPr>
+            <p:ph type="sldNum" sz="quarter" idx="12"/>
+          </p:nvPr>
+        </p:nvSpPr>
+        <p:spPr/>
+        <p:txBody>
+          <a:bodyPr/>
+          <a:lstStyle/>
+          <a:p>
+            <a:fld id="{A933338F-8713-4FAC-B8DB-603627AA4C3E}" type="slidenum">
+              <a:rPr lang="es-ES" smtClean="0"/>
+              <a:t>3</a:t>
+            </a:fld>
+            <a:endParaRPr lang="es-ES"/>
+          </a:p>
+        </p:txBody>
+      </p:sp>
     </p:spTree>
     <p:extLst>
       <p:ext uri="{BB962C8B-B14F-4D97-AF65-F5344CB8AC3E}">
@@ -18513,7 +19122,7 @@
             </a:r>
             <a:r>
               <a:rPr lang="es-ES" dirty="0" err="1" smtClean="0"/>
-              <a:t>kudeatzeko</a:t>
+              <a:t>txertatzeko</a:t>
             </a:r>
             <a:r>
               <a:rPr lang="es-ES" dirty="0" smtClean="0"/>
@@ -18553,6 +19162,29 @@
           </a:prstGeom>
         </p:spPr>
       </p:pic>
+      <p:sp>
+        <p:nvSpPr>
+          <p:cNvPr id="5" name="Diapositibaren zenbakiaren leku-marka 4"/>
+          <p:cNvSpPr>
+            <a:spLocks noGrp="1"/>
+          </p:cNvSpPr>
+          <p:nvPr>
+            <p:ph type="sldNum" sz="quarter" idx="12"/>
+          </p:nvPr>
+        </p:nvSpPr>
+        <p:spPr/>
+        <p:txBody>
+          <a:bodyPr/>
+          <a:lstStyle/>
+          <a:p>
+            <a:fld id="{A933338F-8713-4FAC-B8DB-603627AA4C3E}" type="slidenum">
+              <a:rPr lang="es-ES" smtClean="0"/>
+              <a:t>4</a:t>
+            </a:fld>
+            <a:endParaRPr lang="es-ES"/>
+          </a:p>
+        </p:txBody>
+      </p:sp>
     </p:spTree>
     <p:extLst>
       <p:ext uri="{BB962C8B-B14F-4D97-AF65-F5344CB8AC3E}">
@@ -18771,6 +19403,29 @@
               <a:t> taula.</a:t>
             </a:r>
             <a:endParaRPr lang="es-ES" dirty="0"/>
+          </a:p>
+        </p:txBody>
+      </p:sp>
+      <p:sp>
+        <p:nvSpPr>
+          <p:cNvPr id="2" name="Diapositibaren zenbakiaren leku-marka 1"/>
+          <p:cNvSpPr>
+            <a:spLocks noGrp="1"/>
+          </p:cNvSpPr>
+          <p:nvPr>
+            <p:ph type="sldNum" sz="quarter" idx="12"/>
+          </p:nvPr>
+        </p:nvSpPr>
+        <p:spPr/>
+        <p:txBody>
+          <a:bodyPr/>
+          <a:lstStyle/>
+          <a:p>
+            <a:fld id="{A933338F-8713-4FAC-B8DB-603627AA4C3E}" type="slidenum">
+              <a:rPr lang="es-ES" smtClean="0"/>
+              <a:t>5</a:t>
+            </a:fld>
+            <a:endParaRPr lang="es-ES"/>
           </a:p>
         </p:txBody>
       </p:sp>
@@ -18989,6 +19644,29 @@
           </a:p>
         </p:txBody>
       </p:sp>
+      <p:sp>
+        <p:nvSpPr>
+          <p:cNvPr id="4" name="Diapositibaren zenbakiaren leku-marka 3"/>
+          <p:cNvSpPr>
+            <a:spLocks noGrp="1"/>
+          </p:cNvSpPr>
+          <p:nvPr>
+            <p:ph type="sldNum" sz="quarter" idx="12"/>
+          </p:nvPr>
+        </p:nvSpPr>
+        <p:spPr/>
+        <p:txBody>
+          <a:bodyPr/>
+          <a:lstStyle/>
+          <a:p>
+            <a:fld id="{A933338F-8713-4FAC-B8DB-603627AA4C3E}" type="slidenum">
+              <a:rPr lang="es-ES" smtClean="0"/>
+              <a:t>6</a:t>
+            </a:fld>
+            <a:endParaRPr lang="es-ES"/>
+          </a:p>
+        </p:txBody>
+      </p:sp>
     </p:spTree>
     <p:extLst>
       <p:ext uri="{BB962C8B-B14F-4D97-AF65-F5344CB8AC3E}">
@@ -19128,6 +19806,29 @@
           </a:xfrm>
         </p:spPr>
       </p:pic>
+      <p:sp>
+        <p:nvSpPr>
+          <p:cNvPr id="3" name="Diapositibaren zenbakiaren leku-marka 2"/>
+          <p:cNvSpPr>
+            <a:spLocks noGrp="1"/>
+          </p:cNvSpPr>
+          <p:nvPr>
+            <p:ph type="sldNum" sz="quarter" idx="12"/>
+          </p:nvPr>
+        </p:nvSpPr>
+        <p:spPr/>
+        <p:txBody>
+          <a:bodyPr/>
+          <a:lstStyle/>
+          <a:p>
+            <a:fld id="{A933338F-8713-4FAC-B8DB-603627AA4C3E}" type="slidenum">
+              <a:rPr lang="es-ES" smtClean="0"/>
+              <a:t>7</a:t>
+            </a:fld>
+            <a:endParaRPr lang="es-ES"/>
+          </a:p>
+        </p:txBody>
+      </p:sp>
     </p:spTree>
     <p:extLst>
       <p:ext uri="{BB962C8B-B14F-4D97-AF65-F5344CB8AC3E}">
@@ -19286,6 +19987,29 @@
               <a:rPr lang="es-ES" dirty="0"/>
               <a:t>.</a:t>
             </a:r>
+            <a:endParaRPr lang="es-ES"/>
+          </a:p>
+        </p:txBody>
+      </p:sp>
+      <p:sp>
+        <p:nvSpPr>
+          <p:cNvPr id="3" name="Diapositibaren zenbakiaren leku-marka 2"/>
+          <p:cNvSpPr>
+            <a:spLocks noGrp="1"/>
+          </p:cNvSpPr>
+          <p:nvPr>
+            <p:ph type="sldNum" sz="quarter" idx="12"/>
+          </p:nvPr>
+        </p:nvSpPr>
+        <p:spPr/>
+        <p:txBody>
+          <a:bodyPr/>
+          <a:lstStyle/>
+          <a:p>
+            <a:fld id="{A933338F-8713-4FAC-B8DB-603627AA4C3E}" type="slidenum">
+              <a:rPr lang="es-ES" smtClean="0"/>
+              <a:t>8</a:t>
+            </a:fld>
             <a:endParaRPr lang="es-ES"/>
           </a:p>
         </p:txBody>
@@ -19442,6 +20166,29 @@
               <a:rPr lang="es-ES" dirty="0"/>
               <a:t>)</a:t>
             </a:r>
+          </a:p>
+        </p:txBody>
+      </p:sp>
+      <p:sp>
+        <p:nvSpPr>
+          <p:cNvPr id="4" name="Diapositibaren zenbakiaren leku-marka 3"/>
+          <p:cNvSpPr>
+            <a:spLocks noGrp="1"/>
+          </p:cNvSpPr>
+          <p:nvPr>
+            <p:ph type="sldNum" sz="quarter" idx="12"/>
+          </p:nvPr>
+        </p:nvSpPr>
+        <p:spPr/>
+        <p:txBody>
+          <a:bodyPr/>
+          <a:lstStyle/>
+          <a:p>
+            <a:fld id="{A933338F-8713-4FAC-B8DB-603627AA4C3E}" type="slidenum">
+              <a:rPr lang="es-ES" smtClean="0"/>
+              <a:t>9</a:t>
+            </a:fld>
+            <a:endParaRPr lang="es-ES"/>
           </a:p>
         </p:txBody>
       </p:sp>

--- a/Aurkezpena/Aurkezpena_5.taldea_2.sprint.pptx
+++ b/Aurkezpena/Aurkezpena_5.taldea_2.sprint.pptx
@@ -14,10 +14,10 @@
     <p:sldId id="259" r:id="rId5"/>
     <p:sldId id="260" r:id="rId6"/>
     <p:sldId id="275" r:id="rId7"/>
-    <p:sldId id="263" r:id="rId8"/>
-    <p:sldId id="261" r:id="rId9"/>
-    <p:sldId id="262" r:id="rId10"/>
-    <p:sldId id="266" r:id="rId11"/>
+    <p:sldId id="261" r:id="rId8"/>
+    <p:sldId id="262" r:id="rId9"/>
+    <p:sldId id="266" r:id="rId10"/>
+    <p:sldId id="263" r:id="rId11"/>
     <p:sldId id="273" r:id="rId12"/>
     <p:sldId id="264" r:id="rId13"/>
     <p:sldId id="267" r:id="rId14"/>
@@ -489,6 +489,1502 @@
     </a:lvl9pPr>
   </p:notesStyle>
 </p:notesMaster>
+</file>
+
+<file path=ppt/notesSlides/notesSlide1.xml><?xml version="1.0" encoding="utf-8"?>
+<p:notes xmlns:a="http://schemas.openxmlformats.org/drawingml/2006/main" xmlns:r="http://schemas.openxmlformats.org/officeDocument/2006/relationships" xmlns:p="http://schemas.openxmlformats.org/presentationml/2006/main">
+  <p:cSld>
+    <p:spTree>
+      <p:nvGrpSpPr>
+        <p:cNvPr id="1" name=""/>
+        <p:cNvGrpSpPr/>
+        <p:nvPr/>
+      </p:nvGrpSpPr>
+      <p:grpSpPr>
+        <a:xfrm>
+          <a:off x="0" y="0"/>
+          <a:ext cx="0" cy="0"/>
+          <a:chOff x="0" y="0"/>
+          <a:chExt cx="0" cy="0"/>
+        </a:xfrm>
+      </p:grpSpPr>
+      <p:sp>
+        <p:nvSpPr>
+          <p:cNvPr id="2" name="Diapositibaren irudiaren leku-marka 1"/>
+          <p:cNvSpPr>
+            <a:spLocks noGrp="1" noRot="1" noChangeAspect="1"/>
+          </p:cNvSpPr>
+          <p:nvPr>
+            <p:ph type="sldImg"/>
+          </p:nvPr>
+        </p:nvSpPr>
+        <p:spPr/>
+      </p:sp>
+      <p:sp>
+        <p:nvSpPr>
+          <p:cNvPr id="3" name="Oharren leku-marka 2"/>
+          <p:cNvSpPr>
+            <a:spLocks noGrp="1"/>
+          </p:cNvSpPr>
+          <p:nvPr>
+            <p:ph type="body" idx="1"/>
+          </p:nvPr>
+        </p:nvSpPr>
+        <p:spPr/>
+        <p:txBody>
+          <a:bodyPr/>
+          <a:lstStyle/>
+          <a:p>
+            <a:r>
+              <a:rPr lang="eu-ES" dirty="0" smtClean="0"/>
+              <a:t>Aritz</a:t>
+            </a:r>
+            <a:endParaRPr lang="eu-ES" dirty="0"/>
+          </a:p>
+        </p:txBody>
+      </p:sp>
+      <p:sp>
+        <p:nvSpPr>
+          <p:cNvPr id="4" name="Diapositibaren zenbakiaren leku-marka 3"/>
+          <p:cNvSpPr>
+            <a:spLocks noGrp="1"/>
+          </p:cNvSpPr>
+          <p:nvPr>
+            <p:ph type="sldNum" sz="quarter" idx="10"/>
+          </p:nvPr>
+        </p:nvSpPr>
+        <p:spPr/>
+        <p:txBody>
+          <a:bodyPr/>
+          <a:lstStyle/>
+          <a:p>
+            <a:fld id="{91E5604F-4A60-4958-AF15-A5D99394F0AF}" type="slidenum">
+              <a:rPr lang="es-ES" smtClean="0"/>
+              <a:t>3</a:t>
+            </a:fld>
+            <a:endParaRPr lang="es-ES"/>
+          </a:p>
+        </p:txBody>
+      </p:sp>
+    </p:spTree>
+    <p:extLst>
+      <p:ext uri="{BB962C8B-B14F-4D97-AF65-F5344CB8AC3E}">
+        <p14:creationId xmlns:p14="http://schemas.microsoft.com/office/powerpoint/2010/main" val="495895801"/>
+      </p:ext>
+    </p:extLst>
+  </p:cSld>
+  <p:clrMapOvr>
+    <a:masterClrMapping/>
+  </p:clrMapOvr>
+</p:notes>
+</file>
+
+<file path=ppt/notesSlides/notesSlide10.xml><?xml version="1.0" encoding="utf-8"?>
+<p:notes xmlns:a="http://schemas.openxmlformats.org/drawingml/2006/main" xmlns:r="http://schemas.openxmlformats.org/officeDocument/2006/relationships" xmlns:p="http://schemas.openxmlformats.org/presentationml/2006/main">
+  <p:cSld>
+    <p:spTree>
+      <p:nvGrpSpPr>
+        <p:cNvPr id="1" name=""/>
+        <p:cNvGrpSpPr/>
+        <p:nvPr/>
+      </p:nvGrpSpPr>
+      <p:grpSpPr>
+        <a:xfrm>
+          <a:off x="0" y="0"/>
+          <a:ext cx="0" cy="0"/>
+          <a:chOff x="0" y="0"/>
+          <a:chExt cx="0" cy="0"/>
+        </a:xfrm>
+      </p:grpSpPr>
+      <p:sp>
+        <p:nvSpPr>
+          <p:cNvPr id="2" name="Diapositibaren irudiaren leku-marka 1"/>
+          <p:cNvSpPr>
+            <a:spLocks noGrp="1" noRot="1" noChangeAspect="1"/>
+          </p:cNvSpPr>
+          <p:nvPr>
+            <p:ph type="sldImg"/>
+          </p:nvPr>
+        </p:nvSpPr>
+        <p:spPr/>
+      </p:sp>
+      <p:sp>
+        <p:nvSpPr>
+          <p:cNvPr id="3" name="Oharren leku-marka 2"/>
+          <p:cNvSpPr>
+            <a:spLocks noGrp="1"/>
+          </p:cNvSpPr>
+          <p:nvPr>
+            <p:ph type="body" idx="1"/>
+          </p:nvPr>
+        </p:nvSpPr>
+        <p:spPr/>
+        <p:txBody>
+          <a:bodyPr/>
+          <a:lstStyle/>
+          <a:p>
+            <a:r>
+              <a:rPr lang="eu-ES" dirty="0" smtClean="0"/>
+              <a:t>Iñigo</a:t>
+            </a:r>
+            <a:endParaRPr lang="eu-ES" dirty="0"/>
+          </a:p>
+        </p:txBody>
+      </p:sp>
+      <p:sp>
+        <p:nvSpPr>
+          <p:cNvPr id="4" name="Diapositibaren zenbakiaren leku-marka 3"/>
+          <p:cNvSpPr>
+            <a:spLocks noGrp="1"/>
+          </p:cNvSpPr>
+          <p:nvPr>
+            <p:ph type="sldNum" sz="quarter" idx="10"/>
+          </p:nvPr>
+        </p:nvSpPr>
+        <p:spPr/>
+        <p:txBody>
+          <a:bodyPr/>
+          <a:lstStyle/>
+          <a:p>
+            <a:fld id="{91E5604F-4A60-4958-AF15-A5D99394F0AF}" type="slidenum">
+              <a:rPr lang="es-ES" smtClean="0"/>
+              <a:t>12</a:t>
+            </a:fld>
+            <a:endParaRPr lang="es-ES"/>
+          </a:p>
+        </p:txBody>
+      </p:sp>
+    </p:spTree>
+    <p:extLst>
+      <p:ext uri="{BB962C8B-B14F-4D97-AF65-F5344CB8AC3E}">
+        <p14:creationId xmlns:p14="http://schemas.microsoft.com/office/powerpoint/2010/main" val="1297644382"/>
+      </p:ext>
+    </p:extLst>
+  </p:cSld>
+  <p:clrMapOvr>
+    <a:masterClrMapping/>
+  </p:clrMapOvr>
+</p:notes>
+</file>
+
+<file path=ppt/notesSlides/notesSlide11.xml><?xml version="1.0" encoding="utf-8"?>
+<p:notes xmlns:a="http://schemas.openxmlformats.org/drawingml/2006/main" xmlns:r="http://schemas.openxmlformats.org/officeDocument/2006/relationships" xmlns:p="http://schemas.openxmlformats.org/presentationml/2006/main">
+  <p:cSld>
+    <p:spTree>
+      <p:nvGrpSpPr>
+        <p:cNvPr id="1" name=""/>
+        <p:cNvGrpSpPr/>
+        <p:nvPr/>
+      </p:nvGrpSpPr>
+      <p:grpSpPr>
+        <a:xfrm>
+          <a:off x="0" y="0"/>
+          <a:ext cx="0" cy="0"/>
+          <a:chOff x="0" y="0"/>
+          <a:chExt cx="0" cy="0"/>
+        </a:xfrm>
+      </p:grpSpPr>
+      <p:sp>
+        <p:nvSpPr>
+          <p:cNvPr id="2" name="Diapositibaren irudiaren leku-marka 1"/>
+          <p:cNvSpPr>
+            <a:spLocks noGrp="1" noRot="1" noChangeAspect="1"/>
+          </p:cNvSpPr>
+          <p:nvPr>
+            <p:ph type="sldImg"/>
+          </p:nvPr>
+        </p:nvSpPr>
+        <p:spPr/>
+      </p:sp>
+      <p:sp>
+        <p:nvSpPr>
+          <p:cNvPr id="3" name="Oharren leku-marka 2"/>
+          <p:cNvSpPr>
+            <a:spLocks noGrp="1"/>
+          </p:cNvSpPr>
+          <p:nvPr>
+            <p:ph type="body" idx="1"/>
+          </p:nvPr>
+        </p:nvSpPr>
+        <p:spPr/>
+        <p:txBody>
+          <a:bodyPr/>
+          <a:lstStyle/>
+          <a:p>
+            <a:r>
+              <a:rPr lang="eu-ES" dirty="0" smtClean="0"/>
+              <a:t>Iñigo</a:t>
+            </a:r>
+            <a:endParaRPr lang="eu-ES" dirty="0"/>
+          </a:p>
+        </p:txBody>
+      </p:sp>
+      <p:sp>
+        <p:nvSpPr>
+          <p:cNvPr id="4" name="Diapositibaren zenbakiaren leku-marka 3"/>
+          <p:cNvSpPr>
+            <a:spLocks noGrp="1"/>
+          </p:cNvSpPr>
+          <p:nvPr>
+            <p:ph type="sldNum" sz="quarter" idx="10"/>
+          </p:nvPr>
+        </p:nvSpPr>
+        <p:spPr/>
+        <p:txBody>
+          <a:bodyPr/>
+          <a:lstStyle/>
+          <a:p>
+            <a:fld id="{91E5604F-4A60-4958-AF15-A5D99394F0AF}" type="slidenum">
+              <a:rPr lang="es-ES" smtClean="0"/>
+              <a:t>13</a:t>
+            </a:fld>
+            <a:endParaRPr lang="es-ES"/>
+          </a:p>
+        </p:txBody>
+      </p:sp>
+    </p:spTree>
+    <p:extLst>
+      <p:ext uri="{BB962C8B-B14F-4D97-AF65-F5344CB8AC3E}">
+        <p14:creationId xmlns:p14="http://schemas.microsoft.com/office/powerpoint/2010/main" val="139710031"/>
+      </p:ext>
+    </p:extLst>
+  </p:cSld>
+  <p:clrMapOvr>
+    <a:masterClrMapping/>
+  </p:clrMapOvr>
+</p:notes>
+</file>
+
+<file path=ppt/notesSlides/notesSlide12.xml><?xml version="1.0" encoding="utf-8"?>
+<p:notes xmlns:a="http://schemas.openxmlformats.org/drawingml/2006/main" xmlns:r="http://schemas.openxmlformats.org/officeDocument/2006/relationships" xmlns:p="http://schemas.openxmlformats.org/presentationml/2006/main">
+  <p:cSld>
+    <p:spTree>
+      <p:nvGrpSpPr>
+        <p:cNvPr id="1" name=""/>
+        <p:cNvGrpSpPr/>
+        <p:nvPr/>
+      </p:nvGrpSpPr>
+      <p:grpSpPr>
+        <a:xfrm>
+          <a:off x="0" y="0"/>
+          <a:ext cx="0" cy="0"/>
+          <a:chOff x="0" y="0"/>
+          <a:chExt cx="0" cy="0"/>
+        </a:xfrm>
+      </p:grpSpPr>
+      <p:sp>
+        <p:nvSpPr>
+          <p:cNvPr id="2" name="Diapositibaren irudiaren leku-marka 1"/>
+          <p:cNvSpPr>
+            <a:spLocks noGrp="1" noRot="1" noChangeAspect="1"/>
+          </p:cNvSpPr>
+          <p:nvPr>
+            <p:ph type="sldImg"/>
+          </p:nvPr>
+        </p:nvSpPr>
+        <p:spPr/>
+      </p:sp>
+      <p:sp>
+        <p:nvSpPr>
+          <p:cNvPr id="3" name="Oharren leku-marka 2"/>
+          <p:cNvSpPr>
+            <a:spLocks noGrp="1"/>
+          </p:cNvSpPr>
+          <p:nvPr>
+            <p:ph type="body" idx="1"/>
+          </p:nvPr>
+        </p:nvSpPr>
+        <p:spPr/>
+        <p:txBody>
+          <a:bodyPr/>
+          <a:lstStyle/>
+          <a:p>
+            <a:r>
+              <a:rPr lang="eu-ES" dirty="0" smtClean="0"/>
+              <a:t>Julen</a:t>
+            </a:r>
+            <a:endParaRPr lang="eu-ES" dirty="0"/>
+          </a:p>
+        </p:txBody>
+      </p:sp>
+      <p:sp>
+        <p:nvSpPr>
+          <p:cNvPr id="4" name="Diapositibaren zenbakiaren leku-marka 3"/>
+          <p:cNvSpPr>
+            <a:spLocks noGrp="1"/>
+          </p:cNvSpPr>
+          <p:nvPr>
+            <p:ph type="sldNum" sz="quarter" idx="10"/>
+          </p:nvPr>
+        </p:nvSpPr>
+        <p:spPr/>
+        <p:txBody>
+          <a:bodyPr/>
+          <a:lstStyle/>
+          <a:p>
+            <a:fld id="{91E5604F-4A60-4958-AF15-A5D99394F0AF}" type="slidenum">
+              <a:rPr lang="es-ES" smtClean="0"/>
+              <a:t>14</a:t>
+            </a:fld>
+            <a:endParaRPr lang="es-ES"/>
+          </a:p>
+        </p:txBody>
+      </p:sp>
+    </p:spTree>
+    <p:extLst>
+      <p:ext uri="{BB962C8B-B14F-4D97-AF65-F5344CB8AC3E}">
+        <p14:creationId xmlns:p14="http://schemas.microsoft.com/office/powerpoint/2010/main" val="1586600404"/>
+      </p:ext>
+    </p:extLst>
+  </p:cSld>
+  <p:clrMapOvr>
+    <a:masterClrMapping/>
+  </p:clrMapOvr>
+</p:notes>
+</file>
+
+<file path=ppt/notesSlides/notesSlide13.xml><?xml version="1.0" encoding="utf-8"?>
+<p:notes xmlns:a="http://schemas.openxmlformats.org/drawingml/2006/main" xmlns:r="http://schemas.openxmlformats.org/officeDocument/2006/relationships" xmlns:p="http://schemas.openxmlformats.org/presentationml/2006/main">
+  <p:cSld>
+    <p:spTree>
+      <p:nvGrpSpPr>
+        <p:cNvPr id="1" name=""/>
+        <p:cNvGrpSpPr/>
+        <p:nvPr/>
+      </p:nvGrpSpPr>
+      <p:grpSpPr>
+        <a:xfrm>
+          <a:off x="0" y="0"/>
+          <a:ext cx="0" cy="0"/>
+          <a:chOff x="0" y="0"/>
+          <a:chExt cx="0" cy="0"/>
+        </a:xfrm>
+      </p:grpSpPr>
+      <p:sp>
+        <p:nvSpPr>
+          <p:cNvPr id="2" name="Diapositibaren irudiaren leku-marka 1"/>
+          <p:cNvSpPr>
+            <a:spLocks noGrp="1" noRot="1" noChangeAspect="1"/>
+          </p:cNvSpPr>
+          <p:nvPr>
+            <p:ph type="sldImg"/>
+          </p:nvPr>
+        </p:nvSpPr>
+        <p:spPr/>
+      </p:sp>
+      <p:sp>
+        <p:nvSpPr>
+          <p:cNvPr id="3" name="Oharren leku-marka 2"/>
+          <p:cNvSpPr>
+            <a:spLocks noGrp="1"/>
+          </p:cNvSpPr>
+          <p:nvPr>
+            <p:ph type="body" idx="1"/>
+          </p:nvPr>
+        </p:nvSpPr>
+        <p:spPr/>
+        <p:txBody>
+          <a:bodyPr/>
+          <a:lstStyle/>
+          <a:p>
+            <a:r>
+              <a:rPr lang="eu-ES" dirty="0" smtClean="0"/>
+              <a:t>Julen</a:t>
+            </a:r>
+            <a:endParaRPr lang="eu-ES" dirty="0"/>
+          </a:p>
+        </p:txBody>
+      </p:sp>
+      <p:sp>
+        <p:nvSpPr>
+          <p:cNvPr id="4" name="Diapositibaren zenbakiaren leku-marka 3"/>
+          <p:cNvSpPr>
+            <a:spLocks noGrp="1"/>
+          </p:cNvSpPr>
+          <p:nvPr>
+            <p:ph type="sldNum" sz="quarter" idx="10"/>
+          </p:nvPr>
+        </p:nvSpPr>
+        <p:spPr/>
+        <p:txBody>
+          <a:bodyPr/>
+          <a:lstStyle/>
+          <a:p>
+            <a:fld id="{91E5604F-4A60-4958-AF15-A5D99394F0AF}" type="slidenum">
+              <a:rPr lang="es-ES" smtClean="0"/>
+              <a:t>15</a:t>
+            </a:fld>
+            <a:endParaRPr lang="es-ES"/>
+          </a:p>
+        </p:txBody>
+      </p:sp>
+    </p:spTree>
+    <p:extLst>
+      <p:ext uri="{BB962C8B-B14F-4D97-AF65-F5344CB8AC3E}">
+        <p14:creationId xmlns:p14="http://schemas.microsoft.com/office/powerpoint/2010/main" val="3181768802"/>
+      </p:ext>
+    </p:extLst>
+  </p:cSld>
+  <p:clrMapOvr>
+    <a:masterClrMapping/>
+  </p:clrMapOvr>
+</p:notes>
+</file>
+
+<file path=ppt/notesSlides/notesSlide14.xml><?xml version="1.0" encoding="utf-8"?>
+<p:notes xmlns:a="http://schemas.openxmlformats.org/drawingml/2006/main" xmlns:r="http://schemas.openxmlformats.org/officeDocument/2006/relationships" xmlns:p="http://schemas.openxmlformats.org/presentationml/2006/main">
+  <p:cSld>
+    <p:spTree>
+      <p:nvGrpSpPr>
+        <p:cNvPr id="1" name=""/>
+        <p:cNvGrpSpPr/>
+        <p:nvPr/>
+      </p:nvGrpSpPr>
+      <p:grpSpPr>
+        <a:xfrm>
+          <a:off x="0" y="0"/>
+          <a:ext cx="0" cy="0"/>
+          <a:chOff x="0" y="0"/>
+          <a:chExt cx="0" cy="0"/>
+        </a:xfrm>
+      </p:grpSpPr>
+      <p:sp>
+        <p:nvSpPr>
+          <p:cNvPr id="2" name="Diapositibaren irudiaren leku-marka 1"/>
+          <p:cNvSpPr>
+            <a:spLocks noGrp="1" noRot="1" noChangeAspect="1"/>
+          </p:cNvSpPr>
+          <p:nvPr>
+            <p:ph type="sldImg"/>
+          </p:nvPr>
+        </p:nvSpPr>
+        <p:spPr/>
+      </p:sp>
+      <p:sp>
+        <p:nvSpPr>
+          <p:cNvPr id="3" name="Oharren leku-marka 2"/>
+          <p:cNvSpPr>
+            <a:spLocks noGrp="1"/>
+          </p:cNvSpPr>
+          <p:nvPr>
+            <p:ph type="body" idx="1"/>
+          </p:nvPr>
+        </p:nvSpPr>
+        <p:spPr/>
+        <p:txBody>
+          <a:bodyPr/>
+          <a:lstStyle/>
+          <a:p>
+            <a:r>
+              <a:rPr lang="eu-ES" dirty="0" smtClean="0"/>
+              <a:t>Julen</a:t>
+            </a:r>
+            <a:endParaRPr lang="eu-ES" dirty="0"/>
+          </a:p>
+        </p:txBody>
+      </p:sp>
+      <p:sp>
+        <p:nvSpPr>
+          <p:cNvPr id="4" name="Diapositibaren zenbakiaren leku-marka 3"/>
+          <p:cNvSpPr>
+            <a:spLocks noGrp="1"/>
+          </p:cNvSpPr>
+          <p:nvPr>
+            <p:ph type="sldNum" sz="quarter" idx="10"/>
+          </p:nvPr>
+        </p:nvSpPr>
+        <p:spPr/>
+        <p:txBody>
+          <a:bodyPr/>
+          <a:lstStyle/>
+          <a:p>
+            <a:fld id="{91E5604F-4A60-4958-AF15-A5D99394F0AF}" type="slidenum">
+              <a:rPr lang="es-ES" smtClean="0"/>
+              <a:t>16</a:t>
+            </a:fld>
+            <a:endParaRPr lang="es-ES"/>
+          </a:p>
+        </p:txBody>
+      </p:sp>
+    </p:spTree>
+    <p:extLst>
+      <p:ext uri="{BB962C8B-B14F-4D97-AF65-F5344CB8AC3E}">
+        <p14:creationId xmlns:p14="http://schemas.microsoft.com/office/powerpoint/2010/main" val="160375378"/>
+      </p:ext>
+    </p:extLst>
+  </p:cSld>
+  <p:clrMapOvr>
+    <a:masterClrMapping/>
+  </p:clrMapOvr>
+</p:notes>
+</file>
+
+<file path=ppt/notesSlides/notesSlide15.xml><?xml version="1.0" encoding="utf-8"?>
+<p:notes xmlns:a="http://schemas.openxmlformats.org/drawingml/2006/main" xmlns:r="http://schemas.openxmlformats.org/officeDocument/2006/relationships" xmlns:p="http://schemas.openxmlformats.org/presentationml/2006/main">
+  <p:cSld>
+    <p:spTree>
+      <p:nvGrpSpPr>
+        <p:cNvPr id="1" name=""/>
+        <p:cNvGrpSpPr/>
+        <p:nvPr/>
+      </p:nvGrpSpPr>
+      <p:grpSpPr>
+        <a:xfrm>
+          <a:off x="0" y="0"/>
+          <a:ext cx="0" cy="0"/>
+          <a:chOff x="0" y="0"/>
+          <a:chExt cx="0" cy="0"/>
+        </a:xfrm>
+      </p:grpSpPr>
+      <p:sp>
+        <p:nvSpPr>
+          <p:cNvPr id="2" name="Diapositibaren irudiaren leku-marka 1"/>
+          <p:cNvSpPr>
+            <a:spLocks noGrp="1" noRot="1" noChangeAspect="1"/>
+          </p:cNvSpPr>
+          <p:nvPr>
+            <p:ph type="sldImg"/>
+          </p:nvPr>
+        </p:nvSpPr>
+        <p:spPr/>
+      </p:sp>
+      <p:sp>
+        <p:nvSpPr>
+          <p:cNvPr id="3" name="Oharren leku-marka 2"/>
+          <p:cNvSpPr>
+            <a:spLocks noGrp="1"/>
+          </p:cNvSpPr>
+          <p:nvPr>
+            <p:ph type="body" idx="1"/>
+          </p:nvPr>
+        </p:nvSpPr>
+        <p:spPr/>
+        <p:txBody>
+          <a:bodyPr/>
+          <a:lstStyle/>
+          <a:p>
+            <a:r>
+              <a:rPr lang="eu-ES" dirty="0" smtClean="0"/>
+              <a:t>Julen</a:t>
+            </a:r>
+            <a:endParaRPr lang="eu-ES" dirty="0"/>
+          </a:p>
+        </p:txBody>
+      </p:sp>
+      <p:sp>
+        <p:nvSpPr>
+          <p:cNvPr id="4" name="Diapositibaren zenbakiaren leku-marka 3"/>
+          <p:cNvSpPr>
+            <a:spLocks noGrp="1"/>
+          </p:cNvSpPr>
+          <p:nvPr>
+            <p:ph type="sldNum" sz="quarter" idx="10"/>
+          </p:nvPr>
+        </p:nvSpPr>
+        <p:spPr/>
+        <p:txBody>
+          <a:bodyPr/>
+          <a:lstStyle/>
+          <a:p>
+            <a:fld id="{91E5604F-4A60-4958-AF15-A5D99394F0AF}" type="slidenum">
+              <a:rPr lang="es-ES" smtClean="0"/>
+              <a:t>17</a:t>
+            </a:fld>
+            <a:endParaRPr lang="es-ES"/>
+          </a:p>
+        </p:txBody>
+      </p:sp>
+    </p:spTree>
+    <p:extLst>
+      <p:ext uri="{BB962C8B-B14F-4D97-AF65-F5344CB8AC3E}">
+        <p14:creationId xmlns:p14="http://schemas.microsoft.com/office/powerpoint/2010/main" val="2611356372"/>
+      </p:ext>
+    </p:extLst>
+  </p:cSld>
+  <p:clrMapOvr>
+    <a:masterClrMapping/>
+  </p:clrMapOvr>
+</p:notes>
+</file>
+
+<file path=ppt/notesSlides/notesSlide16.xml><?xml version="1.0" encoding="utf-8"?>
+<p:notes xmlns:a="http://schemas.openxmlformats.org/drawingml/2006/main" xmlns:r="http://schemas.openxmlformats.org/officeDocument/2006/relationships" xmlns:p="http://schemas.openxmlformats.org/presentationml/2006/main">
+  <p:cSld>
+    <p:spTree>
+      <p:nvGrpSpPr>
+        <p:cNvPr id="1" name=""/>
+        <p:cNvGrpSpPr/>
+        <p:nvPr/>
+      </p:nvGrpSpPr>
+      <p:grpSpPr>
+        <a:xfrm>
+          <a:off x="0" y="0"/>
+          <a:ext cx="0" cy="0"/>
+          <a:chOff x="0" y="0"/>
+          <a:chExt cx="0" cy="0"/>
+        </a:xfrm>
+      </p:grpSpPr>
+      <p:sp>
+        <p:nvSpPr>
+          <p:cNvPr id="2" name="Diapositibaren irudiaren leku-marka 1"/>
+          <p:cNvSpPr>
+            <a:spLocks noGrp="1" noRot="1" noChangeAspect="1"/>
+          </p:cNvSpPr>
+          <p:nvPr>
+            <p:ph type="sldImg"/>
+          </p:nvPr>
+        </p:nvSpPr>
+        <p:spPr/>
+      </p:sp>
+      <p:sp>
+        <p:nvSpPr>
+          <p:cNvPr id="3" name="Oharren leku-marka 2"/>
+          <p:cNvSpPr>
+            <a:spLocks noGrp="1"/>
+          </p:cNvSpPr>
+          <p:nvPr>
+            <p:ph type="body" idx="1"/>
+          </p:nvPr>
+        </p:nvSpPr>
+        <p:spPr/>
+        <p:txBody>
+          <a:bodyPr/>
+          <a:lstStyle/>
+          <a:p>
+            <a:r>
+              <a:rPr lang="eu-ES" dirty="0" smtClean="0"/>
+              <a:t>Iñigo</a:t>
+            </a:r>
+            <a:endParaRPr lang="eu-ES" dirty="0"/>
+          </a:p>
+        </p:txBody>
+      </p:sp>
+      <p:sp>
+        <p:nvSpPr>
+          <p:cNvPr id="4" name="Diapositibaren zenbakiaren leku-marka 3"/>
+          <p:cNvSpPr>
+            <a:spLocks noGrp="1"/>
+          </p:cNvSpPr>
+          <p:nvPr>
+            <p:ph type="sldNum" sz="quarter" idx="10"/>
+          </p:nvPr>
+        </p:nvSpPr>
+        <p:spPr/>
+        <p:txBody>
+          <a:bodyPr/>
+          <a:lstStyle/>
+          <a:p>
+            <a:fld id="{91E5604F-4A60-4958-AF15-A5D99394F0AF}" type="slidenum">
+              <a:rPr lang="es-ES" smtClean="0"/>
+              <a:t>18</a:t>
+            </a:fld>
+            <a:endParaRPr lang="es-ES"/>
+          </a:p>
+        </p:txBody>
+      </p:sp>
+    </p:spTree>
+    <p:extLst>
+      <p:ext uri="{BB962C8B-B14F-4D97-AF65-F5344CB8AC3E}">
+        <p14:creationId xmlns:p14="http://schemas.microsoft.com/office/powerpoint/2010/main" val="2196998737"/>
+      </p:ext>
+    </p:extLst>
+  </p:cSld>
+  <p:clrMapOvr>
+    <a:masterClrMapping/>
+  </p:clrMapOvr>
+</p:notes>
+</file>
+
+<file path=ppt/notesSlides/notesSlide17.xml><?xml version="1.0" encoding="utf-8"?>
+<p:notes xmlns:a="http://schemas.openxmlformats.org/drawingml/2006/main" xmlns:r="http://schemas.openxmlformats.org/officeDocument/2006/relationships" xmlns:p="http://schemas.openxmlformats.org/presentationml/2006/main">
+  <p:cSld>
+    <p:spTree>
+      <p:nvGrpSpPr>
+        <p:cNvPr id="1" name=""/>
+        <p:cNvGrpSpPr/>
+        <p:nvPr/>
+      </p:nvGrpSpPr>
+      <p:grpSpPr>
+        <a:xfrm>
+          <a:off x="0" y="0"/>
+          <a:ext cx="0" cy="0"/>
+          <a:chOff x="0" y="0"/>
+          <a:chExt cx="0" cy="0"/>
+        </a:xfrm>
+      </p:grpSpPr>
+      <p:sp>
+        <p:nvSpPr>
+          <p:cNvPr id="2" name="Diapositibaren irudiaren leku-marka 1"/>
+          <p:cNvSpPr>
+            <a:spLocks noGrp="1" noRot="1" noChangeAspect="1"/>
+          </p:cNvSpPr>
+          <p:nvPr>
+            <p:ph type="sldImg"/>
+          </p:nvPr>
+        </p:nvSpPr>
+        <p:spPr/>
+      </p:sp>
+      <p:sp>
+        <p:nvSpPr>
+          <p:cNvPr id="3" name="Oharren leku-marka 2"/>
+          <p:cNvSpPr>
+            <a:spLocks noGrp="1"/>
+          </p:cNvSpPr>
+          <p:nvPr>
+            <p:ph type="body" idx="1"/>
+          </p:nvPr>
+        </p:nvSpPr>
+        <p:spPr/>
+        <p:txBody>
+          <a:bodyPr/>
+          <a:lstStyle/>
+          <a:p>
+            <a:r>
+              <a:rPr lang="eu-ES" dirty="0" smtClean="0"/>
+              <a:t>Iñigo</a:t>
+            </a:r>
+            <a:endParaRPr lang="eu-ES" dirty="0"/>
+          </a:p>
+        </p:txBody>
+      </p:sp>
+      <p:sp>
+        <p:nvSpPr>
+          <p:cNvPr id="4" name="Diapositibaren zenbakiaren leku-marka 3"/>
+          <p:cNvSpPr>
+            <a:spLocks noGrp="1"/>
+          </p:cNvSpPr>
+          <p:nvPr>
+            <p:ph type="sldNum" sz="quarter" idx="10"/>
+          </p:nvPr>
+        </p:nvSpPr>
+        <p:spPr/>
+        <p:txBody>
+          <a:bodyPr/>
+          <a:lstStyle/>
+          <a:p>
+            <a:fld id="{91E5604F-4A60-4958-AF15-A5D99394F0AF}" type="slidenum">
+              <a:rPr lang="es-ES" smtClean="0"/>
+              <a:t>19</a:t>
+            </a:fld>
+            <a:endParaRPr lang="es-ES"/>
+          </a:p>
+        </p:txBody>
+      </p:sp>
+    </p:spTree>
+    <p:extLst>
+      <p:ext uri="{BB962C8B-B14F-4D97-AF65-F5344CB8AC3E}">
+        <p14:creationId xmlns:p14="http://schemas.microsoft.com/office/powerpoint/2010/main" val="1087724099"/>
+      </p:ext>
+    </p:extLst>
+  </p:cSld>
+  <p:clrMapOvr>
+    <a:masterClrMapping/>
+  </p:clrMapOvr>
+</p:notes>
+</file>
+
+<file path=ppt/notesSlides/notesSlide2.xml><?xml version="1.0" encoding="utf-8"?>
+<p:notes xmlns:a="http://schemas.openxmlformats.org/drawingml/2006/main" xmlns:r="http://schemas.openxmlformats.org/officeDocument/2006/relationships" xmlns:p="http://schemas.openxmlformats.org/presentationml/2006/main">
+  <p:cSld>
+    <p:spTree>
+      <p:nvGrpSpPr>
+        <p:cNvPr id="1" name=""/>
+        <p:cNvGrpSpPr/>
+        <p:nvPr/>
+      </p:nvGrpSpPr>
+      <p:grpSpPr>
+        <a:xfrm>
+          <a:off x="0" y="0"/>
+          <a:ext cx="0" cy="0"/>
+          <a:chOff x="0" y="0"/>
+          <a:chExt cx="0" cy="0"/>
+        </a:xfrm>
+      </p:grpSpPr>
+      <p:sp>
+        <p:nvSpPr>
+          <p:cNvPr id="2" name="Diapositibaren irudiaren leku-marka 1"/>
+          <p:cNvSpPr>
+            <a:spLocks noGrp="1" noRot="1" noChangeAspect="1"/>
+          </p:cNvSpPr>
+          <p:nvPr>
+            <p:ph type="sldImg"/>
+          </p:nvPr>
+        </p:nvSpPr>
+        <p:spPr/>
+      </p:sp>
+      <p:sp>
+        <p:nvSpPr>
+          <p:cNvPr id="3" name="Oharren leku-marka 2"/>
+          <p:cNvSpPr>
+            <a:spLocks noGrp="1"/>
+          </p:cNvSpPr>
+          <p:nvPr>
+            <p:ph type="body" idx="1"/>
+          </p:nvPr>
+        </p:nvSpPr>
+        <p:spPr/>
+        <p:txBody>
+          <a:bodyPr/>
+          <a:lstStyle/>
+          <a:p>
+            <a:r>
+              <a:rPr lang="eu-ES" dirty="0" smtClean="0"/>
+              <a:t>Aritz</a:t>
+            </a:r>
+            <a:endParaRPr lang="eu-ES" dirty="0"/>
+          </a:p>
+        </p:txBody>
+      </p:sp>
+      <p:sp>
+        <p:nvSpPr>
+          <p:cNvPr id="4" name="Diapositibaren zenbakiaren leku-marka 3"/>
+          <p:cNvSpPr>
+            <a:spLocks noGrp="1"/>
+          </p:cNvSpPr>
+          <p:nvPr>
+            <p:ph type="sldNum" sz="quarter" idx="10"/>
+          </p:nvPr>
+        </p:nvSpPr>
+        <p:spPr/>
+        <p:txBody>
+          <a:bodyPr/>
+          <a:lstStyle/>
+          <a:p>
+            <a:fld id="{91E5604F-4A60-4958-AF15-A5D99394F0AF}" type="slidenum">
+              <a:rPr lang="es-ES" smtClean="0"/>
+              <a:t>4</a:t>
+            </a:fld>
+            <a:endParaRPr lang="es-ES"/>
+          </a:p>
+        </p:txBody>
+      </p:sp>
+    </p:spTree>
+    <p:extLst>
+      <p:ext uri="{BB962C8B-B14F-4D97-AF65-F5344CB8AC3E}">
+        <p14:creationId xmlns:p14="http://schemas.microsoft.com/office/powerpoint/2010/main" val="1461973608"/>
+      </p:ext>
+    </p:extLst>
+  </p:cSld>
+  <p:clrMapOvr>
+    <a:masterClrMapping/>
+  </p:clrMapOvr>
+</p:notes>
+</file>
+
+<file path=ppt/notesSlides/notesSlide3.xml><?xml version="1.0" encoding="utf-8"?>
+<p:notes xmlns:a="http://schemas.openxmlformats.org/drawingml/2006/main" xmlns:r="http://schemas.openxmlformats.org/officeDocument/2006/relationships" xmlns:p="http://schemas.openxmlformats.org/presentationml/2006/main">
+  <p:cSld>
+    <p:spTree>
+      <p:nvGrpSpPr>
+        <p:cNvPr id="1" name=""/>
+        <p:cNvGrpSpPr/>
+        <p:nvPr/>
+      </p:nvGrpSpPr>
+      <p:grpSpPr>
+        <a:xfrm>
+          <a:off x="0" y="0"/>
+          <a:ext cx="0" cy="0"/>
+          <a:chOff x="0" y="0"/>
+          <a:chExt cx="0" cy="0"/>
+        </a:xfrm>
+      </p:grpSpPr>
+      <p:sp>
+        <p:nvSpPr>
+          <p:cNvPr id="2" name="Diapositibaren irudiaren leku-marka 1"/>
+          <p:cNvSpPr>
+            <a:spLocks noGrp="1" noRot="1" noChangeAspect="1"/>
+          </p:cNvSpPr>
+          <p:nvPr>
+            <p:ph type="sldImg"/>
+          </p:nvPr>
+        </p:nvSpPr>
+        <p:spPr/>
+      </p:sp>
+      <p:sp>
+        <p:nvSpPr>
+          <p:cNvPr id="3" name="Oharren leku-marka 2"/>
+          <p:cNvSpPr>
+            <a:spLocks noGrp="1"/>
+          </p:cNvSpPr>
+          <p:nvPr>
+            <p:ph type="body" idx="1"/>
+          </p:nvPr>
+        </p:nvSpPr>
+        <p:spPr/>
+        <p:txBody>
+          <a:bodyPr/>
+          <a:lstStyle/>
+          <a:p>
+            <a:r>
+              <a:rPr lang="eu-ES" dirty="0" smtClean="0"/>
+              <a:t>Aritz</a:t>
+            </a:r>
+            <a:endParaRPr lang="eu-ES" dirty="0"/>
+          </a:p>
+        </p:txBody>
+      </p:sp>
+      <p:sp>
+        <p:nvSpPr>
+          <p:cNvPr id="4" name="Diapositibaren zenbakiaren leku-marka 3"/>
+          <p:cNvSpPr>
+            <a:spLocks noGrp="1"/>
+          </p:cNvSpPr>
+          <p:nvPr>
+            <p:ph type="sldNum" sz="quarter" idx="10"/>
+          </p:nvPr>
+        </p:nvSpPr>
+        <p:spPr/>
+        <p:txBody>
+          <a:bodyPr/>
+          <a:lstStyle/>
+          <a:p>
+            <a:fld id="{91E5604F-4A60-4958-AF15-A5D99394F0AF}" type="slidenum">
+              <a:rPr lang="es-ES" smtClean="0"/>
+              <a:t>5</a:t>
+            </a:fld>
+            <a:endParaRPr lang="es-ES"/>
+          </a:p>
+        </p:txBody>
+      </p:sp>
+    </p:spTree>
+    <p:extLst>
+      <p:ext uri="{BB962C8B-B14F-4D97-AF65-F5344CB8AC3E}">
+        <p14:creationId xmlns:p14="http://schemas.microsoft.com/office/powerpoint/2010/main" val="2504041417"/>
+      </p:ext>
+    </p:extLst>
+  </p:cSld>
+  <p:clrMapOvr>
+    <a:masterClrMapping/>
+  </p:clrMapOvr>
+</p:notes>
+</file>
+
+<file path=ppt/notesSlides/notesSlide4.xml><?xml version="1.0" encoding="utf-8"?>
+<p:notes xmlns:a="http://schemas.openxmlformats.org/drawingml/2006/main" xmlns:r="http://schemas.openxmlformats.org/officeDocument/2006/relationships" xmlns:p="http://schemas.openxmlformats.org/presentationml/2006/main">
+  <p:cSld>
+    <p:spTree>
+      <p:nvGrpSpPr>
+        <p:cNvPr id="1" name=""/>
+        <p:cNvGrpSpPr/>
+        <p:nvPr/>
+      </p:nvGrpSpPr>
+      <p:grpSpPr>
+        <a:xfrm>
+          <a:off x="0" y="0"/>
+          <a:ext cx="0" cy="0"/>
+          <a:chOff x="0" y="0"/>
+          <a:chExt cx="0" cy="0"/>
+        </a:xfrm>
+      </p:grpSpPr>
+      <p:sp>
+        <p:nvSpPr>
+          <p:cNvPr id="2" name="Diapositibaren irudiaren leku-marka 1"/>
+          <p:cNvSpPr>
+            <a:spLocks noGrp="1" noRot="1" noChangeAspect="1"/>
+          </p:cNvSpPr>
+          <p:nvPr>
+            <p:ph type="sldImg"/>
+          </p:nvPr>
+        </p:nvSpPr>
+        <p:spPr/>
+      </p:sp>
+      <p:sp>
+        <p:nvSpPr>
+          <p:cNvPr id="3" name="Oharren leku-marka 2"/>
+          <p:cNvSpPr>
+            <a:spLocks noGrp="1"/>
+          </p:cNvSpPr>
+          <p:nvPr>
+            <p:ph type="body" idx="1"/>
+          </p:nvPr>
+        </p:nvSpPr>
+        <p:spPr/>
+        <p:txBody>
+          <a:bodyPr/>
+          <a:lstStyle/>
+          <a:p>
+            <a:r>
+              <a:rPr lang="eu-ES" dirty="0" smtClean="0"/>
+              <a:t>Aritz</a:t>
+            </a:r>
+            <a:endParaRPr lang="eu-ES" dirty="0"/>
+          </a:p>
+        </p:txBody>
+      </p:sp>
+      <p:sp>
+        <p:nvSpPr>
+          <p:cNvPr id="4" name="Diapositibaren zenbakiaren leku-marka 3"/>
+          <p:cNvSpPr>
+            <a:spLocks noGrp="1"/>
+          </p:cNvSpPr>
+          <p:nvPr>
+            <p:ph type="sldNum" sz="quarter" idx="10"/>
+          </p:nvPr>
+        </p:nvSpPr>
+        <p:spPr/>
+        <p:txBody>
+          <a:bodyPr/>
+          <a:lstStyle/>
+          <a:p>
+            <a:fld id="{91E5604F-4A60-4958-AF15-A5D99394F0AF}" type="slidenum">
+              <a:rPr lang="es-ES" smtClean="0"/>
+              <a:t>6</a:t>
+            </a:fld>
+            <a:endParaRPr lang="es-ES"/>
+          </a:p>
+        </p:txBody>
+      </p:sp>
+    </p:spTree>
+    <p:extLst>
+      <p:ext uri="{BB962C8B-B14F-4D97-AF65-F5344CB8AC3E}">
+        <p14:creationId xmlns:p14="http://schemas.microsoft.com/office/powerpoint/2010/main" val="1663232471"/>
+      </p:ext>
+    </p:extLst>
+  </p:cSld>
+  <p:clrMapOvr>
+    <a:masterClrMapping/>
+  </p:clrMapOvr>
+</p:notes>
+</file>
+
+<file path=ppt/notesSlides/notesSlide5.xml><?xml version="1.0" encoding="utf-8"?>
+<p:notes xmlns:a="http://schemas.openxmlformats.org/drawingml/2006/main" xmlns:r="http://schemas.openxmlformats.org/officeDocument/2006/relationships" xmlns:p="http://schemas.openxmlformats.org/presentationml/2006/main">
+  <p:cSld>
+    <p:spTree>
+      <p:nvGrpSpPr>
+        <p:cNvPr id="1" name=""/>
+        <p:cNvGrpSpPr/>
+        <p:nvPr/>
+      </p:nvGrpSpPr>
+      <p:grpSpPr>
+        <a:xfrm>
+          <a:off x="0" y="0"/>
+          <a:ext cx="0" cy="0"/>
+          <a:chOff x="0" y="0"/>
+          <a:chExt cx="0" cy="0"/>
+        </a:xfrm>
+      </p:grpSpPr>
+      <p:sp>
+        <p:nvSpPr>
+          <p:cNvPr id="2" name="Diapositibaren irudiaren leku-marka 1"/>
+          <p:cNvSpPr>
+            <a:spLocks noGrp="1" noRot="1" noChangeAspect="1"/>
+          </p:cNvSpPr>
+          <p:nvPr>
+            <p:ph type="sldImg"/>
+          </p:nvPr>
+        </p:nvSpPr>
+        <p:spPr/>
+      </p:sp>
+      <p:sp>
+        <p:nvSpPr>
+          <p:cNvPr id="3" name="Oharren leku-marka 2"/>
+          <p:cNvSpPr>
+            <a:spLocks noGrp="1"/>
+          </p:cNvSpPr>
+          <p:nvPr>
+            <p:ph type="body" idx="1"/>
+          </p:nvPr>
+        </p:nvSpPr>
+        <p:spPr/>
+        <p:txBody>
+          <a:bodyPr/>
+          <a:lstStyle/>
+          <a:p>
+            <a:r>
+              <a:rPr lang="eu-ES" dirty="0" smtClean="0"/>
+              <a:t>Aritz</a:t>
+            </a:r>
+            <a:endParaRPr lang="eu-ES" dirty="0"/>
+          </a:p>
+        </p:txBody>
+      </p:sp>
+      <p:sp>
+        <p:nvSpPr>
+          <p:cNvPr id="4" name="Diapositibaren zenbakiaren leku-marka 3"/>
+          <p:cNvSpPr>
+            <a:spLocks noGrp="1"/>
+          </p:cNvSpPr>
+          <p:nvPr>
+            <p:ph type="sldNum" sz="quarter" idx="10"/>
+          </p:nvPr>
+        </p:nvSpPr>
+        <p:spPr/>
+        <p:txBody>
+          <a:bodyPr/>
+          <a:lstStyle/>
+          <a:p>
+            <a:fld id="{91E5604F-4A60-4958-AF15-A5D99394F0AF}" type="slidenum">
+              <a:rPr lang="es-ES" smtClean="0"/>
+              <a:t>7</a:t>
+            </a:fld>
+            <a:endParaRPr lang="es-ES"/>
+          </a:p>
+        </p:txBody>
+      </p:sp>
+    </p:spTree>
+    <p:extLst>
+      <p:ext uri="{BB962C8B-B14F-4D97-AF65-F5344CB8AC3E}">
+        <p14:creationId xmlns:p14="http://schemas.microsoft.com/office/powerpoint/2010/main" val="2098224103"/>
+      </p:ext>
+    </p:extLst>
+  </p:cSld>
+  <p:clrMapOvr>
+    <a:masterClrMapping/>
+  </p:clrMapOvr>
+</p:notes>
+</file>
+
+<file path=ppt/notesSlides/notesSlide6.xml><?xml version="1.0" encoding="utf-8"?>
+<p:notes xmlns:a="http://schemas.openxmlformats.org/drawingml/2006/main" xmlns:r="http://schemas.openxmlformats.org/officeDocument/2006/relationships" xmlns:p="http://schemas.openxmlformats.org/presentationml/2006/main">
+  <p:cSld>
+    <p:spTree>
+      <p:nvGrpSpPr>
+        <p:cNvPr id="1" name=""/>
+        <p:cNvGrpSpPr/>
+        <p:nvPr/>
+      </p:nvGrpSpPr>
+      <p:grpSpPr>
+        <a:xfrm>
+          <a:off x="0" y="0"/>
+          <a:ext cx="0" cy="0"/>
+          <a:chOff x="0" y="0"/>
+          <a:chExt cx="0" cy="0"/>
+        </a:xfrm>
+      </p:grpSpPr>
+      <p:sp>
+        <p:nvSpPr>
+          <p:cNvPr id="2" name="Diapositibaren irudiaren leku-marka 1"/>
+          <p:cNvSpPr>
+            <a:spLocks noGrp="1" noRot="1" noChangeAspect="1"/>
+          </p:cNvSpPr>
+          <p:nvPr>
+            <p:ph type="sldImg"/>
+          </p:nvPr>
+        </p:nvSpPr>
+        <p:spPr/>
+      </p:sp>
+      <p:sp>
+        <p:nvSpPr>
+          <p:cNvPr id="3" name="Oharren leku-marka 2"/>
+          <p:cNvSpPr>
+            <a:spLocks noGrp="1"/>
+          </p:cNvSpPr>
+          <p:nvPr>
+            <p:ph type="body" idx="1"/>
+          </p:nvPr>
+        </p:nvSpPr>
+        <p:spPr/>
+        <p:txBody>
+          <a:bodyPr/>
+          <a:lstStyle/>
+          <a:p>
+            <a:r>
+              <a:rPr lang="eu-ES" dirty="0" smtClean="0"/>
+              <a:t>Aritz</a:t>
+            </a:r>
+            <a:endParaRPr lang="eu-ES" dirty="0"/>
+          </a:p>
+        </p:txBody>
+      </p:sp>
+      <p:sp>
+        <p:nvSpPr>
+          <p:cNvPr id="4" name="Diapositibaren zenbakiaren leku-marka 3"/>
+          <p:cNvSpPr>
+            <a:spLocks noGrp="1"/>
+          </p:cNvSpPr>
+          <p:nvPr>
+            <p:ph type="sldNum" sz="quarter" idx="10"/>
+          </p:nvPr>
+        </p:nvSpPr>
+        <p:spPr/>
+        <p:txBody>
+          <a:bodyPr/>
+          <a:lstStyle/>
+          <a:p>
+            <a:fld id="{91E5604F-4A60-4958-AF15-A5D99394F0AF}" type="slidenum">
+              <a:rPr lang="es-ES" smtClean="0"/>
+              <a:t>8</a:t>
+            </a:fld>
+            <a:endParaRPr lang="es-ES"/>
+          </a:p>
+        </p:txBody>
+      </p:sp>
+    </p:spTree>
+    <p:extLst>
+      <p:ext uri="{BB962C8B-B14F-4D97-AF65-F5344CB8AC3E}">
+        <p14:creationId xmlns:p14="http://schemas.microsoft.com/office/powerpoint/2010/main" val="530235804"/>
+      </p:ext>
+    </p:extLst>
+  </p:cSld>
+  <p:clrMapOvr>
+    <a:masterClrMapping/>
+  </p:clrMapOvr>
+</p:notes>
+</file>
+
+<file path=ppt/notesSlides/notesSlide7.xml><?xml version="1.0" encoding="utf-8"?>
+<p:notes xmlns:a="http://schemas.openxmlformats.org/drawingml/2006/main" xmlns:r="http://schemas.openxmlformats.org/officeDocument/2006/relationships" xmlns:p="http://schemas.openxmlformats.org/presentationml/2006/main">
+  <p:cSld>
+    <p:spTree>
+      <p:nvGrpSpPr>
+        <p:cNvPr id="1" name=""/>
+        <p:cNvGrpSpPr/>
+        <p:nvPr/>
+      </p:nvGrpSpPr>
+      <p:grpSpPr>
+        <a:xfrm>
+          <a:off x="0" y="0"/>
+          <a:ext cx="0" cy="0"/>
+          <a:chOff x="0" y="0"/>
+          <a:chExt cx="0" cy="0"/>
+        </a:xfrm>
+      </p:grpSpPr>
+      <p:sp>
+        <p:nvSpPr>
+          <p:cNvPr id="2" name="Diapositibaren irudiaren leku-marka 1"/>
+          <p:cNvSpPr>
+            <a:spLocks noGrp="1" noRot="1" noChangeAspect="1"/>
+          </p:cNvSpPr>
+          <p:nvPr>
+            <p:ph type="sldImg"/>
+          </p:nvPr>
+        </p:nvSpPr>
+        <p:spPr/>
+      </p:sp>
+      <p:sp>
+        <p:nvSpPr>
+          <p:cNvPr id="3" name="Oharren leku-marka 2"/>
+          <p:cNvSpPr>
+            <a:spLocks noGrp="1"/>
+          </p:cNvSpPr>
+          <p:nvPr>
+            <p:ph type="body" idx="1"/>
+          </p:nvPr>
+        </p:nvSpPr>
+        <p:spPr/>
+        <p:txBody>
+          <a:bodyPr/>
+          <a:lstStyle/>
+          <a:p>
+            <a:r>
+              <a:rPr lang="eu-ES" dirty="0" smtClean="0"/>
+              <a:t>Aritz</a:t>
+            </a:r>
+            <a:endParaRPr lang="eu-ES" dirty="0"/>
+          </a:p>
+        </p:txBody>
+      </p:sp>
+      <p:sp>
+        <p:nvSpPr>
+          <p:cNvPr id="4" name="Diapositibaren zenbakiaren leku-marka 3"/>
+          <p:cNvSpPr>
+            <a:spLocks noGrp="1"/>
+          </p:cNvSpPr>
+          <p:nvPr>
+            <p:ph type="sldNum" sz="quarter" idx="10"/>
+          </p:nvPr>
+        </p:nvSpPr>
+        <p:spPr/>
+        <p:txBody>
+          <a:bodyPr/>
+          <a:lstStyle/>
+          <a:p>
+            <a:fld id="{91E5604F-4A60-4958-AF15-A5D99394F0AF}" type="slidenum">
+              <a:rPr lang="es-ES" smtClean="0"/>
+              <a:t>9</a:t>
+            </a:fld>
+            <a:endParaRPr lang="es-ES"/>
+          </a:p>
+        </p:txBody>
+      </p:sp>
+    </p:spTree>
+    <p:extLst>
+      <p:ext uri="{BB962C8B-B14F-4D97-AF65-F5344CB8AC3E}">
+        <p14:creationId xmlns:p14="http://schemas.microsoft.com/office/powerpoint/2010/main" val="11497135"/>
+      </p:ext>
+    </p:extLst>
+  </p:cSld>
+  <p:clrMapOvr>
+    <a:masterClrMapping/>
+  </p:clrMapOvr>
+</p:notes>
+</file>
+
+<file path=ppt/notesSlides/notesSlide8.xml><?xml version="1.0" encoding="utf-8"?>
+<p:notes xmlns:a="http://schemas.openxmlformats.org/drawingml/2006/main" xmlns:r="http://schemas.openxmlformats.org/officeDocument/2006/relationships" xmlns:p="http://schemas.openxmlformats.org/presentationml/2006/main">
+  <p:cSld>
+    <p:spTree>
+      <p:nvGrpSpPr>
+        <p:cNvPr id="1" name=""/>
+        <p:cNvGrpSpPr/>
+        <p:nvPr/>
+      </p:nvGrpSpPr>
+      <p:grpSpPr>
+        <a:xfrm>
+          <a:off x="0" y="0"/>
+          <a:ext cx="0" cy="0"/>
+          <a:chOff x="0" y="0"/>
+          <a:chExt cx="0" cy="0"/>
+        </a:xfrm>
+      </p:grpSpPr>
+      <p:sp>
+        <p:nvSpPr>
+          <p:cNvPr id="2" name="Diapositibaren irudiaren leku-marka 1"/>
+          <p:cNvSpPr>
+            <a:spLocks noGrp="1" noRot="1" noChangeAspect="1"/>
+          </p:cNvSpPr>
+          <p:nvPr>
+            <p:ph type="sldImg"/>
+          </p:nvPr>
+        </p:nvSpPr>
+        <p:spPr/>
+      </p:sp>
+      <p:sp>
+        <p:nvSpPr>
+          <p:cNvPr id="3" name="Oharren leku-marka 2"/>
+          <p:cNvSpPr>
+            <a:spLocks noGrp="1"/>
+          </p:cNvSpPr>
+          <p:nvPr>
+            <p:ph type="body" idx="1"/>
+          </p:nvPr>
+        </p:nvSpPr>
+        <p:spPr/>
+        <p:txBody>
+          <a:bodyPr/>
+          <a:lstStyle/>
+          <a:p>
+            <a:r>
+              <a:rPr lang="eu-ES" dirty="0" smtClean="0"/>
+              <a:t>Aritz</a:t>
+            </a:r>
+            <a:endParaRPr lang="eu-ES" dirty="0"/>
+          </a:p>
+        </p:txBody>
+      </p:sp>
+      <p:sp>
+        <p:nvSpPr>
+          <p:cNvPr id="4" name="Diapositibaren zenbakiaren leku-marka 3"/>
+          <p:cNvSpPr>
+            <a:spLocks noGrp="1"/>
+          </p:cNvSpPr>
+          <p:nvPr>
+            <p:ph type="sldNum" sz="quarter" idx="10"/>
+          </p:nvPr>
+        </p:nvSpPr>
+        <p:spPr/>
+        <p:txBody>
+          <a:bodyPr/>
+          <a:lstStyle/>
+          <a:p>
+            <a:fld id="{91E5604F-4A60-4958-AF15-A5D99394F0AF}" type="slidenum">
+              <a:rPr lang="es-ES" smtClean="0"/>
+              <a:t>10</a:t>
+            </a:fld>
+            <a:endParaRPr lang="es-ES"/>
+          </a:p>
+        </p:txBody>
+      </p:sp>
+    </p:spTree>
+    <p:extLst>
+      <p:ext uri="{BB962C8B-B14F-4D97-AF65-F5344CB8AC3E}">
+        <p14:creationId xmlns:p14="http://schemas.microsoft.com/office/powerpoint/2010/main" val="661440870"/>
+      </p:ext>
+    </p:extLst>
+  </p:cSld>
+  <p:clrMapOvr>
+    <a:masterClrMapping/>
+  </p:clrMapOvr>
+</p:notes>
+</file>
+
+<file path=ppt/notesSlides/notesSlide9.xml><?xml version="1.0" encoding="utf-8"?>
+<p:notes xmlns:a="http://schemas.openxmlformats.org/drawingml/2006/main" xmlns:r="http://schemas.openxmlformats.org/officeDocument/2006/relationships" xmlns:p="http://schemas.openxmlformats.org/presentationml/2006/main">
+  <p:cSld>
+    <p:spTree>
+      <p:nvGrpSpPr>
+        <p:cNvPr id="1" name=""/>
+        <p:cNvGrpSpPr/>
+        <p:nvPr/>
+      </p:nvGrpSpPr>
+      <p:grpSpPr>
+        <a:xfrm>
+          <a:off x="0" y="0"/>
+          <a:ext cx="0" cy="0"/>
+          <a:chOff x="0" y="0"/>
+          <a:chExt cx="0" cy="0"/>
+        </a:xfrm>
+      </p:grpSpPr>
+      <p:sp>
+        <p:nvSpPr>
+          <p:cNvPr id="2" name="Diapositibaren irudiaren leku-marka 1"/>
+          <p:cNvSpPr>
+            <a:spLocks noGrp="1" noRot="1" noChangeAspect="1"/>
+          </p:cNvSpPr>
+          <p:nvPr>
+            <p:ph type="sldImg"/>
+          </p:nvPr>
+        </p:nvSpPr>
+        <p:spPr/>
+      </p:sp>
+      <p:sp>
+        <p:nvSpPr>
+          <p:cNvPr id="3" name="Oharren leku-marka 2"/>
+          <p:cNvSpPr>
+            <a:spLocks noGrp="1"/>
+          </p:cNvSpPr>
+          <p:nvPr>
+            <p:ph type="body" idx="1"/>
+          </p:nvPr>
+        </p:nvSpPr>
+        <p:spPr/>
+        <p:txBody>
+          <a:bodyPr/>
+          <a:lstStyle/>
+          <a:p>
+            <a:r>
+              <a:rPr lang="eu-ES" dirty="0" smtClean="0"/>
+              <a:t>Iñigo</a:t>
+            </a:r>
+            <a:endParaRPr lang="eu-ES" dirty="0"/>
+          </a:p>
+        </p:txBody>
+      </p:sp>
+      <p:sp>
+        <p:nvSpPr>
+          <p:cNvPr id="4" name="Diapositibaren zenbakiaren leku-marka 3"/>
+          <p:cNvSpPr>
+            <a:spLocks noGrp="1"/>
+          </p:cNvSpPr>
+          <p:nvPr>
+            <p:ph type="sldNum" sz="quarter" idx="10"/>
+          </p:nvPr>
+        </p:nvSpPr>
+        <p:spPr/>
+        <p:txBody>
+          <a:bodyPr/>
+          <a:lstStyle/>
+          <a:p>
+            <a:fld id="{91E5604F-4A60-4958-AF15-A5D99394F0AF}" type="slidenum">
+              <a:rPr lang="es-ES" smtClean="0"/>
+              <a:t>11</a:t>
+            </a:fld>
+            <a:endParaRPr lang="es-ES"/>
+          </a:p>
+        </p:txBody>
+      </p:sp>
+    </p:spTree>
+    <p:extLst>
+      <p:ext uri="{BB962C8B-B14F-4D97-AF65-F5344CB8AC3E}">
+        <p14:creationId xmlns:p14="http://schemas.microsoft.com/office/powerpoint/2010/main" val="138962748"/>
+      </p:ext>
+    </p:extLst>
+  </p:cSld>
+  <p:clrMapOvr>
+    <a:masterClrMapping/>
+  </p:clrMapOvr>
+</p:notes>
 </file>
 
 <file path=ppt/slideLayouts/slideLayout1.xml><?xml version="1.0" encoding="utf-8"?>
@@ -16635,148 +18131,111 @@
       </p:grpSpPr>
       <p:sp>
         <p:nvSpPr>
-          <p:cNvPr id="5" name="Rectángulo 4">
+          <p:cNvPr id="2" name="Título 1">
             <a:extLst>
               <a:ext uri="{FF2B5EF4-FFF2-40B4-BE49-F238E27FC236}">
-                <a16:creationId xmlns:a16="http://schemas.microsoft.com/office/drawing/2014/main" id="{64734CE1-C49D-3493-174A-AAEAFE3BDB58}"/>
+                <a16:creationId xmlns:a16="http://schemas.microsoft.com/office/drawing/2014/main" id="{E358F1DC-A750-3D7C-2C23-CDFA22274342}"/>
               </a:ext>
             </a:extLst>
           </p:cNvPr>
-          <p:cNvSpPr/>
-          <p:nvPr/>
+          <p:cNvSpPr>
+            <a:spLocks noGrp="1"/>
+          </p:cNvSpPr>
+          <p:nvPr>
+            <p:ph type="title"/>
+          </p:nvPr>
         </p:nvSpPr>
-        <p:spPr>
-          <a:xfrm>
-            <a:off x="0" y="0"/>
-            <a:ext cx="12191999" cy="1315232"/>
-          </a:xfrm>
-          <a:prstGeom prst="rect">
-            <a:avLst/>
-          </a:prstGeom>
-          <a:ln>
-            <a:solidFill>
-              <a:schemeClr val="accent1"/>
-            </a:solidFill>
-          </a:ln>
-        </p:spPr>
-        <p:style>
-          <a:lnRef idx="2">
-            <a:schemeClr val="accent1">
-              <a:shade val="15000"/>
-            </a:schemeClr>
-          </a:lnRef>
-          <a:fillRef idx="1">
-            <a:schemeClr val="accent1"/>
-          </a:fillRef>
-          <a:effectRef idx="0">
-            <a:schemeClr val="accent1"/>
-          </a:effectRef>
-          <a:fontRef idx="minor">
-            <a:schemeClr val="lt1"/>
-          </a:fontRef>
-        </p:style>
+        <p:spPr/>
         <p:txBody>
-          <a:bodyPr lIns="91440" tIns="45720" rIns="91440" bIns="45720" rtlCol="0" anchor="ctr"/>
+          <a:bodyPr/>
           <a:lstStyle/>
           <a:p>
-            <a:pPr algn="ctr"/>
             <a:r>
-              <a:rPr lang="es-ES" sz="4000" dirty="0" err="1">
-                <a:solidFill>
-                  <a:srgbClr val="FFFEFF"/>
-                </a:solidFill>
-                <a:latin typeface="Calibri Light"/>
+              <a:rPr lang="es-ES" dirty="0" err="1">
+                <a:ea typeface="Calibri Light"/>
+                <a:cs typeface="Calibri Light"/>
+              </a:rPr>
+              <a:t>Paketea</a:t>
+            </a:r>
+            <a:r>
+              <a:rPr lang="es-ES" dirty="0">
+                <a:ea typeface="Calibri Light"/>
+                <a:cs typeface="Calibri Light"/>
+              </a:rPr>
+              <a:t/>
+            </a:r>
+            <a:br>
+              <a:rPr lang="es-ES" dirty="0">
+                <a:ea typeface="Calibri Light"/>
+                <a:cs typeface="Calibri Light"/>
+              </a:rPr>
+            </a:br>
+            <a:r>
+              <a:rPr lang="es-ES" dirty="0">
+                <a:ea typeface="Calibri Light"/>
+                <a:cs typeface="Calibri Light"/>
+              </a:rPr>
+              <a:t>(</a:t>
+            </a:r>
+            <a:r>
+              <a:rPr lang="es-ES" dirty="0" err="1">
                 <a:ea typeface="Calibri Light"/>
                 <a:cs typeface="Calibri Light"/>
               </a:rPr>
               <a:t>Funtzioa</a:t>
             </a:r>
-            <a:endParaRPr lang="es-ES" dirty="0" err="1"/>
-          </a:p>
-        </p:txBody>
-      </p:sp>
-      <p:sp>
-        <p:nvSpPr>
-          <p:cNvPr id="6" name="Rectángulo 5">
-            <a:extLst>
-              <a:ext uri="{FF2B5EF4-FFF2-40B4-BE49-F238E27FC236}">
-                <a16:creationId xmlns:a16="http://schemas.microsoft.com/office/drawing/2014/main" id="{8AACF0A4-ACE4-9E8F-DF40-B06F77E181D1}"/>
-              </a:ext>
-            </a:extLst>
-          </p:cNvPr>
-          <p:cNvSpPr/>
-          <p:nvPr/>
-        </p:nvSpPr>
-        <p:spPr>
-          <a:xfrm>
-            <a:off x="-1" y="177452"/>
-            <a:ext cx="12192000" cy="146136"/>
-          </a:xfrm>
-          <a:prstGeom prst="rect">
-            <a:avLst/>
-          </a:prstGeom>
-          <a:solidFill>
-            <a:schemeClr val="bg1"/>
-          </a:solidFill>
-          <a:ln>
-            <a:solidFill>
-              <a:schemeClr val="bg1"/>
-            </a:solidFill>
-          </a:ln>
-        </p:spPr>
-        <p:style>
-          <a:lnRef idx="2">
-            <a:schemeClr val="accent1">
-              <a:shade val="15000"/>
-            </a:schemeClr>
-          </a:lnRef>
-          <a:fillRef idx="1">
-            <a:schemeClr val="accent1"/>
-          </a:fillRef>
-          <a:effectRef idx="0">
-            <a:schemeClr val="accent1"/>
-          </a:effectRef>
-          <a:fontRef idx="minor">
-            <a:schemeClr val="lt1"/>
-          </a:fontRef>
-        </p:style>
-        <p:txBody>
-          <a:bodyPr rtlCol="0" anchor="ctr"/>
-          <a:lstStyle/>
-          <a:p>
-            <a:pPr algn="ctr"/>
-            <a:endParaRPr lang="es-ES"/>
+            <a:r>
+              <a:rPr lang="es-ES" dirty="0">
+                <a:ea typeface="Calibri Light"/>
+                <a:cs typeface="Calibri Light"/>
+              </a:rPr>
+              <a:t> eta </a:t>
+            </a:r>
+            <a:r>
+              <a:rPr lang="es-ES" dirty="0" err="1">
+                <a:ea typeface="Calibri Light"/>
+                <a:cs typeface="Calibri Light"/>
+              </a:rPr>
+              <a:t>Prozedura</a:t>
+            </a:r>
+            <a:r>
+              <a:rPr lang="es-ES" dirty="0">
+                <a:ea typeface="Calibri Light"/>
+                <a:cs typeface="Calibri Light"/>
+              </a:rPr>
+              <a:t>)</a:t>
+            </a:r>
+            <a:endParaRPr lang="es-ES" dirty="0"/>
           </a:p>
         </p:txBody>
       </p:sp>
       <p:pic>
         <p:nvPicPr>
-          <p:cNvPr id="2" name="Imagen 1" descr="Tabla&#10;&#10;Descripción generada automáticamente">
+          <p:cNvPr id="4" name="Marcador de contenido 3">
             <a:extLst>
               <a:ext uri="{FF2B5EF4-FFF2-40B4-BE49-F238E27FC236}">
-                <a16:creationId xmlns:a16="http://schemas.microsoft.com/office/drawing/2014/main" id="{024E21B2-7551-A96F-19C3-78389FF496BE}"/>
+                <a16:creationId xmlns:a16="http://schemas.microsoft.com/office/drawing/2014/main" id="{3C0A0AFB-C1A1-7882-D88A-E3ACC6B8F977}"/>
               </a:ext>
             </a:extLst>
           </p:cNvPr>
           <p:cNvPicPr>
-            <a:picLocks noChangeAspect="1"/>
+            <a:picLocks noGrp="1" noChangeAspect="1"/>
           </p:cNvPicPr>
-          <p:nvPr/>
+          <p:nvPr>
+            <p:ph idx="1"/>
+          </p:nvPr>
         </p:nvPicPr>
         <p:blipFill>
-          <a:blip r:embed="rId2"/>
+          <a:blip r:embed="rId3"/>
           <a:stretch>
             <a:fillRect/>
           </a:stretch>
         </p:blipFill>
         <p:spPr>
           <a:xfrm>
-            <a:off x="0" y="1592875"/>
-            <a:ext cx="12192000" cy="4141975"/>
+            <a:off x="6091468" y="1712278"/>
+            <a:ext cx="3500762" cy="3503503"/>
           </a:xfrm>
-          <a:prstGeom prst="rect">
-            <a:avLst/>
-          </a:prstGeom>
         </p:spPr>
       </p:pic>
       <p:sp>
@@ -16805,7 +18264,7 @@
     </p:spTree>
     <p:extLst>
       <p:ext uri="{BB962C8B-B14F-4D97-AF65-F5344CB8AC3E}">
-        <p14:creationId xmlns:p14="http://schemas.microsoft.com/office/powerpoint/2010/main" val="2926691120"/>
+        <p14:creationId xmlns:p14="http://schemas.microsoft.com/office/powerpoint/2010/main" val="2074752135"/>
       </p:ext>
     </p:extLst>
   </p:cSld>
@@ -16875,7 +18334,7 @@
           </p:nvPr>
         </p:nvPicPr>
         <p:blipFill rotWithShape="1">
-          <a:blip r:embed="rId2"/>
+          <a:blip r:embed="rId3"/>
           <a:srcRect t="71974" r="24255" b="4521"/>
           <a:stretch/>
         </p:blipFill>
@@ -17079,7 +18538,7 @@
           </p:nvPr>
         </p:nvPicPr>
         <p:blipFill rotWithShape="1">
-          <a:blip r:embed="rId2"/>
+          <a:blip r:embed="rId3"/>
           <a:srcRect l="140" t="78167" r="69503" b="1324"/>
           <a:stretch/>
         </p:blipFill>
@@ -17279,7 +18738,7 @@
           </p:nvPr>
         </p:nvPicPr>
         <p:blipFill>
-          <a:blip r:embed="rId2">
+          <a:blip r:embed="rId3">
             <a:extLst>
               <a:ext uri="{28A0092B-C50C-407E-A947-70E740481C1C}">
                 <a14:useLocalDpi xmlns:a14="http://schemas.microsoft.com/office/drawing/2010/main" val="0"/>
@@ -17400,7 +18859,7 @@
           </p:nvPr>
         </p:nvPicPr>
         <p:blipFill>
-          <a:blip r:embed="rId2">
+          <a:blip r:embed="rId3">
             <a:extLst>
               <a:ext uri="{28A0092B-C50C-407E-A947-70E740481C1C}">
                 <a14:useLocalDpi xmlns:a14="http://schemas.microsoft.com/office/drawing/2010/main" val="0"/>
@@ -17542,7 +19001,7 @@
           </p:nvPr>
         </p:nvPicPr>
         <p:blipFill rotWithShape="1">
-          <a:blip r:embed="rId2"/>
+          <a:blip r:embed="rId3"/>
           <a:srcRect l="564" t="47016" r="21538" b="3746"/>
           <a:stretch/>
         </p:blipFill>
@@ -17770,7 +19229,7 @@
           </p:nvPr>
         </p:nvPicPr>
         <p:blipFill>
-          <a:blip r:embed="rId2"/>
+          <a:blip r:embed="rId3"/>
           <a:stretch>
             <a:fillRect/>
           </a:stretch>
@@ -17884,7 +19343,7 @@
           </p:nvPr>
         </p:nvPicPr>
         <p:blipFill>
-          <a:blip r:embed="rId2"/>
+          <a:blip r:embed="rId3"/>
           <a:stretch>
             <a:fillRect/>
           </a:stretch>
@@ -17999,7 +19458,7 @@
           </p:nvPr>
         </p:nvPicPr>
         <p:blipFill rotWithShape="1">
-          <a:blip r:embed="rId2"/>
+          <a:blip r:embed="rId3"/>
           <a:srcRect t="26717"/>
           <a:stretch/>
         </p:blipFill>
@@ -18028,7 +19487,7 @@
           <p:nvPr/>
         </p:nvPicPr>
         <p:blipFill rotWithShape="1">
-          <a:blip r:embed="rId3"/>
+          <a:blip r:embed="rId4"/>
           <a:srcRect l="579" b="7523"/>
           <a:stretch/>
         </p:blipFill>
@@ -18591,7 +20050,7 @@
           <p:nvPr/>
         </p:nvPicPr>
         <p:blipFill>
-          <a:blip r:embed="rId2"/>
+          <a:blip r:embed="rId3"/>
           <a:stretch>
             <a:fillRect/>
           </a:stretch>
@@ -18621,7 +20080,7 @@
           <p:nvPr/>
         </p:nvPicPr>
         <p:blipFill>
-          <a:blip r:embed="rId3"/>
+          <a:blip r:embed="rId4"/>
           <a:stretch>
             <a:fillRect/>
           </a:stretch>
@@ -18959,7 +20418,7 @@
           <p:nvPr/>
         </p:nvPicPr>
         <p:blipFill>
-          <a:blip r:embed="rId4"/>
+          <a:blip r:embed="rId5"/>
           <a:stretch>
             <a:fillRect/>
           </a:stretch>
@@ -19147,7 +20606,7 @@
           <p:nvPr/>
         </p:nvPicPr>
         <p:blipFill>
-          <a:blip r:embed="rId2"/>
+          <a:blip r:embed="rId3"/>
           <a:stretch>
             <a:fillRect/>
           </a:stretch>
@@ -19230,7 +20689,7 @@
           <p:nvPr/>
         </p:nvPicPr>
         <p:blipFill>
-          <a:blip r:embed="rId2"/>
+          <a:blip r:embed="rId3"/>
           <a:stretch>
             <a:fillRect/>
           </a:stretch>
@@ -19429,6 +20888,36 @@
           </a:p>
         </p:txBody>
       </p:sp>
+      <p:pic>
+        <p:nvPicPr>
+          <p:cNvPr id="3" name="Irudia 2"/>
+          <p:cNvPicPr>
+            <a:picLocks noChangeAspect="1"/>
+          </p:cNvPicPr>
+          <p:nvPr/>
+        </p:nvPicPr>
+        <p:blipFill>
+          <a:blip r:embed="rId4" cstate="print">
+            <a:extLst>
+              <a:ext uri="{28A0092B-C50C-407E-A947-70E740481C1C}">
+                <a14:useLocalDpi xmlns:a14="http://schemas.microsoft.com/office/drawing/2010/main" val="0"/>
+              </a:ext>
+            </a:extLst>
+          </a:blip>
+          <a:stretch>
+            <a:fillRect/>
+          </a:stretch>
+        </p:blipFill>
+        <p:spPr>
+          <a:xfrm>
+            <a:off x="-54784" y="358434"/>
+            <a:ext cx="1188992" cy="956798"/>
+          </a:xfrm>
+          <a:prstGeom prst="rect">
+            <a:avLst/>
+          </a:prstGeom>
+        </p:spPr>
+      </p:pic>
     </p:spTree>
     <p:extLst>
       <p:ext uri="{BB962C8B-B14F-4D97-AF65-F5344CB8AC3E}">
@@ -19595,7 +21084,7 @@
           <p:nvPr/>
         </p:nvPicPr>
         <p:blipFill>
-          <a:blip r:embed="rId2"/>
+          <a:blip r:embed="rId3"/>
           <a:stretch>
             <a:fillRect/>
           </a:stretch>
@@ -19667,6 +21156,36 @@
           </a:p>
         </p:txBody>
       </p:sp>
+      <p:pic>
+        <p:nvPicPr>
+          <p:cNvPr id="7" name="Irudia 6"/>
+          <p:cNvPicPr>
+            <a:picLocks noChangeAspect="1"/>
+          </p:cNvPicPr>
+          <p:nvPr/>
+        </p:nvPicPr>
+        <p:blipFill>
+          <a:blip r:embed="rId4" cstate="print">
+            <a:extLst>
+              <a:ext uri="{28A0092B-C50C-407E-A947-70E740481C1C}">
+                <a14:useLocalDpi xmlns:a14="http://schemas.microsoft.com/office/drawing/2010/main" val="0"/>
+              </a:ext>
+            </a:extLst>
+          </a:blip>
+          <a:stretch>
+            <a:fillRect/>
+          </a:stretch>
+        </p:blipFill>
+        <p:spPr>
+          <a:xfrm>
+            <a:off x="-54784" y="358434"/>
+            <a:ext cx="1188992" cy="956798"/>
+          </a:xfrm>
+          <a:prstGeom prst="rect">
+            <a:avLst/>
+          </a:prstGeom>
+        </p:spPr>
+      </p:pic>
     </p:spTree>
     <p:extLst>
       <p:ext uri="{BB962C8B-B14F-4D97-AF65-F5344CB8AC3E}">
@@ -19702,7 +21221,7 @@
           <p:cNvPr id="2" name="Título 1">
             <a:extLst>
               <a:ext uri="{FF2B5EF4-FFF2-40B4-BE49-F238E27FC236}">
-                <a16:creationId xmlns:a16="http://schemas.microsoft.com/office/drawing/2014/main" id="{E358F1DC-A750-3D7C-2C23-CDFA22274342}"/>
+                <a16:creationId xmlns:a16="http://schemas.microsoft.com/office/drawing/2014/main" id="{529AFB7D-41C0-DAFC-46E3-14E5606B825A}"/>
               </a:ext>
             </a:extLst>
           </p:cNvPr>
@@ -19723,66 +21242,18 @@
                 <a:ea typeface="Calibri Light"/>
                 <a:cs typeface="Calibri Light"/>
               </a:rPr>
-              <a:t>Paketea</a:t>
-            </a:r>
-            <a:r>
-              <a:rPr lang="es-ES" dirty="0">
-                <a:ea typeface="Calibri Light"/>
-                <a:cs typeface="Calibri Light"/>
-              </a:rPr>
-              <a:t/>
-            </a:r>
-            <a:br>
-              <a:rPr lang="es-ES" dirty="0">
-                <a:ea typeface="Calibri Light"/>
-                <a:cs typeface="Calibri Light"/>
-              </a:rPr>
-            </a:br>
-            <a:r>
-              <a:rPr lang="es-ES" dirty="0">
-                <a:ea typeface="Calibri Light"/>
-                <a:cs typeface="Calibri Light"/>
-              </a:rPr>
-              <a:t>(</a:t>
-            </a:r>
-            <a:r>
-              <a:rPr lang="es-ES" dirty="0" err="1">
-                <a:ea typeface="Calibri Light"/>
-                <a:cs typeface="Calibri Light"/>
-              </a:rPr>
-              <a:t>Funtzioa</a:t>
-            </a:r>
-            <a:r>
-              <a:rPr lang="es-ES" dirty="0">
-                <a:ea typeface="Calibri Light"/>
-                <a:cs typeface="Calibri Light"/>
-              </a:rPr>
-              <a:t> eta </a:t>
-            </a:r>
-            <a:r>
-              <a:rPr lang="es-ES" dirty="0" err="1">
-                <a:ea typeface="Calibri Light"/>
-                <a:cs typeface="Calibri Light"/>
-              </a:rPr>
               <a:t>Prozedura</a:t>
             </a:r>
-            <a:r>
-              <a:rPr lang="es-ES" dirty="0">
-                <a:ea typeface="Calibri Light"/>
-                <a:cs typeface="Calibri Light"/>
-              </a:rPr>
-              <a:t>)</a:t>
-            </a:r>
-            <a:endParaRPr lang="es-ES" dirty="0"/>
+            <a:endParaRPr lang="es-ES" dirty="0" err="1"/>
           </a:p>
         </p:txBody>
       </p:sp>
       <p:pic>
         <p:nvPicPr>
-          <p:cNvPr id="4" name="Marcador de contenido 3">
+          <p:cNvPr id="4" name="Marcador de contenido 3" descr="Interfaz de usuario gráfica, Texto, Aplicación&#10;&#10;Descripción generada automáticamente">
             <a:extLst>
               <a:ext uri="{FF2B5EF4-FFF2-40B4-BE49-F238E27FC236}">
-                <a16:creationId xmlns:a16="http://schemas.microsoft.com/office/drawing/2014/main" id="{3C0A0AFB-C1A1-7882-D88A-E3ACC6B8F977}"/>
+                <a16:creationId xmlns:a16="http://schemas.microsoft.com/office/drawing/2014/main" id="{A7825EE3-6422-BD5E-5259-8C2B543DE673}"/>
               </a:ext>
             </a:extLst>
           </p:cNvPr>
@@ -19794,121 +21265,7 @@
           </p:nvPr>
         </p:nvPicPr>
         <p:blipFill>
-          <a:blip r:embed="rId2"/>
-          <a:stretch>
-            <a:fillRect/>
-          </a:stretch>
-        </p:blipFill>
-        <p:spPr>
-          <a:xfrm>
-            <a:off x="6091468" y="1712278"/>
-            <a:ext cx="3500762" cy="3503503"/>
-          </a:xfrm>
-        </p:spPr>
-      </p:pic>
-      <p:sp>
-        <p:nvSpPr>
-          <p:cNvPr id="3" name="Diapositibaren zenbakiaren leku-marka 2"/>
-          <p:cNvSpPr>
-            <a:spLocks noGrp="1"/>
-          </p:cNvSpPr>
-          <p:nvPr>
-            <p:ph type="sldNum" sz="quarter" idx="12"/>
-          </p:nvPr>
-        </p:nvSpPr>
-        <p:spPr/>
-        <p:txBody>
-          <a:bodyPr/>
-          <a:lstStyle/>
-          <a:p>
-            <a:fld id="{A933338F-8713-4FAC-B8DB-603627AA4C3E}" type="slidenum">
-              <a:rPr lang="es-ES" smtClean="0"/>
-              <a:t>7</a:t>
-            </a:fld>
-            <a:endParaRPr lang="es-ES"/>
-          </a:p>
-        </p:txBody>
-      </p:sp>
-    </p:spTree>
-    <p:extLst>
-      <p:ext uri="{BB962C8B-B14F-4D97-AF65-F5344CB8AC3E}">
-        <p14:creationId xmlns:p14="http://schemas.microsoft.com/office/powerpoint/2010/main" val="2074752135"/>
-      </p:ext>
-    </p:extLst>
-  </p:cSld>
-  <p:clrMapOvr>
-    <a:masterClrMapping/>
-  </p:clrMapOvr>
-</p:sld>
-</file>
-
-<file path=ppt/slides/slide8.xml><?xml version="1.0" encoding="utf-8"?>
-<p:sld xmlns:a="http://schemas.openxmlformats.org/drawingml/2006/main" xmlns:r="http://schemas.openxmlformats.org/officeDocument/2006/relationships" xmlns:p="http://schemas.openxmlformats.org/presentationml/2006/main">
-  <p:cSld>
-    <p:spTree>
-      <p:nvGrpSpPr>
-        <p:cNvPr id="1" name=""/>
-        <p:cNvGrpSpPr/>
-        <p:nvPr/>
-      </p:nvGrpSpPr>
-      <p:grpSpPr>
-        <a:xfrm>
-          <a:off x="0" y="0"/>
-          <a:ext cx="0" cy="0"/>
-          <a:chOff x="0" y="0"/>
-          <a:chExt cx="0" cy="0"/>
-        </a:xfrm>
-      </p:grpSpPr>
-      <p:sp>
-        <p:nvSpPr>
-          <p:cNvPr id="2" name="Título 1">
-            <a:extLst>
-              <a:ext uri="{FF2B5EF4-FFF2-40B4-BE49-F238E27FC236}">
-                <a16:creationId xmlns:a16="http://schemas.microsoft.com/office/drawing/2014/main" id="{529AFB7D-41C0-DAFC-46E3-14E5606B825A}"/>
-              </a:ext>
-            </a:extLst>
-          </p:cNvPr>
-          <p:cNvSpPr>
-            <a:spLocks noGrp="1"/>
-          </p:cNvSpPr>
-          <p:nvPr>
-            <p:ph type="title"/>
-          </p:nvPr>
-        </p:nvSpPr>
-        <p:spPr/>
-        <p:txBody>
-          <a:bodyPr/>
-          <a:lstStyle/>
-          <a:p>
-            <a:r>
-              <a:rPr lang="es-ES" dirty="0" err="1">
-                <a:ea typeface="Calibri Light"/>
-                <a:cs typeface="Calibri Light"/>
-              </a:rPr>
-              <a:t>Prozedura</a:t>
-            </a:r>
-            <a:endParaRPr lang="es-ES" dirty="0" err="1"/>
-          </a:p>
-        </p:txBody>
-      </p:sp>
-      <p:pic>
-        <p:nvPicPr>
-          <p:cNvPr id="4" name="Marcador de contenido 3" descr="Interfaz de usuario gráfica, Texto, Aplicación&#10;&#10;Descripción generada automáticamente">
-            <a:extLst>
-              <a:ext uri="{FF2B5EF4-FFF2-40B4-BE49-F238E27FC236}">
-                <a16:creationId xmlns:a16="http://schemas.microsoft.com/office/drawing/2014/main" id="{A7825EE3-6422-BD5E-5259-8C2B543DE673}"/>
-              </a:ext>
-            </a:extLst>
-          </p:cNvPr>
-          <p:cNvPicPr>
-            <a:picLocks noGrp="1" noChangeAspect="1"/>
-          </p:cNvPicPr>
-          <p:nvPr>
-            <p:ph idx="1"/>
-          </p:nvPr>
-        </p:nvPicPr>
-        <p:blipFill>
-          <a:blip r:embed="rId2"/>
+          <a:blip r:embed="rId3"/>
           <a:stretch>
             <a:fillRect/>
           </a:stretch>
@@ -20008,7 +21365,7 @@
           <a:p>
             <a:fld id="{A933338F-8713-4FAC-B8DB-603627AA4C3E}" type="slidenum">
               <a:rPr lang="es-ES" smtClean="0"/>
-              <a:t>8</a:t>
+              <a:t>7</a:t>
             </a:fld>
             <a:endParaRPr lang="es-ES"/>
           </a:p>
@@ -20027,7 +21384,7 @@
 </p:sld>
 </file>
 
-<file path=ppt/slides/slide9.xml><?xml version="1.0" encoding="utf-8"?>
+<file path=ppt/slides/slide8.xml><?xml version="1.0" encoding="utf-8"?>
 <p:sld xmlns:a="http://schemas.openxmlformats.org/drawingml/2006/main" xmlns:r="http://schemas.openxmlformats.org/officeDocument/2006/relationships" xmlns:p="http://schemas.openxmlformats.org/presentationml/2006/main">
   <p:cSld>
     <p:spTree>
@@ -20186,7 +21543,7 @@
           <a:p>
             <a:fld id="{A933338F-8713-4FAC-B8DB-603627AA4C3E}" type="slidenum">
               <a:rPr lang="es-ES" smtClean="0"/>
-              <a:t>9</a:t>
+              <a:t>8</a:t>
             </a:fld>
             <a:endParaRPr lang="es-ES"/>
           </a:p>
@@ -20196,6 +21553,235 @@
     <p:extLst>
       <p:ext uri="{BB962C8B-B14F-4D97-AF65-F5344CB8AC3E}">
         <p14:creationId xmlns:p14="http://schemas.microsoft.com/office/powerpoint/2010/main" val="4211898060"/>
+      </p:ext>
+    </p:extLst>
+  </p:cSld>
+  <p:clrMapOvr>
+    <a:masterClrMapping/>
+  </p:clrMapOvr>
+</p:sld>
+</file>
+
+<file path=ppt/slides/slide9.xml><?xml version="1.0" encoding="utf-8"?>
+<p:sld xmlns:a="http://schemas.openxmlformats.org/drawingml/2006/main" xmlns:r="http://schemas.openxmlformats.org/officeDocument/2006/relationships" xmlns:p="http://schemas.openxmlformats.org/presentationml/2006/main">
+  <p:cSld>
+    <p:spTree>
+      <p:nvGrpSpPr>
+        <p:cNvPr id="1" name=""/>
+        <p:cNvGrpSpPr/>
+        <p:nvPr/>
+      </p:nvGrpSpPr>
+      <p:grpSpPr>
+        <a:xfrm>
+          <a:off x="0" y="0"/>
+          <a:ext cx="0" cy="0"/>
+          <a:chOff x="0" y="0"/>
+          <a:chExt cx="0" cy="0"/>
+        </a:xfrm>
+      </p:grpSpPr>
+      <p:sp>
+        <p:nvSpPr>
+          <p:cNvPr id="5" name="Rectángulo 4">
+            <a:extLst>
+              <a:ext uri="{FF2B5EF4-FFF2-40B4-BE49-F238E27FC236}">
+                <a16:creationId xmlns:a16="http://schemas.microsoft.com/office/drawing/2014/main" id="{64734CE1-C49D-3493-174A-AAEAFE3BDB58}"/>
+              </a:ext>
+            </a:extLst>
+          </p:cNvPr>
+          <p:cNvSpPr/>
+          <p:nvPr/>
+        </p:nvSpPr>
+        <p:spPr>
+          <a:xfrm>
+            <a:off x="0" y="0"/>
+            <a:ext cx="12191999" cy="1315232"/>
+          </a:xfrm>
+          <a:prstGeom prst="rect">
+            <a:avLst/>
+          </a:prstGeom>
+          <a:ln>
+            <a:solidFill>
+              <a:schemeClr val="accent1"/>
+            </a:solidFill>
+          </a:ln>
+        </p:spPr>
+        <p:style>
+          <a:lnRef idx="2">
+            <a:schemeClr val="accent1">
+              <a:shade val="15000"/>
+            </a:schemeClr>
+          </a:lnRef>
+          <a:fillRef idx="1">
+            <a:schemeClr val="accent1"/>
+          </a:fillRef>
+          <a:effectRef idx="0">
+            <a:schemeClr val="accent1"/>
+          </a:effectRef>
+          <a:fontRef idx="minor">
+            <a:schemeClr val="lt1"/>
+          </a:fontRef>
+        </p:style>
+        <p:txBody>
+          <a:bodyPr lIns="91440" tIns="45720" rIns="91440" bIns="45720" rtlCol="0" anchor="ctr"/>
+          <a:lstStyle/>
+          <a:p>
+            <a:pPr algn="ctr"/>
+            <a:r>
+              <a:rPr lang="es-ES" sz="4000" dirty="0" err="1">
+                <a:solidFill>
+                  <a:srgbClr val="FFFEFF"/>
+                </a:solidFill>
+                <a:latin typeface="Calibri Light"/>
+                <a:ea typeface="Calibri Light"/>
+                <a:cs typeface="Calibri Light"/>
+              </a:rPr>
+              <a:t>Funtzioa</a:t>
+            </a:r>
+            <a:endParaRPr lang="es-ES" dirty="0" err="1"/>
+          </a:p>
+        </p:txBody>
+      </p:sp>
+      <p:sp>
+        <p:nvSpPr>
+          <p:cNvPr id="6" name="Rectángulo 5">
+            <a:extLst>
+              <a:ext uri="{FF2B5EF4-FFF2-40B4-BE49-F238E27FC236}">
+                <a16:creationId xmlns:a16="http://schemas.microsoft.com/office/drawing/2014/main" id="{8AACF0A4-ACE4-9E8F-DF40-B06F77E181D1}"/>
+              </a:ext>
+            </a:extLst>
+          </p:cNvPr>
+          <p:cNvSpPr/>
+          <p:nvPr/>
+        </p:nvSpPr>
+        <p:spPr>
+          <a:xfrm>
+            <a:off x="-1" y="177452"/>
+            <a:ext cx="12192000" cy="146136"/>
+          </a:xfrm>
+          <a:prstGeom prst="rect">
+            <a:avLst/>
+          </a:prstGeom>
+          <a:solidFill>
+            <a:schemeClr val="bg1"/>
+          </a:solidFill>
+          <a:ln>
+            <a:solidFill>
+              <a:schemeClr val="bg1"/>
+            </a:solidFill>
+          </a:ln>
+        </p:spPr>
+        <p:style>
+          <a:lnRef idx="2">
+            <a:schemeClr val="accent1">
+              <a:shade val="15000"/>
+            </a:schemeClr>
+          </a:lnRef>
+          <a:fillRef idx="1">
+            <a:schemeClr val="accent1"/>
+          </a:fillRef>
+          <a:effectRef idx="0">
+            <a:schemeClr val="accent1"/>
+          </a:effectRef>
+          <a:fontRef idx="minor">
+            <a:schemeClr val="lt1"/>
+          </a:fontRef>
+        </p:style>
+        <p:txBody>
+          <a:bodyPr rtlCol="0" anchor="ctr"/>
+          <a:lstStyle/>
+          <a:p>
+            <a:pPr algn="ctr"/>
+            <a:endParaRPr lang="es-ES"/>
+          </a:p>
+        </p:txBody>
+      </p:sp>
+      <p:pic>
+        <p:nvPicPr>
+          <p:cNvPr id="2" name="Imagen 1" descr="Tabla&#10;&#10;Descripción generada automáticamente">
+            <a:extLst>
+              <a:ext uri="{FF2B5EF4-FFF2-40B4-BE49-F238E27FC236}">
+                <a16:creationId xmlns:a16="http://schemas.microsoft.com/office/drawing/2014/main" id="{024E21B2-7551-A96F-19C3-78389FF496BE}"/>
+              </a:ext>
+            </a:extLst>
+          </p:cNvPr>
+          <p:cNvPicPr>
+            <a:picLocks noChangeAspect="1"/>
+          </p:cNvPicPr>
+          <p:nvPr/>
+        </p:nvPicPr>
+        <p:blipFill>
+          <a:blip r:embed="rId3"/>
+          <a:stretch>
+            <a:fillRect/>
+          </a:stretch>
+        </p:blipFill>
+        <p:spPr>
+          <a:xfrm>
+            <a:off x="0" y="1592875"/>
+            <a:ext cx="12192000" cy="4141975"/>
+          </a:xfrm>
+          <a:prstGeom prst="rect">
+            <a:avLst/>
+          </a:prstGeom>
+        </p:spPr>
+      </p:pic>
+      <p:sp>
+        <p:nvSpPr>
+          <p:cNvPr id="3" name="Diapositibaren zenbakiaren leku-marka 2"/>
+          <p:cNvSpPr>
+            <a:spLocks noGrp="1"/>
+          </p:cNvSpPr>
+          <p:nvPr>
+            <p:ph type="sldNum" sz="quarter" idx="12"/>
+          </p:nvPr>
+        </p:nvSpPr>
+        <p:spPr/>
+        <p:txBody>
+          <a:bodyPr/>
+          <a:lstStyle/>
+          <a:p>
+            <a:fld id="{A933338F-8713-4FAC-B8DB-603627AA4C3E}" type="slidenum">
+              <a:rPr lang="es-ES" smtClean="0"/>
+              <a:t>9</a:t>
+            </a:fld>
+            <a:endParaRPr lang="es-ES"/>
+          </a:p>
+        </p:txBody>
+      </p:sp>
+      <p:pic>
+        <p:nvPicPr>
+          <p:cNvPr id="7" name="Irudia 6"/>
+          <p:cNvPicPr>
+            <a:picLocks noChangeAspect="1"/>
+          </p:cNvPicPr>
+          <p:nvPr/>
+        </p:nvPicPr>
+        <p:blipFill>
+          <a:blip r:embed="rId4" cstate="print">
+            <a:extLst>
+              <a:ext uri="{28A0092B-C50C-407E-A947-70E740481C1C}">
+                <a14:useLocalDpi xmlns:a14="http://schemas.microsoft.com/office/drawing/2010/main" val="0"/>
+              </a:ext>
+            </a:extLst>
+          </a:blip>
+          <a:stretch>
+            <a:fillRect/>
+          </a:stretch>
+        </p:blipFill>
+        <p:spPr>
+          <a:xfrm>
+            <a:off x="-54784" y="358434"/>
+            <a:ext cx="1188992" cy="956798"/>
+          </a:xfrm>
+          <a:prstGeom prst="rect">
+            <a:avLst/>
+          </a:prstGeom>
+        </p:spPr>
+      </p:pic>
+    </p:spTree>
+    <p:extLst>
+      <p:ext uri="{BB962C8B-B14F-4D97-AF65-F5344CB8AC3E}">
+        <p14:creationId xmlns:p14="http://schemas.microsoft.com/office/powerpoint/2010/main" val="2926691120"/>
       </p:ext>
     </p:extLst>
   </p:cSld>

--- a/Aurkezpena/Aurkezpena_5.taldea_2.sprint.pptx
+++ b/Aurkezpena/Aurkezpena_5.taldea_2.sprint.pptx
@@ -223,7 +223,7 @@
           <a:p>
             <a:fld id="{2487B47E-1D1C-43F0-89C4-15CB0C688C8C}" type="datetimeFigureOut">
               <a:rPr lang="es-ES" smtClean="0"/>
-              <a:t>30/04/2024</a:t>
+              <a:t>03/05/2024</a:t>
             </a:fld>
             <a:endParaRPr lang="es-ES"/>
           </a:p>
@@ -3396,7 +3396,7 @@
           <a:p>
             <a:fld id="{A4494A19-2FE0-4714-AFB5-1C06E5FDE156}" type="datetime1">
               <a:rPr lang="es-ES" smtClean="0"/>
-              <a:t>30/04/2024</a:t>
+              <a:t>03/05/2024</a:t>
             </a:fld>
             <a:endParaRPr lang="es-ES"/>
           </a:p>
@@ -4855,7 +4855,7 @@
           <a:p>
             <a:fld id="{0AD4EEB9-D602-4ADA-9638-1CEDB281874F}" type="datetime1">
               <a:rPr lang="es-ES" smtClean="0"/>
-              <a:t>30/04/2024</a:t>
+              <a:t>03/05/2024</a:t>
             </a:fld>
             <a:endParaRPr lang="es-ES"/>
           </a:p>
@@ -6338,7 +6338,7 @@
           <a:p>
             <a:fld id="{2163F725-5AC1-4963-9811-013D7C0CB664}" type="datetime1">
               <a:rPr lang="es-ES" smtClean="0"/>
-              <a:t>30/04/2024</a:t>
+              <a:t>03/05/2024</a:t>
             </a:fld>
             <a:endParaRPr lang="es-ES"/>
           </a:p>
@@ -7823,7 +7823,7 @@
           <a:p>
             <a:fld id="{64904734-3ABD-4097-97A1-89BEEA1A476B}" type="datetime1">
               <a:rPr lang="es-ES" smtClean="0"/>
-              <a:t>30/04/2024</a:t>
+              <a:t>03/05/2024</a:t>
             </a:fld>
             <a:endParaRPr lang="es-ES"/>
           </a:p>
@@ -9361,7 +9361,7 @@
           <a:p>
             <a:fld id="{6DE09703-F0B6-41F1-81EF-5E4F8544FBC6}" type="datetime1">
               <a:rPr lang="es-ES" smtClean="0"/>
-              <a:t>30/04/2024</a:t>
+              <a:t>03/05/2024</a:t>
             </a:fld>
             <a:endParaRPr lang="es-ES"/>
           </a:p>
@@ -10912,7 +10912,7 @@
           <a:p>
             <a:fld id="{B02AAFE6-8E4F-4BE2-A4C9-62D5544A5903}" type="datetime1">
               <a:rPr lang="es-ES" smtClean="0"/>
-              <a:t>30/04/2024</a:t>
+              <a:t>03/05/2024</a:t>
             </a:fld>
             <a:endParaRPr lang="es-ES"/>
           </a:p>
@@ -12607,7 +12607,7 @@
           <a:p>
             <a:fld id="{B3E99D71-489C-4BD7-B47C-BD6232AE68CB}" type="datetime1">
               <a:rPr lang="es-ES" smtClean="0"/>
-              <a:t>30/04/2024</a:t>
+              <a:t>03/05/2024</a:t>
             </a:fld>
             <a:endParaRPr lang="es-ES"/>
           </a:p>
@@ -14035,7 +14035,7 @@
           <a:p>
             <a:fld id="{F2A931DC-EFD8-49DA-8E50-FF5963DC2FD8}" type="datetime1">
               <a:rPr lang="es-ES" smtClean="0"/>
-              <a:t>30/04/2024</a:t>
+              <a:t>03/05/2024</a:t>
             </a:fld>
             <a:endParaRPr lang="es-ES"/>
           </a:p>
@@ -14165,7 +14165,7 @@
           <a:p>
             <a:fld id="{DDE72351-780F-4A81-95E0-AAF05442C245}" type="datetime1">
               <a:rPr lang="es-ES" smtClean="0"/>
-              <a:t>30/04/2024</a:t>
+              <a:t>03/05/2024</a:t>
             </a:fld>
             <a:endParaRPr lang="es-ES"/>
           </a:p>
@@ -15721,7 +15721,7 @@
           <a:p>
             <a:fld id="{6E0BC31F-DB3D-405E-87FE-15795BF92D84}" type="datetime1">
               <a:rPr lang="es-ES" smtClean="0"/>
-              <a:t>30/04/2024</a:t>
+              <a:t>03/05/2024</a:t>
             </a:fld>
             <a:endParaRPr lang="es-ES"/>
           </a:p>
@@ -17287,7 +17287,7 @@
           <a:p>
             <a:fld id="{8FFDA3A6-69A1-4D6C-BC5C-8547B182FC28}" type="datetime1">
               <a:rPr lang="es-ES" smtClean="0"/>
-              <a:t>30/04/2024</a:t>
+              <a:t>03/05/2024</a:t>
             </a:fld>
             <a:endParaRPr lang="es-ES"/>
           </a:p>
@@ -17567,7 +17567,7 @@
           <a:p>
             <a:fld id="{0DEA9F21-826E-48B5-9F6B-EC53318AA5DF}" type="datetime1">
               <a:rPr lang="es-ES" smtClean="0"/>
-              <a:t>30/04/2024</a:t>
+              <a:t>03/05/2024</a:t>
             </a:fld>
             <a:endParaRPr lang="es-ES"/>
           </a:p>
@@ -18095,7 +18095,7 @@
               <a:rPr lang="es-ES" smtClean="0"/>
               <a:t>1</a:t>
             </a:fld>
-            <a:endParaRPr lang="es-ES"/>
+            <a:endParaRPr lang="es-ES" dirty="0"/>
           </a:p>
         </p:txBody>
       </p:sp>
@@ -18708,11 +18708,11 @@
               <a:t> </a:t>
             </a:r>
             <a:r>
-              <a:rPr lang="es-ES" dirty="0" err="1"/>
-              <a:t>agindau</a:t>
+              <a:rPr lang="es-ES" dirty="0" err="1" smtClean="0"/>
+              <a:t>agindua</a:t>
             </a:r>
             <a:r>
-              <a:rPr lang="es-ES" dirty="0"/>
+              <a:rPr lang="es-ES" dirty="0" smtClean="0"/>
               <a:t> </a:t>
             </a:r>
             <a:r>
@@ -20508,20 +20508,20 @@
           <a:lstStyle/>
           <a:p>
             <a:r>
-              <a:rPr lang="es-ES" dirty="0">
+              <a:rPr lang="es-ES" dirty="0" smtClean="0">
                 <a:ea typeface="Calibri Light"/>
                 <a:cs typeface="Calibri Light"/>
               </a:rPr>
               <a:t>Log-</a:t>
             </a:r>
             <a:r>
-              <a:rPr lang="es-ES" dirty="0" err="1">
+              <a:rPr lang="eu-ES" dirty="0" err="1" smtClean="0">
                 <a:ea typeface="Calibri Light"/>
                 <a:cs typeface="Calibri Light"/>
               </a:rPr>
               <a:t>Trigger</a:t>
             </a:r>
-            <a:endParaRPr lang="es-ES" dirty="0" err="1"/>
+            <a:endParaRPr lang="eu-ES" dirty="0"/>
           </a:p>
         </p:txBody>
       </p:sp>
@@ -20564,7 +20564,7 @@
               <a:t> </a:t>
             </a:r>
             <a:r>
-              <a:rPr lang="es-ES" dirty="0" err="1" smtClean="0"/>
+              <a:rPr lang="eu-ES" dirty="0" smtClean="0"/>
               <a:t>bertan</a:t>
             </a:r>
             <a:r>
@@ -21460,11 +21460,11 @@
           <a:lstStyle/>
           <a:p>
             <a:r>
-              <a:rPr lang="es-ES" dirty="0" err="1"/>
-              <a:t>Asoziaozio</a:t>
+              <a:rPr lang="es-ES" dirty="0" err="1" smtClean="0"/>
+              <a:t>Asoziazio</a:t>
             </a:r>
             <a:r>
-              <a:rPr lang="es-ES" dirty="0"/>
+              <a:rPr lang="es-ES" dirty="0" smtClean="0"/>
               <a:t> </a:t>
             </a:r>
             <a:r>
@@ -21485,10 +21485,14 @@
             </a:r>
             <a:r>
               <a:rPr lang="es-ES" dirty="0" err="1"/>
-              <a:t>Produzitutako</a:t>
+              <a:t>p</a:t>
             </a:r>
             <a:r>
-              <a:rPr lang="es-ES" dirty="0"/>
+              <a:rPr lang="es-ES" dirty="0" err="1" smtClean="0"/>
+              <a:t>roduzitutako</a:t>
+            </a:r>
+            <a:r>
+              <a:rPr lang="es-ES" dirty="0" smtClean="0"/>
               <a:t> </a:t>
             </a:r>
             <a:r>
